--- a/targetProject/docs/올챙이로 살펴보는 Eclipse개발.pptx
+++ b/targetProject/docs/올챙이로 살펴보는 Eclipse개발.pptx
@@ -5,7 +5,7 @@
     <p:sldMasterId id="2147483660" r:id="rId1"/>
   </p:sldMasterIdLst>
   <p:notesMasterIdLst>
-    <p:notesMasterId r:id="rId37"/>
+    <p:notesMasterId r:id="rId38"/>
   </p:notesMasterIdLst>
   <p:sldIdLst>
     <p:sldId id="256" r:id="rId2"/>
@@ -27,22 +27,23 @@
     <p:sldId id="280" r:id="rId18"/>
     <p:sldId id="291" r:id="rId19"/>
     <p:sldId id="292" r:id="rId20"/>
-    <p:sldId id="281" r:id="rId21"/>
-    <p:sldId id="271" r:id="rId22"/>
-    <p:sldId id="267" r:id="rId23"/>
-    <p:sldId id="268" r:id="rId24"/>
-    <p:sldId id="283" r:id="rId25"/>
-    <p:sldId id="270" r:id="rId26"/>
-    <p:sldId id="269" r:id="rId27"/>
-    <p:sldId id="272" r:id="rId28"/>
-    <p:sldId id="275" r:id="rId29"/>
-    <p:sldId id="276" r:id="rId30"/>
-    <p:sldId id="277" r:id="rId31"/>
-    <p:sldId id="284" r:id="rId32"/>
-    <p:sldId id="286" r:id="rId33"/>
-    <p:sldId id="273" r:id="rId34"/>
-    <p:sldId id="285" r:id="rId35"/>
-    <p:sldId id="288" r:id="rId36"/>
+    <p:sldId id="293" r:id="rId21"/>
+    <p:sldId id="281" r:id="rId22"/>
+    <p:sldId id="271" r:id="rId23"/>
+    <p:sldId id="267" r:id="rId24"/>
+    <p:sldId id="268" r:id="rId25"/>
+    <p:sldId id="283" r:id="rId26"/>
+    <p:sldId id="270" r:id="rId27"/>
+    <p:sldId id="269" r:id="rId28"/>
+    <p:sldId id="272" r:id="rId29"/>
+    <p:sldId id="275" r:id="rId30"/>
+    <p:sldId id="276" r:id="rId31"/>
+    <p:sldId id="277" r:id="rId32"/>
+    <p:sldId id="284" r:id="rId33"/>
+    <p:sldId id="286" r:id="rId34"/>
+    <p:sldId id="273" r:id="rId35"/>
+    <p:sldId id="285" r:id="rId36"/>
+    <p:sldId id="288" r:id="rId37"/>
   </p:sldIdLst>
   <p:sldSz cx="9144000" cy="6858000" type="screen4x3"/>
   <p:notesSz cx="6864350" cy="9996488"/>
@@ -227,7 +228,7 @@
             <a:fld id="{AE0AA4B3-3A98-4ED1-B469-5A41681A4FC5}" type="datetimeFigureOut">
               <a:rPr lang="ko-KR" altLang="en-US" smtClean="0"/>
               <a:pPr/>
-              <a:t>2012-09-06</a:t>
+              <a:t>2012-09-18</a:t>
             </a:fld>
             <a:endParaRPr lang="ko-KR" altLang="en-US"/>
           </a:p>
@@ -398,7 +399,7 @@
     </p:spTree>
     <p:extLst>
       <p:ext uri="{BB962C8B-B14F-4D97-AF65-F5344CB8AC3E}">
-        <p14:creationId xmlns:p14="http://schemas.microsoft.com/office/powerpoint/2010/main" val="4168351518"/>
+        <p14:creationId xmlns:p14="http://schemas.microsoft.com/office/powerpoint/2010/main" xmlns="" val="4168351518"/>
       </p:ext>
     </p:extLst>
   </p:cSld>
@@ -653,7 +654,7 @@
     </p:spTree>
     <p:extLst>
       <p:ext uri="{BB962C8B-B14F-4D97-AF65-F5344CB8AC3E}">
-        <p14:creationId xmlns:p14="http://schemas.microsoft.com/office/powerpoint/2010/main" val="288100614"/>
+        <p14:creationId xmlns:p14="http://schemas.microsoft.com/office/powerpoint/2010/main" xmlns="" val="288100614"/>
       </p:ext>
     </p:extLst>
   </p:cSld>
@@ -780,7 +781,7 @@
     </p:spTree>
     <p:extLst>
       <p:ext uri="{BB962C8B-B14F-4D97-AF65-F5344CB8AC3E}">
-        <p14:creationId xmlns:p14="http://schemas.microsoft.com/office/powerpoint/2010/main" val="2415521256"/>
+        <p14:creationId xmlns:p14="http://schemas.microsoft.com/office/powerpoint/2010/main" xmlns="" val="2415521256"/>
       </p:ext>
     </p:extLst>
   </p:cSld>
@@ -884,11 +885,7 @@
             </a:r>
             <a:r>
               <a:rPr lang="en-US" altLang="ko-KR" dirty="0" smtClean="0"/>
-              <a:t> </a:t>
-            </a:r>
-            <a:r>
-              <a:rPr lang="en-US" altLang="ko-KR" dirty="0" smtClean="0"/>
-              <a:t>: </a:t>
+              <a:t> : </a:t>
             </a:r>
             <a:r>
               <a:rPr lang="ko-KR" altLang="en-US" dirty="0" smtClean="0"/>
@@ -1216,7 +1213,7 @@
     </p:spTree>
     <p:extLst>
       <p:ext uri="{BB962C8B-B14F-4D97-AF65-F5344CB8AC3E}">
-        <p14:creationId xmlns:p14="http://schemas.microsoft.com/office/powerpoint/2010/main" val="516287269"/>
+        <p14:creationId xmlns:p14="http://schemas.microsoft.com/office/powerpoint/2010/main" xmlns="" val="516287269"/>
       </p:ext>
     </p:extLst>
   </p:cSld>
@@ -1267,29 +1264,473 @@
         </p:nvSpPr>
         <p:spPr/>
         <p:txBody>
-          <a:bodyPr/>
+          <a:bodyPr>
+            <a:normAutofit/>
+          </a:bodyPr>
           <a:lstStyle/>
           <a:p>
             <a:r>
-              <a:rPr lang="ko-KR" altLang="en-US" dirty="0" err="1" smtClean="0"/>
-              <a:t>이클립스는</a:t>
-            </a:r>
-            <a:r>
-              <a:rPr lang="ko-KR" altLang="en-US" dirty="0" smtClean="0"/>
+              <a:rPr lang="en-US" altLang="ko-KR" sz="1200" b="0" i="0" kern="1200" dirty="0" err="1" smtClean="0">
+                <a:solidFill>
+                  <a:schemeClr val="tx1"/>
+                </a:solidFill>
+                <a:latin typeface="+mn-lt"/>
+                <a:ea typeface="+mn-ea"/>
+                <a:cs typeface="+mn-cs"/>
+              </a:rPr>
+              <a:t>com.hangum.db.browser.rap.Application#createUI</a:t>
+            </a:r>
+            <a:r>
+              <a:rPr lang="en-US" altLang="ko-KR" sz="1200" b="0" i="0" kern="1200" dirty="0" smtClean="0">
+                <a:solidFill>
+                  <a:schemeClr val="tx1"/>
+                </a:solidFill>
+                <a:latin typeface="+mn-lt"/>
+                <a:ea typeface="+mn-ea"/>
+                <a:cs typeface="+mn-cs"/>
+              </a:rPr>
+              <a:t>() : </a:t>
+            </a:r>
+            <a:r>
+              <a:rPr lang="en-US" altLang="ko-KR" sz="1200" b="0" i="0" kern="1200" dirty="0" err="1" smtClean="0">
+                <a:solidFill>
+                  <a:schemeClr val="tx1"/>
+                </a:solidFill>
+                <a:latin typeface="+mn-lt"/>
+                <a:ea typeface="+mn-ea"/>
+                <a:cs typeface="+mn-cs"/>
+              </a:rPr>
+              <a:t>Sesseion</a:t>
+            </a:r>
+            <a:r>
+              <a:rPr lang="en-US" altLang="ko-KR" sz="1200" b="0" i="0" kern="1200" dirty="0" smtClean="0">
+                <a:solidFill>
+                  <a:schemeClr val="tx1"/>
+                </a:solidFill>
+                <a:latin typeface="+mn-lt"/>
+                <a:ea typeface="+mn-ea"/>
+                <a:cs typeface="+mn-cs"/>
+              </a:rPr>
               <a:t> </a:t>
             </a:r>
             <a:r>
-              <a:rPr lang="en-US" altLang="ko-KR" dirty="0" smtClean="0"/>
-              <a:t>Extension</a:t>
-            </a:r>
-            <a:r>
-              <a:rPr lang="ko-KR" altLang="en-US" dirty="0" smtClean="0"/>
-              <a:t>이라는 확장을 통해 개발하게 됩니다</a:t>
-            </a:r>
-            <a:r>
-              <a:rPr lang="en-US" altLang="ko-KR" dirty="0" smtClean="0"/>
+              <a:rPr lang="ko-KR" altLang="en-US" sz="1200" b="0" i="0" kern="1200" dirty="0" smtClean="0">
+                <a:solidFill>
+                  <a:schemeClr val="tx1"/>
+                </a:solidFill>
+                <a:latin typeface="+mn-lt"/>
+                <a:ea typeface="+mn-ea"/>
+                <a:cs typeface="+mn-cs"/>
+              </a:rPr>
+              <a:t>설정 합니다</a:t>
+            </a:r>
+            <a:r>
+              <a:rPr lang="en-US" altLang="ko-KR" sz="1200" b="0" i="0" kern="1200" dirty="0" smtClean="0">
+                <a:solidFill>
+                  <a:schemeClr val="tx1"/>
+                </a:solidFill>
+                <a:latin typeface="+mn-lt"/>
+                <a:ea typeface="+mn-ea"/>
+                <a:cs typeface="+mn-cs"/>
+              </a:rPr>
               <a:t>.</a:t>
             </a:r>
+          </a:p>
+          <a:p>
+            <a:r>
+              <a:rPr lang="en-US" altLang="ko-KR" sz="1200" b="0" i="0" kern="1200" dirty="0" err="1" smtClean="0">
+                <a:solidFill>
+                  <a:schemeClr val="tx1"/>
+                </a:solidFill>
+                <a:latin typeface="+mn-lt"/>
+                <a:ea typeface="+mn-ea"/>
+                <a:cs typeface="+mn-cs"/>
+              </a:rPr>
+              <a:t>com.hangum.db.browser.rap.ApplicationWorkbenchAdvisor</a:t>
+            </a:r>
+            <a:r>
+              <a:rPr lang="en-US" altLang="ko-KR" sz="1200" b="0" i="0" kern="1200" dirty="0" smtClean="0">
+                <a:solidFill>
+                  <a:schemeClr val="tx1"/>
+                </a:solidFill>
+                <a:latin typeface="+mn-lt"/>
+                <a:ea typeface="+mn-ea"/>
+                <a:cs typeface="+mn-cs"/>
+              </a:rPr>
+              <a:t> : </a:t>
+            </a:r>
+            <a:r>
+              <a:rPr lang="ko-KR" altLang="en-US" sz="1200" b="0" i="0" kern="1200" dirty="0" smtClean="0">
+                <a:solidFill>
+                  <a:schemeClr val="tx1"/>
+                </a:solidFill>
+                <a:latin typeface="+mn-lt"/>
+                <a:ea typeface="+mn-ea"/>
+                <a:cs typeface="+mn-cs"/>
+              </a:rPr>
+              <a:t>올챙이 홈 페이지 오픈 합니다</a:t>
+            </a:r>
+            <a:r>
+              <a:rPr lang="en-US" altLang="ko-KR" sz="1200" b="0" i="0" kern="1200" dirty="0" smtClean="0">
+                <a:solidFill>
+                  <a:schemeClr val="tx1"/>
+                </a:solidFill>
+                <a:latin typeface="+mn-lt"/>
+                <a:ea typeface="+mn-ea"/>
+                <a:cs typeface="+mn-cs"/>
+              </a:rPr>
+              <a:t>.</a:t>
+            </a:r>
+          </a:p>
+          <a:p>
+            <a:r>
+              <a:rPr lang="en-US" altLang="ko-KR" sz="1200" b="0" i="0" kern="1200" dirty="0" err="1" smtClean="0">
+                <a:solidFill>
+                  <a:schemeClr val="tx1"/>
+                </a:solidFill>
+                <a:latin typeface="+mn-lt"/>
+                <a:ea typeface="+mn-ea"/>
+                <a:cs typeface="+mn-cs"/>
+              </a:rPr>
+              <a:t>com.hangum.db.browser.rap.ApplicationWorkbenchWindowAdvisor</a:t>
+            </a:r>
+            <a:r>
+              <a:rPr lang="en-US" altLang="ko-KR" sz="1200" b="0" i="0" kern="1200" dirty="0" smtClean="0">
+                <a:solidFill>
+                  <a:schemeClr val="tx1"/>
+                </a:solidFill>
+                <a:latin typeface="+mn-lt"/>
+                <a:ea typeface="+mn-ea"/>
+                <a:cs typeface="+mn-cs"/>
+              </a:rPr>
+              <a:t> : </a:t>
+            </a:r>
+            <a:r>
+              <a:rPr lang="ko-KR" altLang="en-US" sz="1200" b="0" i="0" kern="1200" dirty="0" smtClean="0">
+                <a:solidFill>
+                  <a:schemeClr val="tx1"/>
+                </a:solidFill>
+                <a:latin typeface="+mn-lt"/>
+                <a:ea typeface="+mn-ea"/>
+                <a:cs typeface="+mn-cs"/>
+              </a:rPr>
+              <a:t>초기 </a:t>
+            </a:r>
+            <a:r>
+              <a:rPr lang="en-US" altLang="ko-KR" sz="1200" b="0" i="0" kern="1200" dirty="0" smtClean="0">
+                <a:solidFill>
+                  <a:schemeClr val="tx1"/>
+                </a:solidFill>
+                <a:latin typeface="+mn-lt"/>
+                <a:ea typeface="+mn-ea"/>
+                <a:cs typeface="+mn-cs"/>
+              </a:rPr>
+              <a:t>UI</a:t>
+            </a:r>
+            <a:r>
+              <a:rPr lang="ko-KR" altLang="en-US" sz="1200" b="0" i="0" kern="1200" dirty="0" smtClean="0">
+                <a:solidFill>
+                  <a:schemeClr val="tx1"/>
+                </a:solidFill>
+                <a:latin typeface="+mn-lt"/>
+                <a:ea typeface="+mn-ea"/>
+                <a:cs typeface="+mn-cs"/>
+              </a:rPr>
+              <a:t>정의</a:t>
+            </a:r>
+            <a:r>
+              <a:rPr lang="en-US" altLang="ko-KR" sz="1200" b="0" i="0" kern="1200" dirty="0" smtClean="0">
+                <a:solidFill>
+                  <a:schemeClr val="tx1"/>
+                </a:solidFill>
+                <a:latin typeface="+mn-lt"/>
+                <a:ea typeface="+mn-ea"/>
+                <a:cs typeface="+mn-cs"/>
+              </a:rPr>
+              <a:t>, </a:t>
+            </a:r>
+            <a:r>
+              <a:rPr lang="ko-KR" altLang="en-US" sz="1200" b="0" i="0" kern="1200" dirty="0" err="1" smtClean="0">
+                <a:solidFill>
+                  <a:schemeClr val="tx1"/>
+                </a:solidFill>
+                <a:latin typeface="+mn-lt"/>
+                <a:ea typeface="+mn-ea"/>
+                <a:cs typeface="+mn-cs"/>
+              </a:rPr>
+              <a:t>디비에</a:t>
+            </a:r>
+            <a:r>
+              <a:rPr lang="ko-KR" altLang="en-US" sz="1200" b="0" i="0" kern="1200" dirty="0" smtClean="0">
+                <a:solidFill>
+                  <a:schemeClr val="tx1"/>
+                </a:solidFill>
+                <a:latin typeface="+mn-lt"/>
+                <a:ea typeface="+mn-ea"/>
+                <a:cs typeface="+mn-cs"/>
+              </a:rPr>
+              <a:t> 테이블이 없다면 테이블 및 기초 유저 생성 후에 로그인 다이얼로그 오픈 합니다</a:t>
+            </a:r>
+            <a:r>
+              <a:rPr lang="en-US" altLang="ko-KR" sz="1200" b="0" i="0" kern="1200" dirty="0" smtClean="0">
+                <a:solidFill>
+                  <a:schemeClr val="tx1"/>
+                </a:solidFill>
+                <a:latin typeface="+mn-lt"/>
+                <a:ea typeface="+mn-ea"/>
+                <a:cs typeface="+mn-cs"/>
+              </a:rPr>
+              <a:t>.</a:t>
+            </a:r>
+          </a:p>
+          <a:p>
+            <a:r>
+              <a:rPr lang="en-US" altLang="ko-KR" sz="1200" b="0" i="0" kern="1200" dirty="0" smtClean="0">
+                <a:solidFill>
+                  <a:schemeClr val="tx1"/>
+                </a:solidFill>
+                <a:latin typeface="+mn-lt"/>
+                <a:ea typeface="+mn-ea"/>
+                <a:cs typeface="+mn-cs"/>
+              </a:rPr>
+              <a:t>3.</a:t>
+            </a:r>
+            <a:r>
+              <a:rPr lang="ko-KR" altLang="en-US" sz="1200" b="0" i="0" kern="1200" dirty="0" smtClean="0">
+                <a:solidFill>
+                  <a:schemeClr val="tx1"/>
+                </a:solidFill>
+                <a:latin typeface="+mn-lt"/>
+                <a:ea typeface="+mn-ea"/>
+                <a:cs typeface="+mn-cs"/>
+              </a:rPr>
+              <a:t>정상이라면 </a:t>
+            </a:r>
+            <a:r>
+              <a:rPr lang="en-US" altLang="ko-KR" sz="1200" b="0" i="0" kern="1200" dirty="0" err="1" smtClean="0">
+                <a:solidFill>
+                  <a:schemeClr val="tx1"/>
+                </a:solidFill>
+                <a:latin typeface="+mn-lt"/>
+                <a:ea typeface="+mn-ea"/>
+                <a:cs typeface="+mn-cs"/>
+              </a:rPr>
+              <a:t>com.hangum.db.browser.rap.Perspective</a:t>
+            </a:r>
+            <a:r>
+              <a:rPr lang="en-US" altLang="ko-KR" sz="1200" b="0" i="0" kern="1200" dirty="0" smtClean="0">
+                <a:solidFill>
+                  <a:schemeClr val="tx1"/>
+                </a:solidFill>
+                <a:latin typeface="+mn-lt"/>
+                <a:ea typeface="+mn-ea"/>
+                <a:cs typeface="+mn-cs"/>
+              </a:rPr>
+              <a:t> </a:t>
+            </a:r>
+            <a:r>
+              <a:rPr lang="ko-KR" altLang="en-US" sz="1200" b="0" i="0" kern="1200" dirty="0" smtClean="0">
+                <a:solidFill>
+                  <a:schemeClr val="tx1"/>
+                </a:solidFill>
+                <a:latin typeface="+mn-lt"/>
+                <a:ea typeface="+mn-ea"/>
+                <a:cs typeface="+mn-cs"/>
+              </a:rPr>
+              <a:t>에 정의된 </a:t>
+            </a:r>
+            <a:r>
+              <a:rPr lang="en-US" altLang="ko-KR" sz="1200" b="0" i="0" kern="1200" dirty="0" smtClean="0">
+                <a:solidFill>
+                  <a:schemeClr val="tx1"/>
+                </a:solidFill>
+                <a:latin typeface="+mn-lt"/>
+                <a:ea typeface="+mn-ea"/>
+                <a:cs typeface="+mn-cs"/>
+              </a:rPr>
+              <a:t>Database View</a:t>
+            </a:r>
+            <a:r>
+              <a:rPr lang="ko-KR" altLang="en-US" sz="1200" b="0" i="0" kern="1200" dirty="0" smtClean="0">
+                <a:solidFill>
+                  <a:schemeClr val="tx1"/>
+                </a:solidFill>
+                <a:latin typeface="+mn-lt"/>
+                <a:ea typeface="+mn-ea"/>
+                <a:cs typeface="+mn-cs"/>
+              </a:rPr>
+              <a:t>와 </a:t>
+            </a:r>
+            <a:r>
+              <a:rPr lang="en-US" altLang="ko-KR" sz="1200" b="0" i="0" kern="1200" dirty="0" smtClean="0">
+                <a:solidFill>
+                  <a:schemeClr val="tx1"/>
+                </a:solidFill>
+                <a:latin typeface="+mn-lt"/>
+                <a:ea typeface="+mn-ea"/>
+                <a:cs typeface="+mn-cs"/>
+              </a:rPr>
+              <a:t>Object Explorer view </a:t>
+            </a:r>
+            <a:r>
+              <a:rPr lang="ko-KR" altLang="en-US" sz="1200" b="0" i="0" kern="1200" dirty="0" err="1" smtClean="0">
+                <a:solidFill>
+                  <a:schemeClr val="tx1"/>
+                </a:solidFill>
+                <a:latin typeface="+mn-lt"/>
+                <a:ea typeface="+mn-ea"/>
+                <a:cs typeface="+mn-cs"/>
+              </a:rPr>
+              <a:t>오픈합니다</a:t>
+            </a:r>
+            <a:r>
+              <a:rPr lang="en-US" altLang="ko-KR" sz="1200" b="0" i="0" kern="1200" dirty="0" smtClean="0">
+                <a:solidFill>
+                  <a:schemeClr val="tx1"/>
+                </a:solidFill>
+                <a:latin typeface="+mn-lt"/>
+                <a:ea typeface="+mn-ea"/>
+                <a:cs typeface="+mn-cs"/>
+              </a:rPr>
+              <a:t>.</a:t>
+            </a:r>
+          </a:p>
+          <a:p>
+            <a:r>
+              <a:rPr lang="en-US" altLang="ko-KR" sz="1200" b="0" i="0" kern="1200" dirty="0" smtClean="0">
+                <a:solidFill>
+                  <a:schemeClr val="tx1"/>
+                </a:solidFill>
+                <a:latin typeface="+mn-lt"/>
+                <a:ea typeface="+mn-ea"/>
+                <a:cs typeface="+mn-cs"/>
+              </a:rPr>
+              <a:t>Database view(com.hangum.db.browser.rap.core.viewers.connections.ManagerViewer)</a:t>
+            </a:r>
+            <a:r>
+              <a:rPr lang="ko-KR" altLang="en-US" sz="1200" b="0" i="0" kern="1200" dirty="0" smtClean="0">
+                <a:solidFill>
+                  <a:schemeClr val="tx1"/>
+                </a:solidFill>
+                <a:latin typeface="+mn-lt"/>
+                <a:ea typeface="+mn-ea"/>
+                <a:cs typeface="+mn-cs"/>
+              </a:rPr>
+              <a:t>가 오픈될 때 </a:t>
+            </a:r>
+            <a:r>
+              <a:rPr lang="en-US" altLang="ko-KR" sz="1200" b="0" i="0" kern="1200" dirty="0" smtClean="0">
+                <a:solidFill>
+                  <a:schemeClr val="tx1"/>
+                </a:solidFill>
+                <a:latin typeface="+mn-lt"/>
+                <a:ea typeface="+mn-ea"/>
+                <a:cs typeface="+mn-cs"/>
+              </a:rPr>
+              <a:t>#init()</a:t>
+            </a:r>
+            <a:r>
+              <a:rPr lang="ko-KR" altLang="en-US" sz="1200" b="0" i="0" kern="1200" dirty="0" smtClean="0">
+                <a:solidFill>
+                  <a:schemeClr val="tx1"/>
+                </a:solidFill>
+                <a:latin typeface="+mn-lt"/>
+                <a:ea typeface="+mn-ea"/>
+                <a:cs typeface="+mn-cs"/>
+              </a:rPr>
+              <a:t>에서 사용자에게 초기 할당된 디비 리스트를 등록하고 초기 작업을 마무리합니다</a:t>
+            </a:r>
+            <a:r>
+              <a:rPr lang="en-US" altLang="ko-KR" sz="1200" b="0" i="0" kern="1200" dirty="0" smtClean="0">
+                <a:solidFill>
+                  <a:schemeClr val="tx1"/>
+                </a:solidFill>
+                <a:latin typeface="+mn-lt"/>
+                <a:ea typeface="+mn-ea"/>
+                <a:cs typeface="+mn-cs"/>
+              </a:rPr>
+              <a:t>.</a:t>
+            </a:r>
+          </a:p>
+          <a:p>
+            <a:r>
+              <a:rPr lang="ko-KR" altLang="en-US" sz="1200" b="0" i="1" kern="1200" dirty="0" err="1" smtClean="0">
+                <a:solidFill>
+                  <a:schemeClr val="tx1"/>
+                </a:solidFill>
+                <a:latin typeface="+mn-lt"/>
+                <a:ea typeface="+mn-ea"/>
+                <a:cs typeface="+mn-cs"/>
+              </a:rPr>
+              <a:t>시작시</a:t>
+            </a:r>
+            <a:r>
+              <a:rPr lang="ko-KR" altLang="en-US" sz="1200" b="0" i="1" kern="1200" dirty="0" smtClean="0">
+                <a:solidFill>
+                  <a:schemeClr val="tx1"/>
+                </a:solidFill>
+                <a:latin typeface="+mn-lt"/>
+                <a:ea typeface="+mn-ea"/>
+                <a:cs typeface="+mn-cs"/>
+              </a:rPr>
+              <a:t> </a:t>
+            </a:r>
+            <a:r>
+              <a:rPr lang="ko-KR" altLang="en-US" sz="1200" b="0" i="1" kern="1200" dirty="0" err="1" smtClean="0">
+                <a:solidFill>
+                  <a:schemeClr val="tx1"/>
+                </a:solidFill>
+                <a:latin typeface="+mn-lt"/>
+                <a:ea typeface="+mn-ea"/>
+                <a:cs typeface="+mn-cs"/>
+              </a:rPr>
+              <a:t>아규먼트</a:t>
+            </a:r>
+            <a:r>
+              <a:rPr lang="ko-KR" altLang="en-US" sz="1200" b="0" i="1" kern="1200" dirty="0" smtClean="0">
+                <a:solidFill>
+                  <a:schemeClr val="tx1"/>
+                </a:solidFill>
+                <a:latin typeface="+mn-lt"/>
+                <a:ea typeface="+mn-ea"/>
+                <a:cs typeface="+mn-cs"/>
+              </a:rPr>
+              <a:t> 설명은 다음을 참고합니다</a:t>
+            </a:r>
+            <a:r>
+              <a:rPr lang="en-US" altLang="ko-KR" sz="1200" b="0" i="1" kern="1200" dirty="0" smtClean="0">
+                <a:solidFill>
+                  <a:schemeClr val="tx1"/>
+                </a:solidFill>
+                <a:latin typeface="+mn-lt"/>
+                <a:ea typeface="+mn-ea"/>
+                <a:cs typeface="+mn-cs"/>
+              </a:rPr>
+              <a:t>.</a:t>
+            </a:r>
+            <a:r>
+              <a:rPr lang="en-US" altLang="ko-KR" sz="1200" b="0" i="1" u="none" strike="noStrike" kern="1200" dirty="0" smtClean="0">
+                <a:solidFill>
+                  <a:schemeClr val="tx1"/>
+                </a:solidFill>
+                <a:latin typeface="+mn-lt"/>
+                <a:ea typeface="+mn-ea"/>
+                <a:cs typeface="+mn-cs"/>
+                <a:hlinkClick r:id="rId3"/>
+              </a:rPr>
+              <a:t>https://github.com/hangum/TadpoleForDBTools/blob/master/targetProject/docs/engine%20argument%20options.txt</a:t>
+            </a:r>
+            <a:endParaRPr lang="ko-KR" altLang="en-US" sz="1200" b="0" i="0" kern="1200" dirty="0" smtClean="0">
+              <a:solidFill>
+                <a:schemeClr val="tx1"/>
+              </a:solidFill>
+              <a:latin typeface="+mn-lt"/>
+              <a:ea typeface="+mn-ea"/>
+              <a:cs typeface="+mn-cs"/>
+            </a:endParaRPr>
+          </a:p>
+          <a:p>
+            <a:endParaRPr lang="ko-KR" altLang="en-US" dirty="0"/>
           </a:p>
         </p:txBody>
       </p:sp>
@@ -1318,11 +1759,6 @@
         </p:txBody>
       </p:sp>
     </p:spTree>
-    <p:extLst>
-      <p:ext uri="{BB962C8B-B14F-4D97-AF65-F5344CB8AC3E}">
-        <p14:creationId xmlns:p14="http://schemas.microsoft.com/office/powerpoint/2010/main" val="3283331234"/>
-      </p:ext>
-    </p:extLst>
   </p:cSld>
   <p:clrMapOvr>
     <a:masterClrMapping/>
@@ -1374,6 +1810,110 @@
           <a:bodyPr/>
           <a:lstStyle/>
           <a:p>
+            <a:r>
+              <a:rPr lang="ko-KR" altLang="en-US" dirty="0" err="1" smtClean="0"/>
+              <a:t>이클립스는</a:t>
+            </a:r>
+            <a:r>
+              <a:rPr lang="ko-KR" altLang="en-US" dirty="0" smtClean="0"/>
+              <a:t> </a:t>
+            </a:r>
+            <a:r>
+              <a:rPr lang="en-US" altLang="ko-KR" dirty="0" smtClean="0"/>
+              <a:t>Extension</a:t>
+            </a:r>
+            <a:r>
+              <a:rPr lang="ko-KR" altLang="en-US" dirty="0" smtClean="0"/>
+              <a:t>이라는 확장을 통해 개발하게 됩니다</a:t>
+            </a:r>
+            <a:r>
+              <a:rPr lang="en-US" altLang="ko-KR" dirty="0" smtClean="0"/>
+              <a:t>.</a:t>
+            </a:r>
+          </a:p>
+        </p:txBody>
+      </p:sp>
+      <p:sp>
+        <p:nvSpPr>
+          <p:cNvPr id="4" name="슬라이드 번호 개체 틀 3"/>
+          <p:cNvSpPr>
+            <a:spLocks noGrp="1"/>
+          </p:cNvSpPr>
+          <p:nvPr>
+            <p:ph type="sldNum" sz="quarter" idx="10"/>
+          </p:nvPr>
+        </p:nvSpPr>
+        <p:spPr/>
+        <p:txBody>
+          <a:bodyPr/>
+          <a:lstStyle/>
+          <a:p>
+            <a:fld id="{76DEB4E5-0CA2-4F88-97E6-A13DE8957117}" type="slidenum">
+              <a:rPr lang="ko-KR" altLang="en-US" smtClean="0"/>
+              <a:pPr/>
+              <a:t>21</a:t>
+            </a:fld>
+            <a:endParaRPr lang="ko-KR" altLang="en-US"/>
+          </a:p>
+        </p:txBody>
+      </p:sp>
+    </p:spTree>
+    <p:extLst>
+      <p:ext uri="{BB962C8B-B14F-4D97-AF65-F5344CB8AC3E}">
+        <p14:creationId xmlns:p14="http://schemas.microsoft.com/office/powerpoint/2010/main" xmlns="" val="3283331234"/>
+      </p:ext>
+    </p:extLst>
+  </p:cSld>
+  <p:clrMapOvr>
+    <a:masterClrMapping/>
+  </p:clrMapOvr>
+</p:notes>
+</file>
+
+<file path=ppt/notesSlides/notesSlide15.xml><?xml version="1.0" encoding="utf-8"?>
+<p:notes xmlns:a="http://schemas.openxmlformats.org/drawingml/2006/main" xmlns:r="http://schemas.openxmlformats.org/officeDocument/2006/relationships" xmlns:p="http://schemas.openxmlformats.org/presentationml/2006/main">
+  <p:cSld>
+    <p:spTree>
+      <p:nvGrpSpPr>
+        <p:cNvPr id="1" name=""/>
+        <p:cNvGrpSpPr/>
+        <p:nvPr/>
+      </p:nvGrpSpPr>
+      <p:grpSpPr>
+        <a:xfrm>
+          <a:off x="0" y="0"/>
+          <a:ext cx="0" cy="0"/>
+          <a:chOff x="0" y="0"/>
+          <a:chExt cx="0" cy="0"/>
+        </a:xfrm>
+      </p:grpSpPr>
+      <p:sp>
+        <p:nvSpPr>
+          <p:cNvPr id="2" name="슬라이드 이미지 개체 틀 1"/>
+          <p:cNvSpPr>
+            <a:spLocks noGrp="1" noRot="1" noChangeAspect="1"/>
+          </p:cNvSpPr>
+          <p:nvPr>
+            <p:ph type="sldImg"/>
+          </p:nvPr>
+        </p:nvSpPr>
+        <p:spPr/>
+      </p:sp>
+      <p:sp>
+        <p:nvSpPr>
+          <p:cNvPr id="3" name="슬라이드 노트 개체 틀 2"/>
+          <p:cNvSpPr>
+            <a:spLocks noGrp="1"/>
+          </p:cNvSpPr>
+          <p:nvPr>
+            <p:ph type="body" idx="1"/>
+          </p:nvPr>
+        </p:nvSpPr>
+        <p:spPr/>
+        <p:txBody>
+          <a:bodyPr/>
+          <a:lstStyle/>
+          <a:p>
             <a:pPr marL="171450" marR="0" indent="-171450" algn="l" defTabSz="914400" rtl="0" eaLnBrk="1" fontAlgn="auto" latinLnBrk="1" hangingPunct="1">
               <a:lnSpc>
                 <a:spcPct val="100000"/>
@@ -1688,7 +2228,7 @@
             <a:fld id="{76DEB4E5-0CA2-4F88-97E6-A13DE8957117}" type="slidenum">
               <a:rPr lang="ko-KR" altLang="en-US" smtClean="0"/>
               <a:pPr/>
-              <a:t>35</a:t>
+              <a:t>36</a:t>
             </a:fld>
             <a:endParaRPr lang="ko-KR" altLang="en-US"/>
           </a:p>
@@ -1697,7 +2237,7 @@
     </p:spTree>
     <p:extLst>
       <p:ext uri="{BB962C8B-B14F-4D97-AF65-F5344CB8AC3E}">
-        <p14:creationId xmlns:p14="http://schemas.microsoft.com/office/powerpoint/2010/main" val="3067411640"/>
+        <p14:creationId xmlns:p14="http://schemas.microsoft.com/office/powerpoint/2010/main" xmlns="" val="3067411640"/>
       </p:ext>
     </p:extLst>
   </p:cSld>
@@ -1761,11 +2301,7 @@
             </a:r>
             <a:r>
               <a:rPr lang="ko-KR" altLang="en-US" dirty="0" smtClean="0"/>
-              <a:t>년 부터 </a:t>
-            </a:r>
-            <a:r>
-              <a:rPr lang="ko-KR" altLang="en-US" dirty="0" smtClean="0"/>
-              <a:t>개발해오고   </a:t>
+              <a:t>년 부터 개발해오고   </a:t>
             </a:r>
             <a:r>
               <a:rPr lang="ko-KR" altLang="en-US" dirty="0" err="1" smtClean="0"/>
@@ -1773,11 +2309,7 @@
             </a:r>
             <a:r>
               <a:rPr lang="ko-KR" altLang="en-US" dirty="0" smtClean="0"/>
-              <a:t> </a:t>
-            </a:r>
-            <a:r>
-              <a:rPr lang="ko-KR" altLang="en-US" dirty="0" smtClean="0"/>
-              <a:t>프로젝트입니다</a:t>
+              <a:t> 프로젝트입니다</a:t>
             </a:r>
             <a:r>
               <a:rPr lang="en-US" altLang="ko-KR" dirty="0" smtClean="0"/>
@@ -1846,7 +2378,7 @@
     </p:spTree>
     <p:extLst>
       <p:ext uri="{BB962C8B-B14F-4D97-AF65-F5344CB8AC3E}">
-        <p14:creationId xmlns:p14="http://schemas.microsoft.com/office/powerpoint/2010/main" val="1545418491"/>
+        <p14:creationId xmlns:p14="http://schemas.microsoft.com/office/powerpoint/2010/main" xmlns="" val="1545418491"/>
       </p:ext>
     </p:extLst>
   </p:cSld>
@@ -1938,7 +2470,7 @@
     </p:spTree>
     <p:extLst>
       <p:ext uri="{BB962C8B-B14F-4D97-AF65-F5344CB8AC3E}">
-        <p14:creationId xmlns:p14="http://schemas.microsoft.com/office/powerpoint/2010/main" val="3909199606"/>
+        <p14:creationId xmlns:p14="http://schemas.microsoft.com/office/powerpoint/2010/main" xmlns="" val="3909199606"/>
       </p:ext>
     </p:extLst>
   </p:cSld>
@@ -2046,7 +2578,7 @@
     </p:spTree>
     <p:extLst>
       <p:ext uri="{BB962C8B-B14F-4D97-AF65-F5344CB8AC3E}">
-        <p14:creationId xmlns:p14="http://schemas.microsoft.com/office/powerpoint/2010/main" val="1626307090"/>
+        <p14:creationId xmlns:p14="http://schemas.microsoft.com/office/powerpoint/2010/main" xmlns="" val="1626307090"/>
       </p:ext>
     </p:extLst>
   </p:cSld>
@@ -2170,15 +2702,7 @@
             </a:r>
             <a:r>
               <a:rPr lang="ko-KR" altLang="en-US" baseline="0" dirty="0" smtClean="0"/>
-              <a:t>개발자들은 보통 </a:t>
-            </a:r>
-            <a:r>
-              <a:rPr lang="ko-KR" altLang="en-US" baseline="0" dirty="0" smtClean="0"/>
-              <a:t>소스 </a:t>
-            </a:r>
-            <a:r>
-              <a:rPr lang="ko-KR" altLang="en-US" baseline="0" dirty="0" smtClean="0"/>
-              <a:t>관리하지요</a:t>
+              <a:t>개발자들은 보통 소스 관리하지요</a:t>
             </a:r>
             <a:r>
               <a:rPr lang="en-US" altLang="ko-KR" baseline="0" dirty="0" smtClean="0"/>
@@ -2320,11 +2844,7 @@
           <a:p>
             <a:r>
               <a:rPr lang="ko-KR" altLang="en-US" baseline="0" dirty="0" smtClean="0"/>
-              <a:t>이 </a:t>
-            </a:r>
-            <a:r>
-              <a:rPr lang="ko-KR" altLang="en-US" baseline="0" dirty="0" smtClean="0"/>
-              <a:t>기본 </a:t>
+              <a:t>이 기본 </a:t>
             </a:r>
             <a:r>
               <a:rPr lang="ko-KR" altLang="en-US" baseline="0" dirty="0" err="1" smtClean="0"/>
@@ -2340,11 +2860,7 @@
             </a:r>
             <a:r>
               <a:rPr lang="ko-KR" altLang="en-US" baseline="0" dirty="0" smtClean="0"/>
-              <a:t>라는 자바 </a:t>
-            </a:r>
-            <a:r>
-              <a:rPr lang="ko-KR" altLang="en-US" baseline="0" dirty="0" smtClean="0"/>
-              <a:t>개발 툴을 </a:t>
+              <a:t>라는 자바 개발 툴을 </a:t>
             </a:r>
             <a:r>
               <a:rPr lang="en-US" altLang="ko-KR" baseline="0" dirty="0" smtClean="0"/>
@@ -2368,11 +2884,7 @@
             </a:r>
             <a:r>
               <a:rPr lang="ko-KR" altLang="en-US" baseline="0" dirty="0" smtClean="0"/>
-              <a:t>개발 툴은 </a:t>
-            </a:r>
-            <a:r>
-              <a:rPr lang="ko-KR" altLang="en-US" baseline="0" dirty="0" smtClean="0"/>
-              <a:t>추가하여 사용하게 됩니다</a:t>
+              <a:t>개발 툴은 추가하여 사용하게 됩니다</a:t>
             </a:r>
             <a:r>
               <a:rPr lang="en-US" altLang="ko-KR" baseline="0" dirty="0" smtClean="0"/>
@@ -2541,7 +3053,7 @@
     </p:spTree>
     <p:extLst>
       <p:ext uri="{BB962C8B-B14F-4D97-AF65-F5344CB8AC3E}">
-        <p14:creationId xmlns:p14="http://schemas.microsoft.com/office/powerpoint/2010/main" val="2063256042"/>
+        <p14:creationId xmlns:p14="http://schemas.microsoft.com/office/powerpoint/2010/main" xmlns="" val="2063256042"/>
       </p:ext>
     </p:extLst>
   </p:cSld>
@@ -2751,7 +3263,7 @@
     </p:spTree>
     <p:extLst>
       <p:ext uri="{BB962C8B-B14F-4D97-AF65-F5344CB8AC3E}">
-        <p14:creationId xmlns:p14="http://schemas.microsoft.com/office/powerpoint/2010/main" val="2243209044"/>
+        <p14:creationId xmlns:p14="http://schemas.microsoft.com/office/powerpoint/2010/main" xmlns="" val="2243209044"/>
       </p:ext>
     </p:extLst>
   </p:cSld>
@@ -3158,11 +3670,7 @@
             </a:pPr>
             <a:r>
               <a:rPr lang="en-US" altLang="ko-KR" dirty="0" smtClean="0"/>
-              <a:t>tadpole-standalone.ini</a:t>
-            </a:r>
-            <a:r>
-              <a:rPr lang="en-US" altLang="ko-KR" dirty="0" smtClean="0"/>
-              <a:t> – </a:t>
+              <a:t>tadpole-standalone.ini – </a:t>
             </a:r>
             <a:r>
               <a:rPr lang="ko-KR" altLang="en-US" dirty="0" smtClean="0"/>
@@ -3336,7 +3844,7 @@
     </p:spTree>
     <p:extLst>
       <p:ext uri="{BB962C8B-B14F-4D97-AF65-F5344CB8AC3E}">
-        <p14:creationId xmlns:p14="http://schemas.microsoft.com/office/powerpoint/2010/main" val="3090094056"/>
+        <p14:creationId xmlns:p14="http://schemas.microsoft.com/office/powerpoint/2010/main" xmlns="" val="3090094056"/>
       </p:ext>
     </p:extLst>
   </p:cSld>
@@ -3383,7 +3891,7 @@
             <a:fld id="{F30B8A1C-2B93-4306-B084-61D49BE94AB7}" type="datetimeFigureOut">
               <a:rPr lang="ko-KR" altLang="en-US" smtClean="0"/>
               <a:pPr/>
-              <a:t>2012-09-06</a:t>
+              <a:t>2012-09-18</a:t>
             </a:fld>
             <a:endParaRPr lang="ko-KR" altLang="en-US"/>
           </a:p>
@@ -4102,7 +4610,7 @@
             <a:fld id="{F30B8A1C-2B93-4306-B084-61D49BE94AB7}" type="datetimeFigureOut">
               <a:rPr lang="ko-KR" altLang="en-US" smtClean="0"/>
               <a:pPr/>
-              <a:t>2012-09-06</a:t>
+              <a:t>2012-09-18</a:t>
             </a:fld>
             <a:endParaRPr lang="ko-KR" altLang="en-US"/>
           </a:p>
@@ -4289,7 +4797,7 @@
             <a:fld id="{F30B8A1C-2B93-4306-B084-61D49BE94AB7}" type="datetimeFigureOut">
               <a:rPr lang="ko-KR" altLang="en-US" smtClean="0"/>
               <a:pPr/>
-              <a:t>2012-09-06</a:t>
+              <a:t>2012-09-18</a:t>
             </a:fld>
             <a:endParaRPr lang="ko-KR" altLang="en-US"/>
           </a:p>
@@ -4466,7 +4974,7 @@
             <a:fld id="{F30B8A1C-2B93-4306-B084-61D49BE94AB7}" type="datetimeFigureOut">
               <a:rPr lang="ko-KR" altLang="en-US" smtClean="0"/>
               <a:pPr/>
-              <a:t>2012-09-06</a:t>
+              <a:t>2012-09-18</a:t>
             </a:fld>
             <a:endParaRPr lang="ko-KR" altLang="en-US"/>
           </a:p>
@@ -5951,7 +6459,7 @@
             <a:fld id="{F30B8A1C-2B93-4306-B084-61D49BE94AB7}" type="datetimeFigureOut">
               <a:rPr lang="ko-KR" altLang="en-US" smtClean="0"/>
               <a:pPr/>
-              <a:t>2012-09-06</a:t>
+              <a:t>2012-09-18</a:t>
             </a:fld>
             <a:endParaRPr lang="ko-KR" altLang="en-US"/>
           </a:p>
@@ -6553,7 +7061,7 @@
             <a:fld id="{F30B8A1C-2B93-4306-B084-61D49BE94AB7}" type="datetimeFigureOut">
               <a:rPr lang="ko-KR" altLang="en-US" smtClean="0"/>
               <a:pPr/>
-              <a:t>2012-09-06</a:t>
+              <a:t>2012-09-18</a:t>
             </a:fld>
             <a:endParaRPr lang="ko-KR" altLang="en-US"/>
           </a:p>
@@ -6992,7 +7500,7 @@
             <a:fld id="{F30B8A1C-2B93-4306-B084-61D49BE94AB7}" type="datetimeFigureOut">
               <a:rPr lang="ko-KR" altLang="en-US" smtClean="0"/>
               <a:pPr/>
-              <a:t>2012-09-06</a:t>
+              <a:t>2012-09-18</a:t>
             </a:fld>
             <a:endParaRPr lang="ko-KR" altLang="en-US"/>
           </a:p>
@@ -7555,7 +8063,7 @@
             <a:fld id="{F30B8A1C-2B93-4306-B084-61D49BE94AB7}" type="datetimeFigureOut">
               <a:rPr lang="ko-KR" altLang="en-US" smtClean="0"/>
               <a:pPr/>
-              <a:t>2012-09-06</a:t>
+              <a:t>2012-09-18</a:t>
             </a:fld>
             <a:endParaRPr lang="ko-KR" altLang="en-US"/>
           </a:p>
@@ -7653,7 +8161,7 @@
             <a:fld id="{F30B8A1C-2B93-4306-B084-61D49BE94AB7}" type="datetimeFigureOut">
               <a:rPr lang="ko-KR" altLang="en-US" smtClean="0"/>
               <a:pPr/>
-              <a:t>2012-09-06</a:t>
+              <a:t>2012-09-18</a:t>
             </a:fld>
             <a:endParaRPr lang="ko-KR" altLang="en-US"/>
           </a:p>
@@ -7909,7 +8417,7 @@
             <a:fld id="{F30B8A1C-2B93-4306-B084-61D49BE94AB7}" type="datetimeFigureOut">
               <a:rPr lang="ko-KR" altLang="en-US" smtClean="0"/>
               <a:pPr/>
-              <a:t>2012-09-06</a:t>
+              <a:t>2012-09-18</a:t>
             </a:fld>
             <a:endParaRPr lang="ko-KR" altLang="en-US"/>
           </a:p>
@@ -8632,7 +9140,7 @@
             <a:fld id="{F30B8A1C-2B93-4306-B084-61D49BE94AB7}" type="datetimeFigureOut">
               <a:rPr lang="ko-KR" altLang="en-US" smtClean="0"/>
               <a:pPr/>
-              <a:t>2012-09-06</a:t>
+              <a:t>2012-09-18</a:t>
             </a:fld>
             <a:endParaRPr lang="ko-KR" altLang="en-US"/>
           </a:p>
@@ -9307,7 +9815,7 @@
             <a:fld id="{F30B8A1C-2B93-4306-B084-61D49BE94AB7}" type="datetimeFigureOut">
               <a:rPr lang="ko-KR" altLang="en-US" smtClean="0"/>
               <a:pPr/>
-              <a:t>2012-09-06</a:t>
+              <a:t>2012-09-18</a:t>
             </a:fld>
             <a:endParaRPr lang="ko-KR" altLang="en-US"/>
           </a:p>
@@ -9788,7 +10296,7 @@
           <p:nvPr>
             <p:extLst>
               <p:ext uri="{D42A27DB-BD31-4B8C-83A1-F6EECF244321}">
-                <p14:modId xmlns:p14="http://schemas.microsoft.com/office/powerpoint/2010/main" val="533220188"/>
+                <p14:modId xmlns:p14="http://schemas.microsoft.com/office/powerpoint/2010/main" xmlns="" val="533220188"/>
               </p:ext>
             </p:extLst>
           </p:nvPr>
@@ -9839,7 +10347,7 @@
                       </a:r>
                       <a:r>
                         <a:rPr lang="en-US" altLang="ko-KR" dirty="0" smtClean="0"/>
-                        <a:t>V0.4, </a:t>
+                        <a:t>V0.5, </a:t>
                       </a:r>
                       <a:r>
                         <a:rPr lang="en-US" altLang="ko-KR" dirty="0" smtClean="0"/>
@@ -9892,14 +10400,14 @@
       </p:graphicFrame>
       <p:pic>
         <p:nvPicPr>
-          <p:cNvPr id="1026" name="Picture 2" descr="C:\Users\hangum\Pictures\TadpoleForDBTools.png"/>
+          <p:cNvPr id="5" name="Picture 2" descr="C:\Users\hangum\Pictures\tadpole_2.png"/>
           <p:cNvPicPr>
             <a:picLocks noChangeAspect="1" noChangeArrowheads="1"/>
           </p:cNvPicPr>
           <p:nvPr/>
         </p:nvPicPr>
         <p:blipFill>
-          <a:blip r:embed="rId5" cstate="print"/>
+          <a:blip r:embed="rId5"/>
           <a:srcRect/>
           <a:stretch>
             <a:fillRect/>
@@ -9907,8 +10415,8 @@
         </p:blipFill>
         <p:spPr bwMode="auto">
           <a:xfrm>
-            <a:off x="6876256" y="2420888"/>
-            <a:ext cx="1584176" cy="1584176"/>
+            <a:off x="6948264" y="1556792"/>
+            <a:ext cx="1184498" cy="2195270"/>
           </a:xfrm>
           <a:prstGeom prst="rect">
             <a:avLst/>
@@ -10253,24 +10761,7 @@
                 <a:ea typeface="+mn-ea"/>
                 <a:cs typeface="+mn-cs"/>
               </a:rPr>
-              <a:t>소스코드의 </a:t>
-            </a:r>
-            <a:r>
-              <a:rPr kumimoji="0" lang="ko-KR" altLang="en-US" sz="2000" b="0" i="0" u="none" strike="noStrike" kern="1200" cap="none" spc="0" normalizeH="0" baseline="0" noProof="0" dirty="0" smtClean="0">
-                <a:ln>
-                  <a:noFill/>
-                </a:ln>
-                <a:solidFill>
-                  <a:schemeClr val="tx1"/>
-                </a:solidFill>
-                <a:effectLst/>
-                <a:uLnTx/>
-                <a:uFillTx/>
-                <a:latin typeface="+mn-lt"/>
-                <a:ea typeface="+mn-ea"/>
-                <a:cs typeface="+mn-cs"/>
-              </a:rPr>
-              <a:t>변경</a:t>
+              <a:t>소스코드의 변경</a:t>
             </a:r>
             <a:r>
               <a:rPr kumimoji="0" lang="en-US" altLang="ko-KR" sz="2000" b="0" i="0" u="none" strike="noStrike" kern="1200" cap="none" spc="0" normalizeH="0" baseline="0" noProof="0" dirty="0" smtClean="0">
@@ -10543,7 +11034,7 @@
           <a:blip r:embed="rId3">
             <a:extLst>
               <a:ext uri="{28A0092B-C50C-407E-A947-70E740481C1C}">
-                <a14:useLocalDpi xmlns:a14="http://schemas.microsoft.com/office/drawing/2010/main" val="0"/>
+                <a14:useLocalDpi xmlns:a14="http://schemas.microsoft.com/office/drawing/2010/main" xmlns="" val="0"/>
               </a:ext>
             </a:extLst>
           </a:blip>
@@ -10563,7 +11054,7 @@
           <a:noFill/>
           <a:extLst>
             <a:ext uri="{909E8E84-426E-40DD-AFC4-6F175D3DCCD1}">
-              <a14:hiddenFill xmlns:a14="http://schemas.microsoft.com/office/drawing/2010/main">
+              <a14:hiddenFill xmlns:a14="http://schemas.microsoft.com/office/drawing/2010/main" xmlns="">
                 <a:solidFill>
                   <a:srgbClr val="FFFFFF"/>
                 </a:solidFill>
@@ -10589,11 +11080,7 @@
           <a:p>
             <a:r>
               <a:rPr lang="en-US" altLang="ko-KR" dirty="0" smtClean="0"/>
-              <a:t>Eclipse </a:t>
-            </a:r>
-            <a:r>
-              <a:rPr lang="en-US" altLang="ko-KR" dirty="0" smtClean="0"/>
-              <a:t>startup sequence</a:t>
+              <a:t>Eclipse startup sequence</a:t>
             </a:r>
             <a:endParaRPr lang="ko-KR" altLang="en-US" dirty="0"/>
           </a:p>
@@ -10624,7 +11111,6 @@
               <a:rPr lang="en-US" altLang="ko-KR" dirty="0" smtClean="0"/>
               <a:t>tadpole-standalone.ini</a:t>
             </a:r>
-            <a:endParaRPr lang="en-US" altLang="ko-KR" dirty="0" smtClean="0"/>
           </a:p>
           <a:p>
             <a:pPr lvl="2"/>
@@ -10713,7 +11199,7 @@
           <a:blip r:embed="rId4">
             <a:extLst>
               <a:ext uri="{28A0092B-C50C-407E-A947-70E740481C1C}">
-                <a14:useLocalDpi xmlns:a14="http://schemas.microsoft.com/office/drawing/2010/main" val="0"/>
+                <a14:useLocalDpi xmlns:a14="http://schemas.microsoft.com/office/drawing/2010/main" xmlns="" val="0"/>
               </a:ext>
             </a:extLst>
           </a:blip>
@@ -10733,7 +11219,7 @@
           <a:noFill/>
           <a:extLst>
             <a:ext uri="{909E8E84-426E-40DD-AFC4-6F175D3DCCD1}">
-              <a14:hiddenFill xmlns:a14="http://schemas.microsoft.com/office/drawing/2010/main">
+              <a14:hiddenFill xmlns:a14="http://schemas.microsoft.com/office/drawing/2010/main" xmlns="">
                 <a:solidFill>
                   <a:srgbClr val="FFFFFF"/>
                 </a:solidFill>
@@ -10745,7 +11231,7 @@
     </p:spTree>
     <p:extLst>
       <p:ext uri="{BB962C8B-B14F-4D97-AF65-F5344CB8AC3E}">
-        <p14:creationId xmlns:p14="http://schemas.microsoft.com/office/powerpoint/2010/main" val="2809892369"/>
+        <p14:creationId xmlns:p14="http://schemas.microsoft.com/office/powerpoint/2010/main" xmlns="" val="2809892369"/>
       </p:ext>
     </p:extLst>
   </p:cSld>
@@ -12883,7 +13369,7 @@
     </p:spTree>
     <p:extLst>
       <p:ext uri="{BB962C8B-B14F-4D97-AF65-F5344CB8AC3E}">
-        <p14:creationId xmlns:p14="http://schemas.microsoft.com/office/powerpoint/2010/main" val="1691654852"/>
+        <p14:creationId xmlns:p14="http://schemas.microsoft.com/office/powerpoint/2010/main" xmlns="" val="1691654852"/>
       </p:ext>
     </p:extLst>
   </p:cSld>
@@ -13000,11 +13486,7 @@
             <a:pPr lvl="1"/>
             <a:r>
               <a:rPr lang="en-US" altLang="ko-KR" dirty="0" smtClean="0"/>
-              <a:t>Extensions </a:t>
-            </a:r>
-            <a:r>
-              <a:rPr lang="en-US" altLang="ko-KR" dirty="0" smtClean="0"/>
-              <a:t>: </a:t>
+              <a:t>Extensions : </a:t>
             </a:r>
             <a:r>
               <a:rPr lang="ko-KR" altLang="en-US" sz="2200" dirty="0" smtClean="0"/>
@@ -13028,11 +13510,7 @@
             </a:r>
             <a:r>
               <a:rPr lang="ko-KR" altLang="en-US" sz="2200" dirty="0" smtClean="0"/>
-              <a:t>자신을 </a:t>
-            </a:r>
-            <a:r>
-              <a:rPr lang="ko-KR" altLang="en-US" sz="2200" dirty="0" smtClean="0"/>
-              <a:t>어떻게 확장해야 하는지 정의</a:t>
+              <a:t>자신을 어떻게 확장해야 하는지 정의</a:t>
             </a:r>
             <a:endParaRPr lang="en-US" altLang="ko-KR" sz="2200" dirty="0" smtClean="0"/>
           </a:p>
@@ -13053,7 +13531,7 @@
           <a:blip r:embed="rId2">
             <a:extLst>
               <a:ext uri="{28A0092B-C50C-407E-A947-70E740481C1C}">
-                <a14:useLocalDpi xmlns:a14="http://schemas.microsoft.com/office/drawing/2010/main" val="0"/>
+                <a14:useLocalDpi xmlns:a14="http://schemas.microsoft.com/office/drawing/2010/main" xmlns="" val="0"/>
               </a:ext>
             </a:extLst>
           </a:blip>
@@ -13073,7 +13551,7 @@
           <a:noFill/>
           <a:extLst>
             <a:ext uri="{909E8E84-426E-40DD-AFC4-6F175D3DCCD1}">
-              <a14:hiddenFill xmlns:a14="http://schemas.microsoft.com/office/drawing/2010/main">
+              <a14:hiddenFill xmlns:a14="http://schemas.microsoft.com/office/drawing/2010/main" xmlns="">
                 <a:solidFill>
                   <a:srgbClr val="FFFFFF"/>
                 </a:solidFill>
@@ -13094,7 +13572,7 @@
           <a:blip r:embed="rId3">
             <a:extLst>
               <a:ext uri="{28A0092B-C50C-407E-A947-70E740481C1C}">
-                <a14:useLocalDpi xmlns:a14="http://schemas.microsoft.com/office/drawing/2010/main" val="0"/>
+                <a14:useLocalDpi xmlns:a14="http://schemas.microsoft.com/office/drawing/2010/main" xmlns="" val="0"/>
               </a:ext>
             </a:extLst>
           </a:blip>
@@ -13114,7 +13592,7 @@
           <a:noFill/>
           <a:extLst>
             <a:ext uri="{909E8E84-426E-40DD-AFC4-6F175D3DCCD1}">
-              <a14:hiddenFill xmlns:a14="http://schemas.microsoft.com/office/drawing/2010/main">
+              <a14:hiddenFill xmlns:a14="http://schemas.microsoft.com/office/drawing/2010/main" xmlns="">
                 <a:solidFill>
                   <a:srgbClr val="FFFFFF"/>
                 </a:solidFill>
@@ -13135,7 +13613,7 @@
           <a:blip r:embed="rId4">
             <a:extLst>
               <a:ext uri="{28A0092B-C50C-407E-A947-70E740481C1C}">
-                <a14:useLocalDpi xmlns:a14="http://schemas.microsoft.com/office/drawing/2010/main" val="0"/>
+                <a14:useLocalDpi xmlns:a14="http://schemas.microsoft.com/office/drawing/2010/main" xmlns="" val="0"/>
               </a:ext>
             </a:extLst>
           </a:blip>
@@ -13155,7 +13633,7 @@
           <a:noFill/>
           <a:extLst>
             <a:ext uri="{909E8E84-426E-40DD-AFC4-6F175D3DCCD1}">
-              <a14:hiddenFill xmlns:a14="http://schemas.microsoft.com/office/drawing/2010/main">
+              <a14:hiddenFill xmlns:a14="http://schemas.microsoft.com/office/drawing/2010/main" xmlns="">
                 <a:solidFill>
                   <a:srgbClr val="FFFFFF"/>
                 </a:solidFill>
@@ -13167,7 +13645,7 @@
     </p:spTree>
     <p:extLst>
       <p:ext uri="{BB962C8B-B14F-4D97-AF65-F5344CB8AC3E}">
-        <p14:creationId xmlns:p14="http://schemas.microsoft.com/office/powerpoint/2010/main" val="3734491937"/>
+        <p14:creationId xmlns:p14="http://schemas.microsoft.com/office/powerpoint/2010/main" xmlns="" val="3734491937"/>
       </p:ext>
     </p:extLst>
   </p:cSld>
@@ -13345,6 +13823,161 @@
           <a:p>
             <a:r>
               <a:rPr lang="en-US" altLang="ko-KR" dirty="0" smtClean="0"/>
+              <a:t>Start?</a:t>
+            </a:r>
+            <a:endParaRPr lang="ko-KR" altLang="en-US" dirty="0"/>
+          </a:p>
+        </p:txBody>
+      </p:sp>
+      <p:sp>
+        <p:nvSpPr>
+          <p:cNvPr id="3" name="내용 개체 틀 2"/>
+          <p:cNvSpPr>
+            <a:spLocks noGrp="1"/>
+          </p:cNvSpPr>
+          <p:nvPr>
+            <p:ph idx="1"/>
+          </p:nvPr>
+        </p:nvSpPr>
+        <p:spPr/>
+        <p:txBody>
+          <a:bodyPr/>
+          <a:lstStyle/>
+          <a:p>
+            <a:r>
+              <a:rPr lang="ko-KR" altLang="en-US" dirty="0" smtClean="0"/>
+              <a:t>초기 </a:t>
+            </a:r>
+            <a:r>
+              <a:rPr lang="en-US" altLang="ko-KR" dirty="0" smtClean="0"/>
+              <a:t>session </a:t>
+            </a:r>
+            <a:r>
+              <a:rPr lang="ko-KR" altLang="en-US" dirty="0" smtClean="0"/>
+              <a:t>설정</a:t>
+            </a:r>
+            <a:r>
+              <a:rPr lang="en-US" altLang="ko-KR" dirty="0" smtClean="0"/>
+              <a:t>.</a:t>
+            </a:r>
+          </a:p>
+          <a:p>
+            <a:r>
+              <a:rPr lang="ko-KR" altLang="en-US" dirty="0" smtClean="0"/>
+              <a:t>올챙이 초기 </a:t>
+            </a:r>
+            <a:r>
+              <a:rPr lang="en-US" altLang="ko-KR" dirty="0" smtClean="0"/>
+              <a:t>page open.</a:t>
+            </a:r>
+          </a:p>
+          <a:p>
+            <a:r>
+              <a:rPr lang="ko-KR" altLang="en-US" dirty="0" smtClean="0"/>
+              <a:t>초기 </a:t>
+            </a:r>
+            <a:r>
+              <a:rPr lang="en-US" altLang="ko-KR" dirty="0" smtClean="0"/>
+              <a:t>UI(Connection Manager, Object Explorer)</a:t>
+            </a:r>
+            <a:r>
+              <a:rPr lang="ko-KR" altLang="en-US" dirty="0" smtClean="0"/>
+              <a:t>정의</a:t>
+            </a:r>
+            <a:r>
+              <a:rPr lang="en-US" altLang="ko-KR" dirty="0" smtClean="0"/>
+              <a:t>.</a:t>
+            </a:r>
+          </a:p>
+          <a:p>
+            <a:pPr lvl="1"/>
+            <a:r>
+              <a:rPr lang="ko-KR" altLang="en-US" dirty="0" smtClean="0"/>
+              <a:t>테이블이 없다면 초기 테이블 생성</a:t>
+            </a:r>
+            <a:endParaRPr lang="en-US" altLang="ko-KR" dirty="0" smtClean="0"/>
+          </a:p>
+          <a:p>
+            <a:r>
+              <a:rPr lang="ko-KR" altLang="en-US" dirty="0" smtClean="0"/>
+              <a:t>로그인 다이얼로그 오픈</a:t>
+            </a:r>
+            <a:endParaRPr lang="en-US" altLang="ko-KR" dirty="0" smtClean="0"/>
+          </a:p>
+          <a:p>
+            <a:endParaRPr lang="en-US" altLang="ko-KR" dirty="0" smtClean="0"/>
+          </a:p>
+          <a:p>
+            <a:r>
+              <a:rPr lang="ko-KR" altLang="en-US" dirty="0" smtClean="0"/>
+              <a:t>프로그램 시작 </a:t>
+            </a:r>
+            <a:r>
+              <a:rPr lang="en-US" altLang="ko-KR" dirty="0" smtClean="0"/>
+              <a:t>Argument(</a:t>
+            </a:r>
+            <a:r>
+              <a:rPr lang="en-US" altLang="ko-KR" dirty="0" smtClean="0">
+                <a:hlinkClick r:id="rId3"/>
+              </a:rPr>
+              <a:t>http</a:t>
+            </a:r>
+            <a:r>
+              <a:rPr lang="en-US" altLang="ko-KR" dirty="0" smtClean="0">
+                <a:hlinkClick r:id="rId3"/>
+              </a:rPr>
+              <a:t>://goo.gl/rzspT</a:t>
+            </a:r>
+            <a:r>
+              <a:rPr lang="en-US" altLang="ko-KR" dirty="0" smtClean="0"/>
+              <a:t>)</a:t>
+            </a:r>
+            <a:endParaRPr lang="ko-KR" altLang="en-US" dirty="0"/>
+          </a:p>
+        </p:txBody>
+      </p:sp>
+    </p:spTree>
+  </p:cSld>
+  <p:clrMapOvr>
+    <a:masterClrMapping/>
+  </p:clrMapOvr>
+</p:sld>
+</file>
+
+<file path=ppt/slides/slide21.xml><?xml version="1.0" encoding="utf-8"?>
+<p:sld xmlns:a="http://schemas.openxmlformats.org/drawingml/2006/main" xmlns:r="http://schemas.openxmlformats.org/officeDocument/2006/relationships" xmlns:p="http://schemas.openxmlformats.org/presentationml/2006/main">
+  <p:cSld>
+    <p:spTree>
+      <p:nvGrpSpPr>
+        <p:cNvPr id="1" name=""/>
+        <p:cNvGrpSpPr/>
+        <p:nvPr/>
+      </p:nvGrpSpPr>
+      <p:grpSpPr>
+        <a:xfrm>
+          <a:off x="0" y="0"/>
+          <a:ext cx="0" cy="0"/>
+          <a:chOff x="0" y="0"/>
+          <a:chExt cx="0" cy="0"/>
+        </a:xfrm>
+      </p:grpSpPr>
+      <p:sp>
+        <p:nvSpPr>
+          <p:cNvPr id="2" name="제목 1"/>
+          <p:cNvSpPr>
+            <a:spLocks noGrp="1"/>
+          </p:cNvSpPr>
+          <p:nvPr>
+            <p:ph type="title"/>
+          </p:nvPr>
+        </p:nvSpPr>
+        <p:spPr/>
+        <p:txBody>
+          <a:bodyPr/>
+          <a:lstStyle/>
+          <a:p>
+            <a:r>
+              <a:rPr lang="en-US" altLang="ko-KR" dirty="0" smtClean="0"/>
               <a:t>Preference</a:t>
             </a:r>
             <a:endParaRPr lang="ko-KR" altLang="en-US" dirty="0"/>
@@ -13422,143 +14055,6 @@
           <a:xfrm>
             <a:off x="3457165" y="3645024"/>
             <a:ext cx="5363307" cy="2845444"/>
-          </a:xfrm>
-          <a:prstGeom prst="rect">
-            <a:avLst/>
-          </a:prstGeom>
-          <a:noFill/>
-        </p:spPr>
-      </p:pic>
-    </p:spTree>
-  </p:cSld>
-  <p:clrMapOvr>
-    <a:masterClrMapping/>
-  </p:clrMapOvr>
-  <p:timing>
-    <p:tnLst>
-      <p:par>
-        <p:cTn id="1" dur="indefinite" restart="never" nodeType="tmRoot"/>
-      </p:par>
-    </p:tnLst>
-  </p:timing>
-</p:sld>
-</file>
-
-<file path=ppt/slides/slide21.xml><?xml version="1.0" encoding="utf-8"?>
-<p:sld xmlns:a="http://schemas.openxmlformats.org/drawingml/2006/main" xmlns:r="http://schemas.openxmlformats.org/officeDocument/2006/relationships" xmlns:p="http://schemas.openxmlformats.org/presentationml/2006/main">
-  <p:cSld>
-    <p:spTree>
-      <p:nvGrpSpPr>
-        <p:cNvPr id="1" name=""/>
-        <p:cNvGrpSpPr/>
-        <p:nvPr/>
-      </p:nvGrpSpPr>
-      <p:grpSpPr>
-        <a:xfrm>
-          <a:off x="0" y="0"/>
-          <a:ext cx="0" cy="0"/>
-          <a:chOff x="0" y="0"/>
-          <a:chExt cx="0" cy="0"/>
-        </a:xfrm>
-      </p:grpSpPr>
-      <p:sp>
-        <p:nvSpPr>
-          <p:cNvPr id="2" name="제목 1"/>
-          <p:cNvSpPr>
-            <a:spLocks noGrp="1"/>
-          </p:cNvSpPr>
-          <p:nvPr>
-            <p:ph type="title"/>
-          </p:nvPr>
-        </p:nvSpPr>
-        <p:spPr/>
-        <p:txBody>
-          <a:bodyPr/>
-          <a:lstStyle/>
-          <a:p>
-            <a:r>
-              <a:rPr lang="en-US" altLang="ko-KR" dirty="0" smtClean="0"/>
-              <a:t>Commands </a:t>
-            </a:r>
-            <a:r>
-              <a:rPr lang="en-US" altLang="ko-KR" dirty="0" smtClean="0"/>
-              <a:t>and Action</a:t>
-            </a:r>
-            <a:endParaRPr lang="ko-KR" altLang="en-US" dirty="0"/>
-          </a:p>
-        </p:txBody>
-      </p:sp>
-      <p:pic>
-        <p:nvPicPr>
-          <p:cNvPr id="13314" name="Picture 2" descr="C:\Users\hangum\AppData\Local\Temp\msohtmlclip1\01\clip_image001.png"/>
-          <p:cNvPicPr>
-            <a:picLocks noChangeAspect="1" noChangeArrowheads="1"/>
-          </p:cNvPicPr>
-          <p:nvPr/>
-        </p:nvPicPr>
-        <p:blipFill>
-          <a:blip r:embed="rId2" cstate="print"/>
-          <a:srcRect/>
-          <a:stretch>
-            <a:fillRect/>
-          </a:stretch>
-        </p:blipFill>
-        <p:spPr bwMode="auto">
-          <a:xfrm>
-            <a:off x="4427984" y="1340768"/>
-            <a:ext cx="4476750" cy="2571750"/>
-          </a:xfrm>
-          <a:prstGeom prst="rect">
-            <a:avLst/>
-          </a:prstGeom>
-          <a:noFill/>
-        </p:spPr>
-      </p:pic>
-      <p:pic>
-        <p:nvPicPr>
-          <p:cNvPr id="13316" name="Picture 4" descr="C:\Users\hangum\AppData\Local\Temp\msohtmlclip1\01\clip_image001.png"/>
-          <p:cNvPicPr>
-            <a:picLocks noChangeAspect="1" noChangeArrowheads="1"/>
-          </p:cNvPicPr>
-          <p:nvPr/>
-        </p:nvPicPr>
-        <p:blipFill>
-          <a:blip r:embed="rId3" cstate="print"/>
-          <a:srcRect/>
-          <a:stretch>
-            <a:fillRect/>
-          </a:stretch>
-        </p:blipFill>
-        <p:spPr bwMode="auto">
-          <a:xfrm>
-            <a:off x="539552" y="2348880"/>
-            <a:ext cx="5602382" cy="3528392"/>
-          </a:xfrm>
-          <a:prstGeom prst="rect">
-            <a:avLst/>
-          </a:prstGeom>
-          <a:noFill/>
-        </p:spPr>
-      </p:pic>
-      <p:pic>
-        <p:nvPicPr>
-          <p:cNvPr id="13318" name="Picture 6" descr="C:\Users\hangum\AppData\Local\Temp\msohtmlclip1\01\clip_image001.png"/>
-          <p:cNvPicPr>
-            <a:picLocks noChangeAspect="1" noChangeArrowheads="1"/>
-          </p:cNvPicPr>
-          <p:nvPr/>
-        </p:nvPicPr>
-        <p:blipFill>
-          <a:blip r:embed="rId4" cstate="print"/>
-          <a:srcRect/>
-          <a:stretch>
-            <a:fillRect/>
-          </a:stretch>
-        </p:blipFill>
-        <p:spPr bwMode="auto">
-          <a:xfrm>
-            <a:off x="4860032" y="4581128"/>
-            <a:ext cx="4058016" cy="2125365"/>
           </a:xfrm>
           <a:prstGeom prst="rect">
             <a:avLst/>
@@ -13615,7 +14111,7 @@
           <a:p>
             <a:r>
               <a:rPr lang="en-US" altLang="ko-KR" dirty="0" smtClean="0"/>
-              <a:t>Viewer(Object Explorer)</a:t>
+              <a:t>Commands and Action</a:t>
             </a:r>
             <a:endParaRPr lang="ko-KR" altLang="en-US" dirty="0"/>
           </a:p>
@@ -13623,7 +14119,7 @@
       </p:sp>
       <p:pic>
         <p:nvPicPr>
-          <p:cNvPr id="17412" name="Picture 4" descr="C:\Users\hangum\AppData\Local\Temp\msohtmlclip1\01\clip_image001.png"/>
+          <p:cNvPr id="13314" name="Picture 2" descr="C:\Users\hangum\AppData\Local\Temp\msohtmlclip1\01\clip_image001.png"/>
           <p:cNvPicPr>
             <a:picLocks noChangeAspect="1" noChangeArrowheads="1"/>
           </p:cNvPicPr>
@@ -13638,8 +14134,8 @@
         </p:blipFill>
         <p:spPr bwMode="auto">
           <a:xfrm>
-            <a:off x="6540946" y="1345968"/>
-            <a:ext cx="2351534" cy="4963352"/>
+            <a:off x="4427984" y="1340768"/>
+            <a:ext cx="4476750" cy="2571750"/>
           </a:xfrm>
           <a:prstGeom prst="rect">
             <a:avLst/>
@@ -13649,7 +14145,7 @@
       </p:pic>
       <p:pic>
         <p:nvPicPr>
-          <p:cNvPr id="17410" name="Picture 2" descr="C:\Users\hangum\AppData\Local\Temp\msohtmlclip1\01\clip_image001.png"/>
+          <p:cNvPr id="13316" name="Picture 4" descr="C:\Users\hangum\AppData\Local\Temp\msohtmlclip1\01\clip_image001.png"/>
           <p:cNvPicPr>
             <a:picLocks noChangeAspect="1" noChangeArrowheads="1"/>
           </p:cNvPicPr>
@@ -13664,8 +14160,8 @@
         </p:blipFill>
         <p:spPr bwMode="auto">
           <a:xfrm>
-            <a:off x="611560" y="1879699"/>
-            <a:ext cx="5832648" cy="2557413"/>
+            <a:off x="539552" y="2492896"/>
+            <a:ext cx="5602382" cy="3528392"/>
           </a:xfrm>
           <a:prstGeom prst="rect">
             <a:avLst/>
@@ -13675,7 +14171,7 @@
       </p:pic>
       <p:pic>
         <p:nvPicPr>
-          <p:cNvPr id="17414" name="Picture 6" descr="C:\Users\hangum\AppData\Local\Temp\msohtmlclip1\01\clip_image001.png"/>
+          <p:cNvPr id="13318" name="Picture 6" descr="C:\Users\hangum\AppData\Local\Temp\msohtmlclip1\01\clip_image001.png"/>
           <p:cNvPicPr>
             <a:picLocks noChangeAspect="1" noChangeArrowheads="1"/>
           </p:cNvPicPr>
@@ -13690,8 +14186,8 @@
         </p:blipFill>
         <p:spPr bwMode="auto">
           <a:xfrm>
-            <a:off x="611561" y="4530903"/>
-            <a:ext cx="5832648" cy="1778417"/>
+            <a:off x="4860032" y="4581128"/>
+            <a:ext cx="4058016" cy="2125365"/>
           </a:xfrm>
           <a:prstGeom prst="rect">
             <a:avLst/>
@@ -13748,6 +14244,139 @@
           <a:p>
             <a:r>
               <a:rPr lang="en-US" altLang="ko-KR" dirty="0" smtClean="0"/>
+              <a:t>Viewer(Object Explorer)</a:t>
+            </a:r>
+            <a:endParaRPr lang="ko-KR" altLang="en-US" dirty="0"/>
+          </a:p>
+        </p:txBody>
+      </p:sp>
+      <p:pic>
+        <p:nvPicPr>
+          <p:cNvPr id="17412" name="Picture 4" descr="C:\Users\hangum\AppData\Local\Temp\msohtmlclip1\01\clip_image001.png"/>
+          <p:cNvPicPr>
+            <a:picLocks noChangeAspect="1" noChangeArrowheads="1"/>
+          </p:cNvPicPr>
+          <p:nvPr/>
+        </p:nvPicPr>
+        <p:blipFill>
+          <a:blip r:embed="rId2" cstate="print"/>
+          <a:srcRect/>
+          <a:stretch>
+            <a:fillRect/>
+          </a:stretch>
+        </p:blipFill>
+        <p:spPr bwMode="auto">
+          <a:xfrm>
+            <a:off x="6540946" y="1345968"/>
+            <a:ext cx="2351534" cy="4963352"/>
+          </a:xfrm>
+          <a:prstGeom prst="rect">
+            <a:avLst/>
+          </a:prstGeom>
+          <a:noFill/>
+        </p:spPr>
+      </p:pic>
+      <p:pic>
+        <p:nvPicPr>
+          <p:cNvPr id="17410" name="Picture 2" descr="C:\Users\hangum\AppData\Local\Temp\msohtmlclip1\01\clip_image001.png"/>
+          <p:cNvPicPr>
+            <a:picLocks noChangeAspect="1" noChangeArrowheads="1"/>
+          </p:cNvPicPr>
+          <p:nvPr/>
+        </p:nvPicPr>
+        <p:blipFill>
+          <a:blip r:embed="rId3" cstate="print"/>
+          <a:srcRect/>
+          <a:stretch>
+            <a:fillRect/>
+          </a:stretch>
+        </p:blipFill>
+        <p:spPr bwMode="auto">
+          <a:xfrm>
+            <a:off x="611560" y="1879699"/>
+            <a:ext cx="5832648" cy="2557413"/>
+          </a:xfrm>
+          <a:prstGeom prst="rect">
+            <a:avLst/>
+          </a:prstGeom>
+          <a:noFill/>
+        </p:spPr>
+      </p:pic>
+      <p:pic>
+        <p:nvPicPr>
+          <p:cNvPr id="17414" name="Picture 6" descr="C:\Users\hangum\AppData\Local\Temp\msohtmlclip1\01\clip_image001.png"/>
+          <p:cNvPicPr>
+            <a:picLocks noChangeAspect="1" noChangeArrowheads="1"/>
+          </p:cNvPicPr>
+          <p:nvPr/>
+        </p:nvPicPr>
+        <p:blipFill>
+          <a:blip r:embed="rId4" cstate="print"/>
+          <a:srcRect/>
+          <a:stretch>
+            <a:fillRect/>
+          </a:stretch>
+        </p:blipFill>
+        <p:spPr bwMode="auto">
+          <a:xfrm>
+            <a:off x="611561" y="4530903"/>
+            <a:ext cx="5832648" cy="1778417"/>
+          </a:xfrm>
+          <a:prstGeom prst="rect">
+            <a:avLst/>
+          </a:prstGeom>
+          <a:noFill/>
+        </p:spPr>
+      </p:pic>
+    </p:spTree>
+  </p:cSld>
+  <p:clrMapOvr>
+    <a:masterClrMapping/>
+  </p:clrMapOvr>
+  <p:timing>
+    <p:tnLst>
+      <p:par>
+        <p:cTn id="1" dur="indefinite" restart="never" nodeType="tmRoot"/>
+      </p:par>
+    </p:tnLst>
+  </p:timing>
+</p:sld>
+</file>
+
+<file path=ppt/slides/slide24.xml><?xml version="1.0" encoding="utf-8"?>
+<p:sld xmlns:a="http://schemas.openxmlformats.org/drawingml/2006/main" xmlns:r="http://schemas.openxmlformats.org/officeDocument/2006/relationships" xmlns:p="http://schemas.openxmlformats.org/presentationml/2006/main">
+  <p:cSld>
+    <p:spTree>
+      <p:nvGrpSpPr>
+        <p:cNvPr id="1" name=""/>
+        <p:cNvGrpSpPr/>
+        <p:nvPr/>
+      </p:nvGrpSpPr>
+      <p:grpSpPr>
+        <a:xfrm>
+          <a:off x="0" y="0"/>
+          <a:ext cx="0" cy="0"/>
+          <a:chOff x="0" y="0"/>
+          <a:chExt cx="0" cy="0"/>
+        </a:xfrm>
+      </p:grpSpPr>
+      <p:sp>
+        <p:nvSpPr>
+          <p:cNvPr id="2" name="제목 1"/>
+          <p:cNvSpPr>
+            <a:spLocks noGrp="1"/>
+          </p:cNvSpPr>
+          <p:nvPr>
+            <p:ph type="title"/>
+          </p:nvPr>
+        </p:nvSpPr>
+        <p:spPr/>
+        <p:txBody>
+          <a:bodyPr/>
+          <a:lstStyle/>
+          <a:p>
+            <a:r>
+              <a:rPr lang="en-US" altLang="ko-KR" dirty="0" smtClean="0"/>
               <a:t>Editor(SQL Editor)</a:t>
             </a:r>
             <a:endParaRPr lang="ko-KR" altLang="en-US" dirty="0"/>
@@ -13847,7 +14476,7 @@
 </p:sld>
 </file>
 
-<file path=ppt/slides/slide24.xml><?xml version="1.0" encoding="utf-8"?>
+<file path=ppt/slides/slide25.xml><?xml version="1.0" encoding="utf-8"?>
 <p:sld xmlns:a="http://schemas.openxmlformats.org/drawingml/2006/main" xmlns:r="http://schemas.openxmlformats.org/officeDocument/2006/relationships" xmlns:p="http://schemas.openxmlformats.org/presentationml/2006/main">
   <p:cSld>
     <p:spTree>
@@ -13985,7 +14614,7 @@
 </p:sld>
 </file>
 
-<file path=ppt/slides/slide25.xml><?xml version="1.0" encoding="utf-8"?>
+<file path=ppt/slides/slide26.xml><?xml version="1.0" encoding="utf-8"?>
 <p:sld xmlns:a="http://schemas.openxmlformats.org/drawingml/2006/main" xmlns:r="http://schemas.openxmlformats.org/officeDocument/2006/relationships" xmlns:p="http://schemas.openxmlformats.org/presentationml/2006/main">
   <p:cSld>
     <p:spTree>
@@ -14051,15 +14680,7 @@
           <a:p>
             <a:r>
               <a:rPr lang="en-US" altLang="ko-KR" dirty="0" smtClean="0"/>
-              <a:t>Model to Java</a:t>
-            </a:r>
-            <a:r>
-              <a:rPr lang="en-US" altLang="ko-KR" dirty="0" smtClean="0"/>
-              <a:t>, Test </a:t>
-            </a:r>
-            <a:r>
-              <a:rPr lang="en-US" altLang="ko-KR" dirty="0" smtClean="0"/>
-              <a:t>code generation</a:t>
+              <a:t>Model to Java, Test code generation</a:t>
             </a:r>
             <a:endParaRPr lang="ko-KR" altLang="en-US" dirty="0"/>
           </a:p>
@@ -14110,139 +14731,6 @@
           <a:xfrm>
             <a:off x="3491880" y="3658879"/>
             <a:ext cx="5422127" cy="2989461"/>
-          </a:xfrm>
-          <a:prstGeom prst="rect">
-            <a:avLst/>
-          </a:prstGeom>
-          <a:noFill/>
-        </p:spPr>
-      </p:pic>
-    </p:spTree>
-  </p:cSld>
-  <p:clrMapOvr>
-    <a:masterClrMapping/>
-  </p:clrMapOvr>
-  <p:timing>
-    <p:tnLst>
-      <p:par>
-        <p:cTn id="1" dur="indefinite" restart="never" nodeType="tmRoot"/>
-      </p:par>
-    </p:tnLst>
-  </p:timing>
-</p:sld>
-</file>
-
-<file path=ppt/slides/slide26.xml><?xml version="1.0" encoding="utf-8"?>
-<p:sld xmlns:a="http://schemas.openxmlformats.org/drawingml/2006/main" xmlns:r="http://schemas.openxmlformats.org/officeDocument/2006/relationships" xmlns:p="http://schemas.openxmlformats.org/presentationml/2006/main">
-  <p:cSld>
-    <p:spTree>
-      <p:nvGrpSpPr>
-        <p:cNvPr id="1" name=""/>
-        <p:cNvGrpSpPr/>
-        <p:nvPr/>
-      </p:nvGrpSpPr>
-      <p:grpSpPr>
-        <a:xfrm>
-          <a:off x="0" y="0"/>
-          <a:ext cx="0" cy="0"/>
-          <a:chOff x="0" y="0"/>
-          <a:chExt cx="0" cy="0"/>
-        </a:xfrm>
-      </p:grpSpPr>
-      <p:sp>
-        <p:nvSpPr>
-          <p:cNvPr id="2" name="제목 1"/>
-          <p:cNvSpPr>
-            <a:spLocks noGrp="1"/>
-          </p:cNvSpPr>
-          <p:nvPr>
-            <p:ph type="title"/>
-          </p:nvPr>
-        </p:nvSpPr>
-        <p:spPr/>
-        <p:txBody>
-          <a:bodyPr/>
-          <a:lstStyle/>
-          <a:p>
-            <a:r>
-              <a:rPr lang="en-US" altLang="ko-KR" dirty="0" smtClean="0"/>
-              <a:t>GEF(ERD)</a:t>
-            </a:r>
-            <a:endParaRPr lang="ko-KR" altLang="en-US" dirty="0"/>
-          </a:p>
-        </p:txBody>
-      </p:sp>
-      <p:pic>
-        <p:nvPicPr>
-          <p:cNvPr id="15362" name="Picture 2" descr="C:\Users\hangum\AppData\Local\Temp\msohtmlclip1\01\clip_image001.png"/>
-          <p:cNvPicPr>
-            <a:picLocks noChangeAspect="1" noChangeArrowheads="1"/>
-          </p:cNvPicPr>
-          <p:nvPr/>
-        </p:nvPicPr>
-        <p:blipFill>
-          <a:blip r:embed="rId2" cstate="print"/>
-          <a:srcRect/>
-          <a:stretch>
-            <a:fillRect/>
-          </a:stretch>
-        </p:blipFill>
-        <p:spPr bwMode="auto">
-          <a:xfrm>
-            <a:off x="827584" y="2276872"/>
-            <a:ext cx="5508065" cy="3133477"/>
-          </a:xfrm>
-          <a:prstGeom prst="rect">
-            <a:avLst/>
-          </a:prstGeom>
-          <a:noFill/>
-        </p:spPr>
-      </p:pic>
-      <p:pic>
-        <p:nvPicPr>
-          <p:cNvPr id="5" name="Picture 4" descr="C:\Users\hangum\AppData\Local\Temp\msohtmlclip1\01\clip_image001.png"/>
-          <p:cNvPicPr>
-            <a:picLocks noChangeAspect="1" noChangeArrowheads="1"/>
-          </p:cNvPicPr>
-          <p:nvPr/>
-        </p:nvPicPr>
-        <p:blipFill>
-          <a:blip r:embed="rId3" cstate="print"/>
-          <a:srcRect/>
-          <a:stretch>
-            <a:fillRect/>
-          </a:stretch>
-        </p:blipFill>
-        <p:spPr bwMode="auto">
-          <a:xfrm>
-            <a:off x="6002355" y="295523"/>
-            <a:ext cx="2880320" cy="3485843"/>
-          </a:xfrm>
-          <a:prstGeom prst="rect">
-            <a:avLst/>
-          </a:prstGeom>
-          <a:noFill/>
-        </p:spPr>
-      </p:pic>
-      <p:pic>
-        <p:nvPicPr>
-          <p:cNvPr id="15364" name="Picture 4" descr="C:\Users\hangum\AppData\Local\Temp\msohtmlclip1\01\clip_image001.png"/>
-          <p:cNvPicPr>
-            <a:picLocks noChangeAspect="1" noChangeArrowheads="1"/>
-          </p:cNvPicPr>
-          <p:nvPr/>
-        </p:nvPicPr>
-        <p:blipFill>
-          <a:blip r:embed="rId4" cstate="print"/>
-          <a:srcRect/>
-          <a:stretch>
-            <a:fillRect/>
-          </a:stretch>
-        </p:blipFill>
-        <p:spPr bwMode="auto">
-          <a:xfrm>
-            <a:off x="4634203" y="4327971"/>
-            <a:ext cx="4258277" cy="2269381"/>
           </a:xfrm>
           <a:prstGeom prst="rect">
             <a:avLst/>
@@ -14299,6 +14787,139 @@
           <a:p>
             <a:r>
               <a:rPr lang="en-US" altLang="ko-KR" dirty="0" smtClean="0"/>
+              <a:t>GEF(ERD)</a:t>
+            </a:r>
+            <a:endParaRPr lang="ko-KR" altLang="en-US" dirty="0"/>
+          </a:p>
+        </p:txBody>
+      </p:sp>
+      <p:pic>
+        <p:nvPicPr>
+          <p:cNvPr id="15362" name="Picture 2" descr="C:\Users\hangum\AppData\Local\Temp\msohtmlclip1\01\clip_image001.png"/>
+          <p:cNvPicPr>
+            <a:picLocks noChangeAspect="1" noChangeArrowheads="1"/>
+          </p:cNvPicPr>
+          <p:nvPr/>
+        </p:nvPicPr>
+        <p:blipFill>
+          <a:blip r:embed="rId2" cstate="print"/>
+          <a:srcRect/>
+          <a:stretch>
+            <a:fillRect/>
+          </a:stretch>
+        </p:blipFill>
+        <p:spPr bwMode="auto">
+          <a:xfrm>
+            <a:off x="827584" y="2276872"/>
+            <a:ext cx="5508065" cy="3133477"/>
+          </a:xfrm>
+          <a:prstGeom prst="rect">
+            <a:avLst/>
+          </a:prstGeom>
+          <a:noFill/>
+        </p:spPr>
+      </p:pic>
+      <p:pic>
+        <p:nvPicPr>
+          <p:cNvPr id="5" name="Picture 4" descr="C:\Users\hangum\AppData\Local\Temp\msohtmlclip1\01\clip_image001.png"/>
+          <p:cNvPicPr>
+            <a:picLocks noChangeAspect="1" noChangeArrowheads="1"/>
+          </p:cNvPicPr>
+          <p:nvPr/>
+        </p:nvPicPr>
+        <p:blipFill>
+          <a:blip r:embed="rId3" cstate="print"/>
+          <a:srcRect/>
+          <a:stretch>
+            <a:fillRect/>
+          </a:stretch>
+        </p:blipFill>
+        <p:spPr bwMode="auto">
+          <a:xfrm>
+            <a:off x="6002355" y="295523"/>
+            <a:ext cx="2880320" cy="3485843"/>
+          </a:xfrm>
+          <a:prstGeom prst="rect">
+            <a:avLst/>
+          </a:prstGeom>
+          <a:noFill/>
+        </p:spPr>
+      </p:pic>
+      <p:pic>
+        <p:nvPicPr>
+          <p:cNvPr id="15364" name="Picture 4" descr="C:\Users\hangum\AppData\Local\Temp\msohtmlclip1\01\clip_image001.png"/>
+          <p:cNvPicPr>
+            <a:picLocks noChangeAspect="1" noChangeArrowheads="1"/>
+          </p:cNvPicPr>
+          <p:nvPr/>
+        </p:nvPicPr>
+        <p:blipFill>
+          <a:blip r:embed="rId4" cstate="print"/>
+          <a:srcRect/>
+          <a:stretch>
+            <a:fillRect/>
+          </a:stretch>
+        </p:blipFill>
+        <p:spPr bwMode="auto">
+          <a:xfrm>
+            <a:off x="4634203" y="4327971"/>
+            <a:ext cx="4258277" cy="2269381"/>
+          </a:xfrm>
+          <a:prstGeom prst="rect">
+            <a:avLst/>
+          </a:prstGeom>
+          <a:noFill/>
+        </p:spPr>
+      </p:pic>
+    </p:spTree>
+  </p:cSld>
+  <p:clrMapOvr>
+    <a:masterClrMapping/>
+  </p:clrMapOvr>
+  <p:timing>
+    <p:tnLst>
+      <p:par>
+        <p:cTn id="1" dur="indefinite" restart="never" nodeType="tmRoot"/>
+      </p:par>
+    </p:tnLst>
+  </p:timing>
+</p:sld>
+</file>
+
+<file path=ppt/slides/slide28.xml><?xml version="1.0" encoding="utf-8"?>
+<p:sld xmlns:a="http://schemas.openxmlformats.org/drawingml/2006/main" xmlns:r="http://schemas.openxmlformats.org/officeDocument/2006/relationships" xmlns:p="http://schemas.openxmlformats.org/presentationml/2006/main">
+  <p:cSld>
+    <p:spTree>
+      <p:nvGrpSpPr>
+        <p:cNvPr id="1" name=""/>
+        <p:cNvGrpSpPr/>
+        <p:nvPr/>
+      </p:nvGrpSpPr>
+      <p:grpSpPr>
+        <a:xfrm>
+          <a:off x="0" y="0"/>
+          <a:ext cx="0" cy="0"/>
+          <a:chOff x="0" y="0"/>
+          <a:chExt cx="0" cy="0"/>
+        </a:xfrm>
+      </p:grpSpPr>
+      <p:sp>
+        <p:nvSpPr>
+          <p:cNvPr id="2" name="제목 1"/>
+          <p:cNvSpPr>
+            <a:spLocks noGrp="1"/>
+          </p:cNvSpPr>
+          <p:nvPr>
+            <p:ph type="title"/>
+          </p:nvPr>
+        </p:nvSpPr>
+        <p:spPr/>
+        <p:txBody>
+          <a:bodyPr/>
+          <a:lstStyle/>
+          <a:p>
+            <a:r>
+              <a:rPr lang="en-US" altLang="ko-KR" dirty="0" smtClean="0"/>
               <a:t>Themes(CSS)</a:t>
             </a:r>
             <a:endParaRPr lang="ko-KR" altLang="en-US" dirty="0"/>
@@ -14546,132 +15167,6 @@
           <a:xfrm>
             <a:off x="6693371" y="6165304"/>
             <a:ext cx="542925" cy="266700"/>
-          </a:xfrm>
-          <a:prstGeom prst="rect">
-            <a:avLst/>
-          </a:prstGeom>
-          <a:noFill/>
-        </p:spPr>
-      </p:pic>
-    </p:spTree>
-  </p:cSld>
-  <p:clrMapOvr>
-    <a:masterClrMapping/>
-  </p:clrMapOvr>
-</p:sld>
-</file>
-
-<file path=ppt/slides/slide28.xml><?xml version="1.0" encoding="utf-8"?>
-<p:sld xmlns:a="http://schemas.openxmlformats.org/drawingml/2006/main" xmlns:r="http://schemas.openxmlformats.org/officeDocument/2006/relationships" xmlns:p="http://schemas.openxmlformats.org/presentationml/2006/main">
-  <p:cSld>
-    <p:spTree>
-      <p:nvGrpSpPr>
-        <p:cNvPr id="1" name=""/>
-        <p:cNvGrpSpPr/>
-        <p:nvPr/>
-      </p:nvGrpSpPr>
-      <p:grpSpPr>
-        <a:xfrm>
-          <a:off x="0" y="0"/>
-          <a:ext cx="0" cy="0"/>
-          <a:chOff x="0" y="0"/>
-          <a:chExt cx="0" cy="0"/>
-        </a:xfrm>
-      </p:grpSpPr>
-      <p:sp>
-        <p:nvSpPr>
-          <p:cNvPr id="2" name="제목 1"/>
-          <p:cNvSpPr>
-            <a:spLocks noGrp="1"/>
-          </p:cNvSpPr>
-          <p:nvPr>
-            <p:ph type="title"/>
-          </p:nvPr>
-        </p:nvSpPr>
-        <p:spPr/>
-        <p:txBody>
-          <a:bodyPr/>
-          <a:lstStyle/>
-          <a:p>
-            <a:r>
-              <a:rPr lang="en-US" altLang="ko-KR" dirty="0" smtClean="0"/>
-              <a:t>File upload</a:t>
-            </a:r>
-            <a:endParaRPr lang="ko-KR" altLang="en-US" dirty="0"/>
-          </a:p>
-        </p:txBody>
-      </p:sp>
-      <p:pic>
-        <p:nvPicPr>
-          <p:cNvPr id="9220" name="Picture 4" descr="C:\Users\hangum\AppData\Local\Temp\msohtmlclip1\01\clip_image001.png"/>
-          <p:cNvPicPr>
-            <a:picLocks noChangeAspect="1" noChangeArrowheads="1"/>
-          </p:cNvPicPr>
-          <p:nvPr/>
-        </p:nvPicPr>
-        <p:blipFill>
-          <a:blip r:embed="rId2" cstate="print"/>
-          <a:srcRect/>
-          <a:stretch>
-            <a:fillRect/>
-          </a:stretch>
-        </p:blipFill>
-        <p:spPr bwMode="auto">
-          <a:xfrm>
-            <a:off x="611560" y="3068960"/>
-            <a:ext cx="5486400" cy="3486150"/>
-          </a:xfrm>
-          <a:prstGeom prst="rect">
-            <a:avLst/>
-          </a:prstGeom>
-          <a:noFill/>
-        </p:spPr>
-      </p:pic>
-      <p:pic>
-        <p:nvPicPr>
-          <p:cNvPr id="9222" name="Picture 6" descr="C:\Users\hangum\AppData\Local\Temp\msohtmlclip1\01\clip_image001.png"/>
-          <p:cNvPicPr>
-            <a:picLocks noChangeAspect="1" noChangeArrowheads="1"/>
-          </p:cNvPicPr>
-          <p:nvPr/>
-        </p:nvPicPr>
-        <p:blipFill>
-          <a:blip r:embed="rId3" cstate="print"/>
-          <a:srcRect/>
-          <a:stretch>
-            <a:fillRect/>
-          </a:stretch>
-        </p:blipFill>
-        <p:spPr bwMode="auto">
-          <a:xfrm>
-            <a:off x="611560" y="1988840"/>
-            <a:ext cx="4067175" cy="1028700"/>
-          </a:xfrm>
-          <a:prstGeom prst="rect">
-            <a:avLst/>
-          </a:prstGeom>
-          <a:noFill/>
-        </p:spPr>
-      </p:pic>
-      <p:pic>
-        <p:nvPicPr>
-          <p:cNvPr id="9218" name="Picture 2" descr="C:\Users\hangum\AppData\Local\Temp\msohtmlclip1\01\clip_image001.png"/>
-          <p:cNvPicPr>
-            <a:picLocks noChangeAspect="1" noChangeArrowheads="1"/>
-          </p:cNvPicPr>
-          <p:nvPr/>
-        </p:nvPicPr>
-        <p:blipFill>
-          <a:blip r:embed="rId4" cstate="print"/>
-          <a:srcRect/>
-          <a:stretch>
-            <a:fillRect/>
-          </a:stretch>
-        </p:blipFill>
-        <p:spPr bwMode="auto">
-          <a:xfrm>
-            <a:off x="4282976" y="1124744"/>
-            <a:ext cx="4681512" cy="2880320"/>
           </a:xfrm>
           <a:prstGeom prst="rect">
             <a:avLst/>
@@ -14721,37 +15216,7 @@
           <a:p>
             <a:r>
               <a:rPr lang="en-US" altLang="ko-KR" dirty="0" smtClean="0"/>
-              <a:t>Session</a:t>
-            </a:r>
-            <a:endParaRPr lang="ko-KR" altLang="en-US" dirty="0"/>
-          </a:p>
-        </p:txBody>
-      </p:sp>
-      <p:sp>
-        <p:nvSpPr>
-          <p:cNvPr id="3" name="내용 개체 틀 2"/>
-          <p:cNvSpPr>
-            <a:spLocks noGrp="1"/>
-          </p:cNvSpPr>
-          <p:nvPr>
-            <p:ph idx="1"/>
-          </p:nvPr>
-        </p:nvSpPr>
-        <p:spPr/>
-        <p:txBody>
-          <a:bodyPr/>
-          <a:lstStyle/>
-          <a:p>
-            <a:r>
-              <a:rPr lang="ko-KR" altLang="en-US" dirty="0" smtClean="0"/>
-              <a:t>사용자 로그인 정보</a:t>
-            </a:r>
-            <a:endParaRPr lang="en-US" altLang="ko-KR" dirty="0" smtClean="0"/>
-          </a:p>
-          <a:p>
-            <a:r>
-              <a:rPr lang="ko-KR" altLang="en-US" dirty="0" smtClean="0"/>
-              <a:t>사용자 기초 정보</a:t>
+              <a:t>File upload</a:t>
             </a:r>
             <a:endParaRPr lang="ko-KR" altLang="en-US" dirty="0"/>
           </a:p>
@@ -14759,7 +15224,7 @@
       </p:sp>
       <p:pic>
         <p:nvPicPr>
-          <p:cNvPr id="8194" name="Picture 2" descr="C:\Users\hangum\AppData\Local\Temp\msohtmlclip1\01\clip_image001.png"/>
+          <p:cNvPr id="9220" name="Picture 4" descr="C:\Users\hangum\AppData\Local\Temp\msohtmlclip1\01\clip_image001.png"/>
           <p:cNvPicPr>
             <a:picLocks noChangeAspect="1" noChangeArrowheads="1"/>
           </p:cNvPicPr>
@@ -14774,8 +15239,60 @@
         </p:blipFill>
         <p:spPr bwMode="auto">
           <a:xfrm>
-            <a:off x="3419872" y="3068960"/>
-            <a:ext cx="5276850" cy="2971800"/>
+            <a:off x="611560" y="3068960"/>
+            <a:ext cx="5486400" cy="3486150"/>
+          </a:xfrm>
+          <a:prstGeom prst="rect">
+            <a:avLst/>
+          </a:prstGeom>
+          <a:noFill/>
+        </p:spPr>
+      </p:pic>
+      <p:pic>
+        <p:nvPicPr>
+          <p:cNvPr id="9222" name="Picture 6" descr="C:\Users\hangum\AppData\Local\Temp\msohtmlclip1\01\clip_image001.png"/>
+          <p:cNvPicPr>
+            <a:picLocks noChangeAspect="1" noChangeArrowheads="1"/>
+          </p:cNvPicPr>
+          <p:nvPr/>
+        </p:nvPicPr>
+        <p:blipFill>
+          <a:blip r:embed="rId3" cstate="print"/>
+          <a:srcRect/>
+          <a:stretch>
+            <a:fillRect/>
+          </a:stretch>
+        </p:blipFill>
+        <p:spPr bwMode="auto">
+          <a:xfrm>
+            <a:off x="611560" y="1988840"/>
+            <a:ext cx="4067175" cy="1028700"/>
+          </a:xfrm>
+          <a:prstGeom prst="rect">
+            <a:avLst/>
+          </a:prstGeom>
+          <a:noFill/>
+        </p:spPr>
+      </p:pic>
+      <p:pic>
+        <p:nvPicPr>
+          <p:cNvPr id="9218" name="Picture 2" descr="C:\Users\hangum\AppData\Local\Temp\msohtmlclip1\01\clip_image001.png"/>
+          <p:cNvPicPr>
+            <a:picLocks noChangeAspect="1" noChangeArrowheads="1"/>
+          </p:cNvPicPr>
+          <p:nvPr/>
+        </p:nvPicPr>
+        <p:blipFill>
+          <a:blip r:embed="rId4" cstate="print"/>
+          <a:srcRect/>
+          <a:stretch>
+            <a:fillRect/>
+          </a:stretch>
+        </p:blipFill>
+        <p:spPr bwMode="auto">
+          <a:xfrm>
+            <a:off x="4282976" y="1124744"/>
+            <a:ext cx="4681512" cy="2880320"/>
           </a:xfrm>
           <a:prstGeom prst="rect">
             <a:avLst/>
@@ -14996,7 +15513,11 @@
             <a:pPr lvl="1"/>
             <a:r>
               <a:rPr lang="en-US" altLang="ko-KR" dirty="0" smtClean="0"/>
-              <a:t>0.0.8 SR3 </a:t>
+              <a:t>0.0.8 </a:t>
+            </a:r>
+            <a:r>
+              <a:rPr lang="en-US" altLang="ko-KR" dirty="0" smtClean="0"/>
+              <a:t>SR4 </a:t>
             </a:r>
             <a:r>
               <a:rPr lang="ko-KR" altLang="en-US" dirty="0" smtClean="0"/>
@@ -15139,15 +15660,37 @@
           <a:p>
             <a:r>
               <a:rPr lang="en-US" altLang="ko-KR" dirty="0" smtClean="0"/>
-              <a:t>Server Push(</a:t>
-            </a:r>
-            <a:r>
-              <a:rPr lang="en-US" altLang="ko-KR" dirty="0" err="1" smtClean="0"/>
-              <a:t>UICallback</a:t>
-            </a:r>
-            <a:r>
-              <a:rPr lang="en-US" altLang="ko-KR" dirty="0" smtClean="0"/>
-              <a:t>)</a:t>
+              <a:t>Session</a:t>
+            </a:r>
+            <a:endParaRPr lang="ko-KR" altLang="en-US" dirty="0"/>
+          </a:p>
+        </p:txBody>
+      </p:sp>
+      <p:sp>
+        <p:nvSpPr>
+          <p:cNvPr id="3" name="내용 개체 틀 2"/>
+          <p:cNvSpPr>
+            <a:spLocks noGrp="1"/>
+          </p:cNvSpPr>
+          <p:nvPr>
+            <p:ph idx="1"/>
+          </p:nvPr>
+        </p:nvSpPr>
+        <p:spPr/>
+        <p:txBody>
+          <a:bodyPr/>
+          <a:lstStyle/>
+          <a:p>
+            <a:r>
+              <a:rPr lang="ko-KR" altLang="en-US" dirty="0" smtClean="0"/>
+              <a:t>사용자 로그인 정보</a:t>
+            </a:r>
+            <a:endParaRPr lang="en-US" altLang="ko-KR" dirty="0" smtClean="0"/>
+          </a:p>
+          <a:p>
+            <a:r>
+              <a:rPr lang="ko-KR" altLang="en-US" dirty="0" smtClean="0"/>
+              <a:t>사용자 기초 정보</a:t>
             </a:r>
             <a:endParaRPr lang="ko-KR" altLang="en-US" dirty="0"/>
           </a:p>
@@ -15155,7 +15698,7 @@
       </p:sp>
       <p:pic>
         <p:nvPicPr>
-          <p:cNvPr id="7174" name="Picture 6" descr="C:\Users\hangum\AppData\Local\Temp\msohtmlclip1\01\clip_image001.png"/>
+          <p:cNvPr id="8194" name="Picture 2" descr="C:\Users\hangum\AppData\Local\Temp\msohtmlclip1\01\clip_image001.png"/>
           <p:cNvPicPr>
             <a:picLocks noChangeAspect="1" noChangeArrowheads="1"/>
           </p:cNvPicPr>
@@ -15170,34 +15713,8 @@
         </p:blipFill>
         <p:spPr bwMode="auto">
           <a:xfrm>
-            <a:off x="2339752" y="1421777"/>
-            <a:ext cx="6264696" cy="1791199"/>
-          </a:xfrm>
-          <a:prstGeom prst="rect">
-            <a:avLst/>
-          </a:prstGeom>
-          <a:noFill/>
-        </p:spPr>
-      </p:pic>
-      <p:pic>
-        <p:nvPicPr>
-          <p:cNvPr id="7172" name="Picture 4" descr="C:\Users\hangum\AppData\Local\Temp\msohtmlclip1\01\clip_image001.png"/>
-          <p:cNvPicPr>
-            <a:picLocks noChangeAspect="1" noChangeArrowheads="1"/>
-          </p:cNvPicPr>
-          <p:nvPr/>
-        </p:nvPicPr>
-        <p:blipFill>
-          <a:blip r:embed="rId3" cstate="print"/>
-          <a:srcRect/>
-          <a:stretch>
-            <a:fillRect/>
-          </a:stretch>
-        </p:blipFill>
-        <p:spPr bwMode="auto">
-          <a:xfrm>
-            <a:off x="1043608" y="2745820"/>
-            <a:ext cx="4557315" cy="3816657"/>
+            <a:off x="3419872" y="3068960"/>
+            <a:ext cx="5276850" cy="2971800"/>
           </a:xfrm>
           <a:prstGeom prst="rect">
             <a:avLst/>
@@ -15247,46 +15764,15 @@
           <a:p>
             <a:r>
               <a:rPr lang="en-US" altLang="ko-KR" dirty="0" smtClean="0"/>
-              <a:t>feature</a:t>
-            </a:r>
-            <a:endParaRPr lang="ko-KR" altLang="en-US" dirty="0"/>
-          </a:p>
-        </p:txBody>
-      </p:sp>
-      <p:sp>
-        <p:nvSpPr>
-          <p:cNvPr id="3" name="내용 개체 틀 2"/>
-          <p:cNvSpPr>
-            <a:spLocks noGrp="1"/>
-          </p:cNvSpPr>
-          <p:nvPr>
-            <p:ph idx="1"/>
-          </p:nvPr>
-        </p:nvSpPr>
-        <p:spPr/>
-        <p:txBody>
-          <a:bodyPr/>
-          <a:lstStyle/>
-          <a:p>
-            <a:r>
-              <a:rPr lang="ko-KR" altLang="en-US" dirty="0" smtClean="0"/>
-              <a:t>제품의 구조 정의</a:t>
-            </a:r>
-            <a:endParaRPr lang="en-US" altLang="ko-KR" dirty="0" smtClean="0"/>
-          </a:p>
-          <a:p>
-            <a:pPr lvl="1"/>
-            <a:r>
-              <a:rPr lang="ko-KR" altLang="en-US" dirty="0" smtClean="0"/>
-              <a:t>제품의 배포</a:t>
-            </a:r>
-            <a:endParaRPr lang="en-US" altLang="ko-KR" dirty="0" smtClean="0"/>
-          </a:p>
-          <a:p>
-            <a:pPr lvl="1"/>
-            <a:r>
-              <a:rPr lang="ko-KR" altLang="en-US" dirty="0" smtClean="0"/>
-              <a:t>제품의 업데이트</a:t>
+              <a:t>Server Push(</a:t>
+            </a:r>
+            <a:r>
+              <a:rPr lang="en-US" altLang="ko-KR" dirty="0" err="1" smtClean="0"/>
+              <a:t>UICallback</a:t>
+            </a:r>
+            <a:r>
+              <a:rPr lang="en-US" altLang="ko-KR" dirty="0" smtClean="0"/>
+              <a:t>)</a:t>
             </a:r>
             <a:endParaRPr lang="ko-KR" altLang="en-US" dirty="0"/>
           </a:p>
@@ -15294,7 +15780,7 @@
       </p:sp>
       <p:pic>
         <p:nvPicPr>
-          <p:cNvPr id="44034" name="Picture 2" descr="C:\Users\hangum\AppData\Local\Temp\msohtmlclip1\01\clip_image001.png"/>
+          <p:cNvPr id="7174" name="Picture 6" descr="C:\Users\hangum\AppData\Local\Temp\msohtmlclip1\01\clip_image001.png"/>
           <p:cNvPicPr>
             <a:picLocks noChangeAspect="1" noChangeArrowheads="1"/>
           </p:cNvPicPr>
@@ -15309,8 +15795,34 @@
         </p:blipFill>
         <p:spPr bwMode="auto">
           <a:xfrm>
-            <a:off x="4572000" y="2708920"/>
-            <a:ext cx="4114800" cy="2047875"/>
+            <a:off x="2339752" y="1421777"/>
+            <a:ext cx="6264696" cy="1791199"/>
+          </a:xfrm>
+          <a:prstGeom prst="rect">
+            <a:avLst/>
+          </a:prstGeom>
+          <a:noFill/>
+        </p:spPr>
+      </p:pic>
+      <p:pic>
+        <p:nvPicPr>
+          <p:cNvPr id="7172" name="Picture 4" descr="C:\Users\hangum\AppData\Local\Temp\msohtmlclip1\01\clip_image001.png"/>
+          <p:cNvPicPr>
+            <a:picLocks noChangeAspect="1" noChangeArrowheads="1"/>
+          </p:cNvPicPr>
+          <p:nvPr/>
+        </p:nvPicPr>
+        <p:blipFill>
+          <a:blip r:embed="rId3" cstate="print"/>
+          <a:srcRect/>
+          <a:stretch>
+            <a:fillRect/>
+          </a:stretch>
+        </p:blipFill>
+        <p:spPr bwMode="auto">
+          <a:xfrm>
+            <a:off x="1043608" y="2745820"/>
+            <a:ext cx="4557315" cy="3816657"/>
           </a:xfrm>
           <a:prstGeom prst="rect">
             <a:avLst/>
@@ -15360,7 +15872,46 @@
           <a:p>
             <a:r>
               <a:rPr lang="en-US" altLang="ko-KR" dirty="0" smtClean="0"/>
-              <a:t>Test</a:t>
+              <a:t>feature</a:t>
+            </a:r>
+            <a:endParaRPr lang="ko-KR" altLang="en-US" dirty="0"/>
+          </a:p>
+        </p:txBody>
+      </p:sp>
+      <p:sp>
+        <p:nvSpPr>
+          <p:cNvPr id="3" name="내용 개체 틀 2"/>
+          <p:cNvSpPr>
+            <a:spLocks noGrp="1"/>
+          </p:cNvSpPr>
+          <p:nvPr>
+            <p:ph idx="1"/>
+          </p:nvPr>
+        </p:nvSpPr>
+        <p:spPr/>
+        <p:txBody>
+          <a:bodyPr/>
+          <a:lstStyle/>
+          <a:p>
+            <a:r>
+              <a:rPr lang="ko-KR" altLang="en-US" dirty="0" smtClean="0"/>
+              <a:t>제품의 구조 정의</a:t>
+            </a:r>
+            <a:endParaRPr lang="en-US" altLang="ko-KR" dirty="0" smtClean="0"/>
+          </a:p>
+          <a:p>
+            <a:pPr lvl="1"/>
+            <a:r>
+              <a:rPr lang="ko-KR" altLang="en-US" dirty="0" smtClean="0"/>
+              <a:t>제품의 배포</a:t>
+            </a:r>
+            <a:endParaRPr lang="en-US" altLang="ko-KR" dirty="0" smtClean="0"/>
+          </a:p>
+          <a:p>
+            <a:pPr lvl="1"/>
+            <a:r>
+              <a:rPr lang="ko-KR" altLang="en-US" dirty="0" smtClean="0"/>
+              <a:t>제품의 업데이트</a:t>
             </a:r>
             <a:endParaRPr lang="ko-KR" altLang="en-US" dirty="0"/>
           </a:p>
@@ -15368,7 +15919,7 @@
       </p:sp>
       <p:pic>
         <p:nvPicPr>
-          <p:cNvPr id="46084" name="Picture 4" descr="C:\Users\hangum\AppData\Local\Temp\msohtmlclip1\01\clip_image001.png"/>
+          <p:cNvPr id="44034" name="Picture 2" descr="C:\Users\hangum\AppData\Local\Temp\msohtmlclip1\01\clip_image001.png"/>
           <p:cNvPicPr>
             <a:picLocks noChangeAspect="1" noChangeArrowheads="1"/>
           </p:cNvPicPr>
@@ -15383,34 +15934,8 @@
         </p:blipFill>
         <p:spPr bwMode="auto">
           <a:xfrm>
-            <a:off x="4788024" y="260648"/>
-            <a:ext cx="4124325" cy="2705100"/>
-          </a:xfrm>
-          <a:prstGeom prst="rect">
-            <a:avLst/>
-          </a:prstGeom>
-          <a:noFill/>
-        </p:spPr>
-      </p:pic>
-      <p:pic>
-        <p:nvPicPr>
-          <p:cNvPr id="46088" name="Picture 8" descr="C:\Users\hangum\AppData\Local\Temp\msohtmlclip1\01\clip_image001.png"/>
-          <p:cNvPicPr>
-            <a:picLocks noChangeAspect="1" noChangeArrowheads="1"/>
-          </p:cNvPicPr>
-          <p:nvPr/>
-        </p:nvPicPr>
-        <p:blipFill>
-          <a:blip r:embed="rId3" cstate="print"/>
-          <a:srcRect/>
-          <a:stretch>
-            <a:fillRect/>
-          </a:stretch>
-        </p:blipFill>
-        <p:spPr bwMode="auto">
-          <a:xfrm>
-            <a:off x="899592" y="2636912"/>
-            <a:ext cx="6480720" cy="3988729"/>
+            <a:off x="4572000" y="2708920"/>
+            <a:ext cx="4114800" cy="2047875"/>
           </a:xfrm>
           <a:prstGeom prst="rect">
             <a:avLst/>
@@ -15460,6 +15985,106 @@
           <a:p>
             <a:r>
               <a:rPr lang="en-US" altLang="ko-KR" dirty="0" smtClean="0"/>
+              <a:t>Test</a:t>
+            </a:r>
+            <a:endParaRPr lang="ko-KR" altLang="en-US" dirty="0"/>
+          </a:p>
+        </p:txBody>
+      </p:sp>
+      <p:pic>
+        <p:nvPicPr>
+          <p:cNvPr id="46084" name="Picture 4" descr="C:\Users\hangum\AppData\Local\Temp\msohtmlclip1\01\clip_image001.png"/>
+          <p:cNvPicPr>
+            <a:picLocks noChangeAspect="1" noChangeArrowheads="1"/>
+          </p:cNvPicPr>
+          <p:nvPr/>
+        </p:nvPicPr>
+        <p:blipFill>
+          <a:blip r:embed="rId2" cstate="print"/>
+          <a:srcRect/>
+          <a:stretch>
+            <a:fillRect/>
+          </a:stretch>
+        </p:blipFill>
+        <p:spPr bwMode="auto">
+          <a:xfrm>
+            <a:off x="4788024" y="260648"/>
+            <a:ext cx="4124325" cy="2705100"/>
+          </a:xfrm>
+          <a:prstGeom prst="rect">
+            <a:avLst/>
+          </a:prstGeom>
+          <a:noFill/>
+        </p:spPr>
+      </p:pic>
+      <p:pic>
+        <p:nvPicPr>
+          <p:cNvPr id="46088" name="Picture 8" descr="C:\Users\hangum\AppData\Local\Temp\msohtmlclip1\01\clip_image001.png"/>
+          <p:cNvPicPr>
+            <a:picLocks noChangeAspect="1" noChangeArrowheads="1"/>
+          </p:cNvPicPr>
+          <p:nvPr/>
+        </p:nvPicPr>
+        <p:blipFill>
+          <a:blip r:embed="rId3" cstate="print"/>
+          <a:srcRect/>
+          <a:stretch>
+            <a:fillRect/>
+          </a:stretch>
+        </p:blipFill>
+        <p:spPr bwMode="auto">
+          <a:xfrm>
+            <a:off x="899592" y="2636912"/>
+            <a:ext cx="6480720" cy="3988729"/>
+          </a:xfrm>
+          <a:prstGeom prst="rect">
+            <a:avLst/>
+          </a:prstGeom>
+          <a:noFill/>
+        </p:spPr>
+      </p:pic>
+    </p:spTree>
+  </p:cSld>
+  <p:clrMapOvr>
+    <a:masterClrMapping/>
+  </p:clrMapOvr>
+</p:sld>
+</file>
+
+<file path=ppt/slides/slide34.xml><?xml version="1.0" encoding="utf-8"?>
+<p:sld xmlns:a="http://schemas.openxmlformats.org/drawingml/2006/main" xmlns:r="http://schemas.openxmlformats.org/officeDocument/2006/relationships" xmlns:p="http://schemas.openxmlformats.org/presentationml/2006/main">
+  <p:cSld>
+    <p:spTree>
+      <p:nvGrpSpPr>
+        <p:cNvPr id="1" name=""/>
+        <p:cNvGrpSpPr/>
+        <p:nvPr/>
+      </p:nvGrpSpPr>
+      <p:grpSpPr>
+        <a:xfrm>
+          <a:off x="0" y="0"/>
+          <a:ext cx="0" cy="0"/>
+          <a:chOff x="0" y="0"/>
+          <a:chExt cx="0" cy="0"/>
+        </a:xfrm>
+      </p:grpSpPr>
+      <p:sp>
+        <p:nvSpPr>
+          <p:cNvPr id="2" name="제목 1"/>
+          <p:cNvSpPr>
+            <a:spLocks noGrp="1"/>
+          </p:cNvSpPr>
+          <p:nvPr>
+            <p:ph type="title"/>
+          </p:nvPr>
+        </p:nvSpPr>
+        <p:spPr/>
+        <p:txBody>
+          <a:bodyPr/>
+          <a:lstStyle/>
+          <a:p>
+            <a:r>
+              <a:rPr lang="en-US" altLang="ko-KR" dirty="0" smtClean="0"/>
               <a:t>Product(Standalone)</a:t>
             </a:r>
             <a:endParaRPr lang="ko-KR" altLang="en-US" dirty="0"/>
@@ -15552,7 +16177,7 @@
 </p:sld>
 </file>
 
-<file path=ppt/slides/slide34.xml><?xml version="1.0" encoding="utf-8"?>
+<file path=ppt/slides/slide35.xml><?xml version="1.0" encoding="utf-8"?>
 <p:sld xmlns:a="http://schemas.openxmlformats.org/drawingml/2006/main" xmlns:r="http://schemas.openxmlformats.org/officeDocument/2006/relationships" xmlns:p="http://schemas.openxmlformats.org/presentationml/2006/main">
   <p:cSld>
     <p:spTree>
@@ -15678,7 +16303,7 @@
 </p:sld>
 </file>
 
-<file path=ppt/slides/slide35.xml><?xml version="1.0" encoding="utf-8"?>
+<file path=ppt/slides/slide36.xml><?xml version="1.0" encoding="utf-8"?>
 <p:sld xmlns:a="http://schemas.openxmlformats.org/drawingml/2006/main" xmlns:r="http://schemas.openxmlformats.org/officeDocument/2006/relationships" xmlns:p="http://schemas.openxmlformats.org/presentationml/2006/main">
   <p:cSld>
     <p:spTree>
@@ -15748,17 +16373,12 @@
           <a:p>
             <a:r>
               <a:rPr lang="ko-KR" altLang="en-US" dirty="0" smtClean="0"/>
-              <a:t>모르면 일단 </a:t>
-            </a:r>
-            <a:r>
-              <a:rPr lang="ko-KR" altLang="en-US" dirty="0" smtClean="0"/>
-              <a:t>멈추세요</a:t>
+              <a:t>모르면 일단 멈추세요</a:t>
             </a:r>
             <a:r>
               <a:rPr lang="en-US" altLang="ko-KR" dirty="0" smtClean="0"/>
               <a:t>.</a:t>
             </a:r>
-            <a:endParaRPr lang="en-US" altLang="ko-KR" dirty="0" smtClean="0"/>
           </a:p>
           <a:p>
             <a:r>
@@ -15811,7 +16431,7 @@
     </p:spTree>
     <p:extLst>
       <p:ext uri="{BB962C8B-B14F-4D97-AF65-F5344CB8AC3E}">
-        <p14:creationId xmlns:p14="http://schemas.microsoft.com/office/powerpoint/2010/main" val="1402658691"/>
+        <p14:creationId xmlns:p14="http://schemas.microsoft.com/office/powerpoint/2010/main" xmlns="" val="1402658691"/>
       </p:ext>
     </p:extLst>
   </p:cSld>
@@ -15909,7 +16529,7 @@
     </p:spTree>
     <p:extLst>
       <p:ext uri="{BB962C8B-B14F-4D97-AF65-F5344CB8AC3E}">
-        <p14:creationId xmlns:p14="http://schemas.microsoft.com/office/powerpoint/2010/main" val="1747788611"/>
+        <p14:creationId xmlns:p14="http://schemas.microsoft.com/office/powerpoint/2010/main" xmlns="" val="1747788611"/>
       </p:ext>
     </p:extLst>
   </p:cSld>
@@ -15980,7 +16600,7 @@
           <p:nvPr>
             <p:extLst>
               <p:ext uri="{D42A27DB-BD31-4B8C-83A1-F6EECF244321}">
-                <p14:modId xmlns:p14="http://schemas.microsoft.com/office/powerpoint/2010/main" val="1667482445"/>
+                <p14:modId xmlns:p14="http://schemas.microsoft.com/office/powerpoint/2010/main" xmlns="" val="1667482445"/>
               </p:ext>
             </p:extLst>
           </p:nvPr>
@@ -16285,7 +16905,7 @@
           <a:blip r:embed="rId3">
             <a:extLst>
               <a:ext uri="{28A0092B-C50C-407E-A947-70E740481C1C}">
-                <a14:useLocalDpi xmlns:a14="http://schemas.microsoft.com/office/drawing/2010/main" val="0"/>
+                <a14:useLocalDpi xmlns:a14="http://schemas.microsoft.com/office/drawing/2010/main" xmlns="" val="0"/>
               </a:ext>
             </a:extLst>
           </a:blip>
@@ -16305,7 +16925,7 @@
           <a:noFill/>
           <a:extLst>
             <a:ext uri="{909E8E84-426E-40DD-AFC4-6F175D3DCCD1}">
-              <a14:hiddenFill xmlns:a14="http://schemas.microsoft.com/office/drawing/2010/main">
+              <a14:hiddenFill xmlns:a14="http://schemas.microsoft.com/office/drawing/2010/main" xmlns="">
                 <a:solidFill>
                   <a:srgbClr val="FFFFFF"/>
                 </a:solidFill>
@@ -16317,7 +16937,7 @@
     </p:spTree>
     <p:extLst>
       <p:ext uri="{BB962C8B-B14F-4D97-AF65-F5344CB8AC3E}">
-        <p14:creationId xmlns:p14="http://schemas.microsoft.com/office/powerpoint/2010/main" val="3160814459"/>
+        <p14:creationId xmlns:p14="http://schemas.microsoft.com/office/powerpoint/2010/main" xmlns="" val="3160814459"/>
       </p:ext>
     </p:extLst>
   </p:cSld>
@@ -17669,7 +18289,7 @@
           <a:blip r:embed="rId9">
             <a:extLst>
               <a:ext uri="{28A0092B-C50C-407E-A947-70E740481C1C}">
-                <a14:useLocalDpi xmlns:a14="http://schemas.microsoft.com/office/drawing/2010/main" val="0"/>
+                <a14:useLocalDpi xmlns:a14="http://schemas.microsoft.com/office/drawing/2010/main" xmlns="" val="0"/>
               </a:ext>
             </a:extLst>
           </a:blip>
@@ -17689,7 +18309,7 @@
           <a:noFill/>
           <a:extLst>
             <a:ext uri="{909E8E84-426E-40DD-AFC4-6F175D3DCCD1}">
-              <a14:hiddenFill xmlns:a14="http://schemas.microsoft.com/office/drawing/2010/main">
+              <a14:hiddenFill xmlns:a14="http://schemas.microsoft.com/office/drawing/2010/main" xmlns="">
                 <a:solidFill>
                   <a:srgbClr val="FFFFFF"/>
                 </a:solidFill>

--- a/targetProject/docs/올챙이로 살펴보는 Eclipse개발.pptx
+++ b/targetProject/docs/올챙이로 살펴보는 Eclipse개발.pptx
@@ -5,7 +5,7 @@
     <p:sldMasterId id="2147483660" r:id="rId1"/>
   </p:sldMasterIdLst>
   <p:notesMasterIdLst>
-    <p:notesMasterId r:id="rId38"/>
+    <p:notesMasterId r:id="rId39"/>
   </p:notesMasterIdLst>
   <p:sldIdLst>
     <p:sldId id="256" r:id="rId2"/>
@@ -44,6 +44,7 @@
     <p:sldId id="273" r:id="rId35"/>
     <p:sldId id="285" r:id="rId36"/>
     <p:sldId id="288" r:id="rId37"/>
+    <p:sldId id="294" r:id="rId38"/>
   </p:sldIdLst>
   <p:sldSz cx="9144000" cy="6858000" type="screen4x3"/>
   <p:notesSz cx="6864350" cy="9996488"/>
@@ -228,7 +229,7 @@
             <a:fld id="{AE0AA4B3-3A98-4ED1-B469-5A41681A4FC5}" type="datetimeFigureOut">
               <a:rPr lang="ko-KR" altLang="en-US" smtClean="0"/>
               <a:pPr/>
-              <a:t>2012-09-18</a:t>
+              <a:t>2012-09-19</a:t>
             </a:fld>
             <a:endParaRPr lang="ko-KR" altLang="en-US"/>
           </a:p>
@@ -399,7 +400,7 @@
     </p:spTree>
     <p:extLst>
       <p:ext uri="{BB962C8B-B14F-4D97-AF65-F5344CB8AC3E}">
-        <p14:creationId xmlns:p14="http://schemas.microsoft.com/office/powerpoint/2010/main" xmlns="" val="4168351518"/>
+        <p14:creationId xmlns="" xmlns:p14="http://schemas.microsoft.com/office/powerpoint/2010/main" val="4168351518"/>
       </p:ext>
     </p:extLst>
   </p:cSld>
@@ -654,7 +655,7 @@
     </p:spTree>
     <p:extLst>
       <p:ext uri="{BB962C8B-B14F-4D97-AF65-F5344CB8AC3E}">
-        <p14:creationId xmlns:p14="http://schemas.microsoft.com/office/powerpoint/2010/main" xmlns="" val="288100614"/>
+        <p14:creationId xmlns="" xmlns:p14="http://schemas.microsoft.com/office/powerpoint/2010/main" val="288100614"/>
       </p:ext>
     </p:extLst>
   </p:cSld>
@@ -781,7 +782,7 @@
     </p:spTree>
     <p:extLst>
       <p:ext uri="{BB962C8B-B14F-4D97-AF65-F5344CB8AC3E}">
-        <p14:creationId xmlns:p14="http://schemas.microsoft.com/office/powerpoint/2010/main" xmlns="" val="2415521256"/>
+        <p14:creationId xmlns="" xmlns:p14="http://schemas.microsoft.com/office/powerpoint/2010/main" val="2415521256"/>
       </p:ext>
     </p:extLst>
   </p:cSld>
@@ -1213,7 +1214,7 @@
     </p:spTree>
     <p:extLst>
       <p:ext uri="{BB962C8B-B14F-4D97-AF65-F5344CB8AC3E}">
-        <p14:creationId xmlns:p14="http://schemas.microsoft.com/office/powerpoint/2010/main" xmlns="" val="516287269"/>
+        <p14:creationId xmlns="" xmlns:p14="http://schemas.microsoft.com/office/powerpoint/2010/main" val="516287269"/>
       </p:ext>
     </p:extLst>
   </p:cSld>
@@ -1860,7 +1861,7 @@
     </p:spTree>
     <p:extLst>
       <p:ext uri="{BB962C8B-B14F-4D97-AF65-F5344CB8AC3E}">
-        <p14:creationId xmlns:p14="http://schemas.microsoft.com/office/powerpoint/2010/main" xmlns="" val="3283331234"/>
+        <p14:creationId xmlns="" xmlns:p14="http://schemas.microsoft.com/office/powerpoint/2010/main" val="3283331234"/>
       </p:ext>
     </p:extLst>
   </p:cSld>
@@ -2237,7 +2238,7 @@
     </p:spTree>
     <p:extLst>
       <p:ext uri="{BB962C8B-B14F-4D97-AF65-F5344CB8AC3E}">
-        <p14:creationId xmlns:p14="http://schemas.microsoft.com/office/powerpoint/2010/main" xmlns="" val="3067411640"/>
+        <p14:creationId xmlns="" xmlns:p14="http://schemas.microsoft.com/office/powerpoint/2010/main" val="3067411640"/>
       </p:ext>
     </p:extLst>
   </p:cSld>
@@ -2378,7 +2379,7 @@
     </p:spTree>
     <p:extLst>
       <p:ext uri="{BB962C8B-B14F-4D97-AF65-F5344CB8AC3E}">
-        <p14:creationId xmlns:p14="http://schemas.microsoft.com/office/powerpoint/2010/main" xmlns="" val="1545418491"/>
+        <p14:creationId xmlns="" xmlns:p14="http://schemas.microsoft.com/office/powerpoint/2010/main" val="1545418491"/>
       </p:ext>
     </p:extLst>
   </p:cSld>
@@ -2470,7 +2471,7 @@
     </p:spTree>
     <p:extLst>
       <p:ext uri="{BB962C8B-B14F-4D97-AF65-F5344CB8AC3E}">
-        <p14:creationId xmlns:p14="http://schemas.microsoft.com/office/powerpoint/2010/main" xmlns="" val="3909199606"/>
+        <p14:creationId xmlns="" xmlns:p14="http://schemas.microsoft.com/office/powerpoint/2010/main" val="3909199606"/>
       </p:ext>
     </p:extLst>
   </p:cSld>
@@ -2578,7 +2579,7 @@
     </p:spTree>
     <p:extLst>
       <p:ext uri="{BB962C8B-B14F-4D97-AF65-F5344CB8AC3E}">
-        <p14:creationId xmlns:p14="http://schemas.microsoft.com/office/powerpoint/2010/main" xmlns="" val="1626307090"/>
+        <p14:creationId xmlns="" xmlns:p14="http://schemas.microsoft.com/office/powerpoint/2010/main" val="1626307090"/>
       </p:ext>
     </p:extLst>
   </p:cSld>
@@ -3053,7 +3054,7 @@
     </p:spTree>
     <p:extLst>
       <p:ext uri="{BB962C8B-B14F-4D97-AF65-F5344CB8AC3E}">
-        <p14:creationId xmlns:p14="http://schemas.microsoft.com/office/powerpoint/2010/main" xmlns="" val="2063256042"/>
+        <p14:creationId xmlns="" xmlns:p14="http://schemas.microsoft.com/office/powerpoint/2010/main" val="2063256042"/>
       </p:ext>
     </p:extLst>
   </p:cSld>
@@ -3263,7 +3264,7 @@
     </p:spTree>
     <p:extLst>
       <p:ext uri="{BB962C8B-B14F-4D97-AF65-F5344CB8AC3E}">
-        <p14:creationId xmlns:p14="http://schemas.microsoft.com/office/powerpoint/2010/main" xmlns="" val="2243209044"/>
+        <p14:creationId xmlns="" xmlns:p14="http://schemas.microsoft.com/office/powerpoint/2010/main" val="2243209044"/>
       </p:ext>
     </p:extLst>
   </p:cSld>
@@ -3844,7 +3845,7 @@
     </p:spTree>
     <p:extLst>
       <p:ext uri="{BB962C8B-B14F-4D97-AF65-F5344CB8AC3E}">
-        <p14:creationId xmlns:p14="http://schemas.microsoft.com/office/powerpoint/2010/main" xmlns="" val="3090094056"/>
+        <p14:creationId xmlns="" xmlns:p14="http://schemas.microsoft.com/office/powerpoint/2010/main" val="3090094056"/>
       </p:ext>
     </p:extLst>
   </p:cSld>
@@ -3891,7 +3892,7 @@
             <a:fld id="{F30B8A1C-2B93-4306-B084-61D49BE94AB7}" type="datetimeFigureOut">
               <a:rPr lang="ko-KR" altLang="en-US" smtClean="0"/>
               <a:pPr/>
-              <a:t>2012-09-18</a:t>
+              <a:t>2012-09-19</a:t>
             </a:fld>
             <a:endParaRPr lang="ko-KR" altLang="en-US"/>
           </a:p>
@@ -4610,7 +4611,7 @@
             <a:fld id="{F30B8A1C-2B93-4306-B084-61D49BE94AB7}" type="datetimeFigureOut">
               <a:rPr lang="ko-KR" altLang="en-US" smtClean="0"/>
               <a:pPr/>
-              <a:t>2012-09-18</a:t>
+              <a:t>2012-09-19</a:t>
             </a:fld>
             <a:endParaRPr lang="ko-KR" altLang="en-US"/>
           </a:p>
@@ -4797,7 +4798,7 @@
             <a:fld id="{F30B8A1C-2B93-4306-B084-61D49BE94AB7}" type="datetimeFigureOut">
               <a:rPr lang="ko-KR" altLang="en-US" smtClean="0"/>
               <a:pPr/>
-              <a:t>2012-09-18</a:t>
+              <a:t>2012-09-19</a:t>
             </a:fld>
             <a:endParaRPr lang="ko-KR" altLang="en-US"/>
           </a:p>
@@ -4974,7 +4975,7 @@
             <a:fld id="{F30B8A1C-2B93-4306-B084-61D49BE94AB7}" type="datetimeFigureOut">
               <a:rPr lang="ko-KR" altLang="en-US" smtClean="0"/>
               <a:pPr/>
-              <a:t>2012-09-18</a:t>
+              <a:t>2012-09-19</a:t>
             </a:fld>
             <a:endParaRPr lang="ko-KR" altLang="en-US"/>
           </a:p>
@@ -6459,7 +6460,7 @@
             <a:fld id="{F30B8A1C-2B93-4306-B084-61D49BE94AB7}" type="datetimeFigureOut">
               <a:rPr lang="ko-KR" altLang="en-US" smtClean="0"/>
               <a:pPr/>
-              <a:t>2012-09-18</a:t>
+              <a:t>2012-09-19</a:t>
             </a:fld>
             <a:endParaRPr lang="ko-KR" altLang="en-US"/>
           </a:p>
@@ -7061,7 +7062,7 @@
             <a:fld id="{F30B8A1C-2B93-4306-B084-61D49BE94AB7}" type="datetimeFigureOut">
               <a:rPr lang="ko-KR" altLang="en-US" smtClean="0"/>
               <a:pPr/>
-              <a:t>2012-09-18</a:t>
+              <a:t>2012-09-19</a:t>
             </a:fld>
             <a:endParaRPr lang="ko-KR" altLang="en-US"/>
           </a:p>
@@ -7500,7 +7501,7 @@
             <a:fld id="{F30B8A1C-2B93-4306-B084-61D49BE94AB7}" type="datetimeFigureOut">
               <a:rPr lang="ko-KR" altLang="en-US" smtClean="0"/>
               <a:pPr/>
-              <a:t>2012-09-18</a:t>
+              <a:t>2012-09-19</a:t>
             </a:fld>
             <a:endParaRPr lang="ko-KR" altLang="en-US"/>
           </a:p>
@@ -8063,7 +8064,7 @@
             <a:fld id="{F30B8A1C-2B93-4306-B084-61D49BE94AB7}" type="datetimeFigureOut">
               <a:rPr lang="ko-KR" altLang="en-US" smtClean="0"/>
               <a:pPr/>
-              <a:t>2012-09-18</a:t>
+              <a:t>2012-09-19</a:t>
             </a:fld>
             <a:endParaRPr lang="ko-KR" altLang="en-US"/>
           </a:p>
@@ -8161,7 +8162,7 @@
             <a:fld id="{F30B8A1C-2B93-4306-B084-61D49BE94AB7}" type="datetimeFigureOut">
               <a:rPr lang="ko-KR" altLang="en-US" smtClean="0"/>
               <a:pPr/>
-              <a:t>2012-09-18</a:t>
+              <a:t>2012-09-19</a:t>
             </a:fld>
             <a:endParaRPr lang="ko-KR" altLang="en-US"/>
           </a:p>
@@ -8417,7 +8418,7 @@
             <a:fld id="{F30B8A1C-2B93-4306-B084-61D49BE94AB7}" type="datetimeFigureOut">
               <a:rPr lang="ko-KR" altLang="en-US" smtClean="0"/>
               <a:pPr/>
-              <a:t>2012-09-18</a:t>
+              <a:t>2012-09-19</a:t>
             </a:fld>
             <a:endParaRPr lang="ko-KR" altLang="en-US"/>
           </a:p>
@@ -9140,7 +9141,7 @@
             <a:fld id="{F30B8A1C-2B93-4306-B084-61D49BE94AB7}" type="datetimeFigureOut">
               <a:rPr lang="ko-KR" altLang="en-US" smtClean="0"/>
               <a:pPr/>
-              <a:t>2012-09-18</a:t>
+              <a:t>2012-09-19</a:t>
             </a:fld>
             <a:endParaRPr lang="ko-KR" altLang="en-US"/>
           </a:p>
@@ -9815,7 +9816,7 @@
             <a:fld id="{F30B8A1C-2B93-4306-B084-61D49BE94AB7}" type="datetimeFigureOut">
               <a:rPr lang="ko-KR" altLang="en-US" smtClean="0"/>
               <a:pPr/>
-              <a:t>2012-09-18</a:t>
+              <a:t>2012-09-19</a:t>
             </a:fld>
             <a:endParaRPr lang="ko-KR" altLang="en-US"/>
           </a:p>
@@ -10296,7 +10297,7 @@
           <p:nvPr>
             <p:extLst>
               <p:ext uri="{D42A27DB-BD31-4B8C-83A1-F6EECF244321}">
-                <p14:modId xmlns:p14="http://schemas.microsoft.com/office/powerpoint/2010/main" xmlns="" val="533220188"/>
+                <p14:modId xmlns="" xmlns:p14="http://schemas.microsoft.com/office/powerpoint/2010/main" val="533220188"/>
               </p:ext>
             </p:extLst>
           </p:nvPr>
@@ -10343,15 +10344,7 @@
                       </a:r>
                       <a:r>
                         <a:rPr lang="en-US" altLang="ko-KR" dirty="0" smtClean="0"/>
-                        <a:t>(</a:t>
-                      </a:r>
-                      <a:r>
-                        <a:rPr lang="en-US" altLang="ko-KR" dirty="0" smtClean="0"/>
-                        <a:t>V0.5, </a:t>
-                      </a:r>
-                      <a:r>
-                        <a:rPr lang="en-US" altLang="ko-KR" dirty="0" smtClean="0"/>
-                        <a:t>12/09/06)</a:t>
+                        <a:t>(V0.5, 12/09/06)</a:t>
                       </a:r>
                     </a:p>
                     <a:p>
@@ -10407,7 +10400,7 @@
           <p:nvPr/>
         </p:nvPicPr>
         <p:blipFill>
-          <a:blip r:embed="rId5"/>
+          <a:blip r:embed="rId5" cstate="print"/>
           <a:srcRect/>
           <a:stretch>
             <a:fillRect/>
@@ -11031,10 +11024,10 @@
           <p:nvPr/>
         </p:nvPicPr>
         <p:blipFill>
-          <a:blip r:embed="rId3">
+          <a:blip r:embed="rId3" cstate="print">
             <a:extLst>
               <a:ext uri="{28A0092B-C50C-407E-A947-70E740481C1C}">
-                <a14:useLocalDpi xmlns:a14="http://schemas.microsoft.com/office/drawing/2010/main" xmlns="" val="0"/>
+                <a14:useLocalDpi xmlns="" xmlns:a14="http://schemas.microsoft.com/office/drawing/2010/main" val="0"/>
               </a:ext>
             </a:extLst>
           </a:blip>
@@ -11054,7 +11047,7 @@
           <a:noFill/>
           <a:extLst>
             <a:ext uri="{909E8E84-426E-40DD-AFC4-6F175D3DCCD1}">
-              <a14:hiddenFill xmlns:a14="http://schemas.microsoft.com/office/drawing/2010/main" xmlns="">
+              <a14:hiddenFill xmlns="" xmlns:a14="http://schemas.microsoft.com/office/drawing/2010/main">
                 <a:solidFill>
                   <a:srgbClr val="FFFFFF"/>
                 </a:solidFill>
@@ -11196,10 +11189,10 @@
           <p:nvPr/>
         </p:nvPicPr>
         <p:blipFill>
-          <a:blip r:embed="rId4">
+          <a:blip r:embed="rId4" cstate="print">
             <a:extLst>
               <a:ext uri="{28A0092B-C50C-407E-A947-70E740481C1C}">
-                <a14:useLocalDpi xmlns:a14="http://schemas.microsoft.com/office/drawing/2010/main" xmlns="" val="0"/>
+                <a14:useLocalDpi xmlns="" xmlns:a14="http://schemas.microsoft.com/office/drawing/2010/main" val="0"/>
               </a:ext>
             </a:extLst>
           </a:blip>
@@ -11219,7 +11212,7 @@
           <a:noFill/>
           <a:extLst>
             <a:ext uri="{909E8E84-426E-40DD-AFC4-6F175D3DCCD1}">
-              <a14:hiddenFill xmlns:a14="http://schemas.microsoft.com/office/drawing/2010/main" xmlns="">
+              <a14:hiddenFill xmlns="" xmlns:a14="http://schemas.microsoft.com/office/drawing/2010/main">
                 <a:solidFill>
                   <a:srgbClr val="FFFFFF"/>
                 </a:solidFill>
@@ -11231,7 +11224,7 @@
     </p:spTree>
     <p:extLst>
       <p:ext uri="{BB962C8B-B14F-4D97-AF65-F5344CB8AC3E}">
-        <p14:creationId xmlns:p14="http://schemas.microsoft.com/office/powerpoint/2010/main" xmlns="" val="2809892369"/>
+        <p14:creationId xmlns="" xmlns:p14="http://schemas.microsoft.com/office/powerpoint/2010/main" val="2809892369"/>
       </p:ext>
     </p:extLst>
   </p:cSld>
@@ -13369,7 +13362,7 @@
     </p:spTree>
     <p:extLst>
       <p:ext uri="{BB962C8B-B14F-4D97-AF65-F5344CB8AC3E}">
-        <p14:creationId xmlns:p14="http://schemas.microsoft.com/office/powerpoint/2010/main" xmlns="" val="1691654852"/>
+        <p14:creationId xmlns="" xmlns:p14="http://schemas.microsoft.com/office/powerpoint/2010/main" val="1691654852"/>
       </p:ext>
     </p:extLst>
   </p:cSld>
@@ -13528,10 +13521,10 @@
           <p:nvPr/>
         </p:nvPicPr>
         <p:blipFill>
-          <a:blip r:embed="rId2">
+          <a:blip r:embed="rId2" cstate="print">
             <a:extLst>
               <a:ext uri="{28A0092B-C50C-407E-A947-70E740481C1C}">
-                <a14:useLocalDpi xmlns:a14="http://schemas.microsoft.com/office/drawing/2010/main" xmlns="" val="0"/>
+                <a14:useLocalDpi xmlns="" xmlns:a14="http://schemas.microsoft.com/office/drawing/2010/main" val="0"/>
               </a:ext>
             </a:extLst>
           </a:blip>
@@ -13551,7 +13544,7 @@
           <a:noFill/>
           <a:extLst>
             <a:ext uri="{909E8E84-426E-40DD-AFC4-6F175D3DCCD1}">
-              <a14:hiddenFill xmlns:a14="http://schemas.microsoft.com/office/drawing/2010/main" xmlns="">
+              <a14:hiddenFill xmlns="" xmlns:a14="http://schemas.microsoft.com/office/drawing/2010/main">
                 <a:solidFill>
                   <a:srgbClr val="FFFFFF"/>
                 </a:solidFill>
@@ -13569,10 +13562,10 @@
           <p:nvPr/>
         </p:nvPicPr>
         <p:blipFill>
-          <a:blip r:embed="rId3">
+          <a:blip r:embed="rId3" cstate="print">
             <a:extLst>
               <a:ext uri="{28A0092B-C50C-407E-A947-70E740481C1C}">
-                <a14:useLocalDpi xmlns:a14="http://schemas.microsoft.com/office/drawing/2010/main" xmlns="" val="0"/>
+                <a14:useLocalDpi xmlns="" xmlns:a14="http://schemas.microsoft.com/office/drawing/2010/main" val="0"/>
               </a:ext>
             </a:extLst>
           </a:blip>
@@ -13592,7 +13585,7 @@
           <a:noFill/>
           <a:extLst>
             <a:ext uri="{909E8E84-426E-40DD-AFC4-6F175D3DCCD1}">
-              <a14:hiddenFill xmlns:a14="http://schemas.microsoft.com/office/drawing/2010/main" xmlns="">
+              <a14:hiddenFill xmlns="" xmlns:a14="http://schemas.microsoft.com/office/drawing/2010/main">
                 <a:solidFill>
                   <a:srgbClr val="FFFFFF"/>
                 </a:solidFill>
@@ -13610,10 +13603,10 @@
           <p:nvPr/>
         </p:nvPicPr>
         <p:blipFill>
-          <a:blip r:embed="rId4">
+          <a:blip r:embed="rId4" cstate="print">
             <a:extLst>
               <a:ext uri="{28A0092B-C50C-407E-A947-70E740481C1C}">
-                <a14:useLocalDpi xmlns:a14="http://schemas.microsoft.com/office/drawing/2010/main" xmlns="" val="0"/>
+                <a14:useLocalDpi xmlns="" xmlns:a14="http://schemas.microsoft.com/office/drawing/2010/main" val="0"/>
               </a:ext>
             </a:extLst>
           </a:blip>
@@ -13633,7 +13626,7 @@
           <a:noFill/>
           <a:extLst>
             <a:ext uri="{909E8E84-426E-40DD-AFC4-6F175D3DCCD1}">
-              <a14:hiddenFill xmlns:a14="http://schemas.microsoft.com/office/drawing/2010/main" xmlns="">
+              <a14:hiddenFill xmlns="" xmlns:a14="http://schemas.microsoft.com/office/drawing/2010/main">
                 <a:solidFill>
                   <a:srgbClr val="FFFFFF"/>
                 </a:solidFill>
@@ -13645,7 +13638,7 @@
     </p:spTree>
     <p:extLst>
       <p:ext uri="{BB962C8B-B14F-4D97-AF65-F5344CB8AC3E}">
-        <p14:creationId xmlns:p14="http://schemas.microsoft.com/office/powerpoint/2010/main" xmlns="" val="3734491937"/>
+        <p14:creationId xmlns="" xmlns:p14="http://schemas.microsoft.com/office/powerpoint/2010/main" val="3734491937"/>
       </p:ext>
     </p:extLst>
   </p:cSld>
@@ -13920,18 +13913,14 @@
               <a:rPr lang="en-US" altLang="ko-KR" dirty="0" smtClean="0">
                 <a:hlinkClick r:id="rId3"/>
               </a:rPr>
-              <a:t>http</a:t>
-            </a:r>
-            <a:r>
-              <a:rPr lang="en-US" altLang="ko-KR" dirty="0" smtClean="0">
-                <a:hlinkClick r:id="rId3"/>
-              </a:rPr>
-              <a:t>://goo.gl/rzspT</a:t>
+              <a:t>http://goo.gl/rzspT</a:t>
             </a:r>
             <a:r>
               <a:rPr lang="en-US" altLang="ko-KR" dirty="0" smtClean="0"/>
               <a:t>)</a:t>
             </a:r>
+          </a:p>
+          <a:p>
             <a:endParaRPr lang="ko-KR" altLang="en-US" dirty="0"/>
           </a:p>
         </p:txBody>
@@ -15343,7 +15332,7 @@
         </p:spPr>
         <p:txBody>
           <a:bodyPr>
-            <a:normAutofit fontScale="92500"/>
+            <a:normAutofit fontScale="85000" lnSpcReduction="20000"/>
           </a:bodyPr>
           <a:lstStyle/>
           <a:p>
@@ -15495,11 +15484,45 @@
               <a:rPr lang="en-US" altLang="ko-KR" sz="2200" dirty="0" smtClean="0">
                 <a:hlinkClick r:id="rId3"/>
               </a:rPr>
-              <a:t>http://goo.gl/eu7PQ</a:t>
+              <a:t>http://</a:t>
+            </a:r>
+            <a:r>
+              <a:rPr lang="en-US" altLang="ko-KR" sz="2200" dirty="0" smtClean="0">
+                <a:hlinkClick r:id="rId3"/>
+              </a:rPr>
+              <a:t>goo.gl/eu7PQ</a:t>
             </a:r>
             <a:endParaRPr lang="en-US" altLang="ko-KR" sz="2200" dirty="0" smtClean="0"/>
           </a:p>
           <a:p>
+            <a:pPr lvl="1"/>
+            <a:endParaRPr lang="en-US" altLang="ko-KR" sz="2200" dirty="0" smtClean="0"/>
+          </a:p>
+          <a:p>
+            <a:r>
+              <a:rPr lang="ko-KR" altLang="en-US" dirty="0" smtClean="0"/>
+              <a:t>개발자 매뉴얼</a:t>
+            </a:r>
+            <a:endParaRPr lang="en-US" altLang="ko-KR" dirty="0" smtClean="0"/>
+          </a:p>
+          <a:p>
+            <a:pPr lvl="1"/>
+            <a:r>
+              <a:rPr lang="en-US" altLang="ko-KR" dirty="0" smtClean="0">
+                <a:hlinkClick r:id="rId4"/>
+              </a:rPr>
+              <a:t>http://</a:t>
+            </a:r>
+            <a:r>
+              <a:rPr lang="en-US" altLang="ko-KR" dirty="0" smtClean="0">
+                <a:hlinkClick r:id="rId4"/>
+              </a:rPr>
+              <a:t>goo.gl/h4GkO</a:t>
+            </a:r>
+            <a:endParaRPr lang="en-US" altLang="ko-KR" dirty="0" smtClean="0"/>
+          </a:p>
+          <a:p>
+            <a:pPr lvl="1"/>
             <a:endParaRPr lang="en-US" altLang="ko-KR" dirty="0" smtClean="0"/>
           </a:p>
           <a:p>
@@ -15513,11 +15536,7 @@
             <a:pPr lvl="1"/>
             <a:r>
               <a:rPr lang="en-US" altLang="ko-KR" dirty="0" smtClean="0"/>
-              <a:t>0.0.8 </a:t>
-            </a:r>
-            <a:r>
-              <a:rPr lang="en-US" altLang="ko-KR" dirty="0" smtClean="0"/>
-              <a:t>SR4 </a:t>
+              <a:t>0.0.8 SR4 </a:t>
             </a:r>
             <a:r>
               <a:rPr lang="ko-KR" altLang="en-US" dirty="0" smtClean="0"/>
@@ -15530,64 +15549,6 @@
       <p:pic>
         <p:nvPicPr>
           <p:cNvPr id="7" name="Picture 3" descr="C:\Users\hangum\Downloads\TadpoleForDBToolsArch.png"/>
-          <p:cNvPicPr>
-            <a:picLocks noChangeAspect="1" noChangeArrowheads="1"/>
-          </p:cNvPicPr>
-          <p:nvPr/>
-        </p:nvPicPr>
-        <p:blipFill>
-          <a:blip r:embed="rId4" cstate="print"/>
-          <a:srcRect/>
-          <a:stretch>
-            <a:fillRect/>
-          </a:stretch>
-        </p:blipFill>
-        <p:spPr bwMode="auto">
-          <a:xfrm>
-            <a:off x="6265762" y="198019"/>
-            <a:ext cx="2642624" cy="1944215"/>
-          </a:xfrm>
-          <a:prstGeom prst="rect">
-            <a:avLst/>
-          </a:prstGeom>
-          <a:noFill/>
-        </p:spPr>
-      </p:pic>
-      <p:sp>
-        <p:nvSpPr>
-          <p:cNvPr id="10" name="제목 1"/>
-          <p:cNvSpPr>
-            <a:spLocks noGrp="1"/>
-          </p:cNvSpPr>
-          <p:nvPr>
-            <p:ph type="title"/>
-          </p:nvPr>
-        </p:nvSpPr>
-        <p:spPr>
-          <a:xfrm>
-            <a:off x="914400" y="512064"/>
-            <a:ext cx="7772400" cy="914400"/>
-          </a:xfrm>
-        </p:spPr>
-        <p:txBody>
-          <a:bodyPr/>
-          <a:lstStyle/>
-          <a:p>
-            <a:r>
-              <a:rPr lang="ko-KR" altLang="en-US" dirty="0" smtClean="0"/>
-              <a:t>올챙이는</a:t>
-            </a:r>
-            <a:r>
-              <a:rPr lang="en-US" altLang="ko-KR" dirty="0" smtClean="0"/>
-              <a:t>?</a:t>
-            </a:r>
-            <a:endParaRPr lang="ko-KR" altLang="en-US" dirty="0"/>
-          </a:p>
-        </p:txBody>
-      </p:sp>
-      <p:pic>
-        <p:nvPicPr>
-          <p:cNvPr id="8" name="Picture 2" descr="C:\Users\hangum\Pictures\tadpole-erd.png"/>
           <p:cNvPicPr>
             <a:picLocks noChangeAspect="1" noChangeArrowheads="1"/>
           </p:cNvPicPr>
@@ -15602,7 +15563,65 @@
         </p:blipFill>
         <p:spPr bwMode="auto">
           <a:xfrm>
-            <a:off x="5574505" y="3140968"/>
+            <a:off x="6444208" y="198020"/>
+            <a:ext cx="2464178" cy="1812930"/>
+          </a:xfrm>
+          <a:prstGeom prst="rect">
+            <a:avLst/>
+          </a:prstGeom>
+          <a:noFill/>
+        </p:spPr>
+      </p:pic>
+      <p:sp>
+        <p:nvSpPr>
+          <p:cNvPr id="10" name="제목 1"/>
+          <p:cNvSpPr>
+            <a:spLocks noGrp="1"/>
+          </p:cNvSpPr>
+          <p:nvPr>
+            <p:ph type="title"/>
+          </p:nvPr>
+        </p:nvSpPr>
+        <p:spPr>
+          <a:xfrm>
+            <a:off x="914400" y="512064"/>
+            <a:ext cx="7772400" cy="914400"/>
+          </a:xfrm>
+        </p:spPr>
+        <p:txBody>
+          <a:bodyPr/>
+          <a:lstStyle/>
+          <a:p>
+            <a:r>
+              <a:rPr lang="ko-KR" altLang="en-US" dirty="0" smtClean="0"/>
+              <a:t>올챙이는</a:t>
+            </a:r>
+            <a:r>
+              <a:rPr lang="en-US" altLang="ko-KR" dirty="0" smtClean="0"/>
+              <a:t>?</a:t>
+            </a:r>
+            <a:endParaRPr lang="ko-KR" altLang="en-US" dirty="0"/>
+          </a:p>
+        </p:txBody>
+      </p:sp>
+      <p:pic>
+        <p:nvPicPr>
+          <p:cNvPr id="8" name="Picture 2" descr="C:\Users\hangum\Pictures\tadpole-erd.png"/>
+          <p:cNvPicPr>
+            <a:picLocks noChangeAspect="1" noChangeArrowheads="1"/>
+          </p:cNvPicPr>
+          <p:nvPr/>
+        </p:nvPicPr>
+        <p:blipFill>
+          <a:blip r:embed="rId6" cstate="print"/>
+          <a:srcRect/>
+          <a:stretch>
+            <a:fillRect/>
+          </a:stretch>
+        </p:blipFill>
+        <p:spPr bwMode="auto">
+          <a:xfrm>
+            <a:off x="5574505" y="3251330"/>
             <a:ext cx="3317974" cy="3361594"/>
           </a:xfrm>
           <a:prstGeom prst="rect">
@@ -16431,9 +16450,86 @@
     </p:spTree>
     <p:extLst>
       <p:ext uri="{BB962C8B-B14F-4D97-AF65-F5344CB8AC3E}">
-        <p14:creationId xmlns:p14="http://schemas.microsoft.com/office/powerpoint/2010/main" xmlns="" val="1402658691"/>
+        <p14:creationId xmlns="" xmlns:p14="http://schemas.microsoft.com/office/powerpoint/2010/main" val="1402658691"/>
       </p:ext>
     </p:extLst>
+  </p:cSld>
+  <p:clrMapOvr>
+    <a:masterClrMapping/>
+  </p:clrMapOvr>
+</p:sld>
+</file>
+
+<file path=ppt/slides/slide37.xml><?xml version="1.0" encoding="utf-8"?>
+<p:sld xmlns:a="http://schemas.openxmlformats.org/drawingml/2006/main" xmlns:r="http://schemas.openxmlformats.org/officeDocument/2006/relationships" xmlns:p="http://schemas.openxmlformats.org/presentationml/2006/main">
+  <p:cSld>
+    <p:spTree>
+      <p:nvGrpSpPr>
+        <p:cNvPr id="1" name=""/>
+        <p:cNvGrpSpPr/>
+        <p:nvPr/>
+      </p:nvGrpSpPr>
+      <p:grpSpPr>
+        <a:xfrm>
+          <a:off x="0" y="0"/>
+          <a:ext cx="0" cy="0"/>
+          <a:chOff x="0" y="0"/>
+          <a:chExt cx="0" cy="0"/>
+        </a:xfrm>
+      </p:grpSpPr>
+      <p:sp>
+        <p:nvSpPr>
+          <p:cNvPr id="2" name="제목 1"/>
+          <p:cNvSpPr>
+            <a:spLocks noGrp="1"/>
+          </p:cNvSpPr>
+          <p:nvPr>
+            <p:ph type="title"/>
+          </p:nvPr>
+        </p:nvSpPr>
+        <p:spPr/>
+        <p:txBody>
+          <a:bodyPr/>
+          <a:lstStyle/>
+          <a:p>
+            <a:r>
+              <a:rPr lang="ko-KR" altLang="en-US" dirty="0" smtClean="0"/>
+              <a:t>참</a:t>
+            </a:r>
+            <a:r>
+              <a:rPr lang="ko-KR" altLang="en-US" dirty="0" smtClean="0"/>
+              <a:t>고</a:t>
+            </a:r>
+            <a:endParaRPr lang="ko-KR" altLang="en-US" dirty="0"/>
+          </a:p>
+        </p:txBody>
+      </p:sp>
+      <p:sp>
+        <p:nvSpPr>
+          <p:cNvPr id="3" name="내용 개체 틀 2"/>
+          <p:cNvSpPr>
+            <a:spLocks noGrp="1"/>
+          </p:cNvSpPr>
+          <p:nvPr>
+            <p:ph idx="1"/>
+          </p:nvPr>
+        </p:nvSpPr>
+        <p:spPr/>
+        <p:txBody>
+          <a:bodyPr/>
+          <a:lstStyle/>
+          <a:p>
+            <a:r>
+              <a:rPr lang="en-US" altLang="ko-KR" dirty="0" smtClean="0">
+                <a:hlinkClick r:id="rId2"/>
+              </a:rPr>
+              <a:t>https://github.com/hangum/TadpoleForDBTools/wiki/Developer-Guide(kor)</a:t>
+            </a:r>
+            <a:endParaRPr lang="ko-KR" altLang="en-US" dirty="0"/>
+          </a:p>
+        </p:txBody>
+      </p:sp>
+    </p:spTree>
   </p:cSld>
   <p:clrMapOvr>
     <a:masterClrMapping/>
@@ -16529,7 +16625,7 @@
     </p:spTree>
     <p:extLst>
       <p:ext uri="{BB962C8B-B14F-4D97-AF65-F5344CB8AC3E}">
-        <p14:creationId xmlns:p14="http://schemas.microsoft.com/office/powerpoint/2010/main" xmlns="" val="1747788611"/>
+        <p14:creationId xmlns="" xmlns:p14="http://schemas.microsoft.com/office/powerpoint/2010/main" val="1747788611"/>
       </p:ext>
     </p:extLst>
   </p:cSld>
@@ -16600,7 +16696,7 @@
           <p:nvPr>
             <p:extLst>
               <p:ext uri="{D42A27DB-BD31-4B8C-83A1-F6EECF244321}">
-                <p14:modId xmlns:p14="http://schemas.microsoft.com/office/powerpoint/2010/main" xmlns="" val="1667482445"/>
+                <p14:modId xmlns="" xmlns:p14="http://schemas.microsoft.com/office/powerpoint/2010/main" val="1667482445"/>
               </p:ext>
             </p:extLst>
           </p:nvPr>
@@ -16902,10 +16998,10 @@
           <p:nvPr/>
         </p:nvPicPr>
         <p:blipFill>
-          <a:blip r:embed="rId3">
+          <a:blip r:embed="rId3" cstate="print">
             <a:extLst>
               <a:ext uri="{28A0092B-C50C-407E-A947-70E740481C1C}">
-                <a14:useLocalDpi xmlns:a14="http://schemas.microsoft.com/office/drawing/2010/main" xmlns="" val="0"/>
+                <a14:useLocalDpi xmlns="" xmlns:a14="http://schemas.microsoft.com/office/drawing/2010/main" val="0"/>
               </a:ext>
             </a:extLst>
           </a:blip>
@@ -16925,7 +17021,7 @@
           <a:noFill/>
           <a:extLst>
             <a:ext uri="{909E8E84-426E-40DD-AFC4-6F175D3DCCD1}">
-              <a14:hiddenFill xmlns:a14="http://schemas.microsoft.com/office/drawing/2010/main" xmlns="">
+              <a14:hiddenFill xmlns="" xmlns:a14="http://schemas.microsoft.com/office/drawing/2010/main">
                 <a:solidFill>
                   <a:srgbClr val="FFFFFF"/>
                 </a:solidFill>
@@ -16937,7 +17033,7 @@
     </p:spTree>
     <p:extLst>
       <p:ext uri="{BB962C8B-B14F-4D97-AF65-F5344CB8AC3E}">
-        <p14:creationId xmlns:p14="http://schemas.microsoft.com/office/powerpoint/2010/main" xmlns="" val="3160814459"/>
+        <p14:creationId xmlns="" xmlns:p14="http://schemas.microsoft.com/office/powerpoint/2010/main" val="3160814459"/>
       </p:ext>
     </p:extLst>
   </p:cSld>
@@ -18286,10 +18382,10 @@
           <p:nvPr/>
         </p:nvPicPr>
         <p:blipFill>
-          <a:blip r:embed="rId9">
+          <a:blip r:embed="rId9" cstate="print">
             <a:extLst>
               <a:ext uri="{28A0092B-C50C-407E-A947-70E740481C1C}">
-                <a14:useLocalDpi xmlns:a14="http://schemas.microsoft.com/office/drawing/2010/main" xmlns="" val="0"/>
+                <a14:useLocalDpi xmlns="" xmlns:a14="http://schemas.microsoft.com/office/drawing/2010/main" val="0"/>
               </a:ext>
             </a:extLst>
           </a:blip>
@@ -18309,7 +18405,7 @@
           <a:noFill/>
           <a:extLst>
             <a:ext uri="{909E8E84-426E-40DD-AFC4-6F175D3DCCD1}">
-              <a14:hiddenFill xmlns:a14="http://schemas.microsoft.com/office/drawing/2010/main" xmlns="">
+              <a14:hiddenFill xmlns="" xmlns:a14="http://schemas.microsoft.com/office/drawing/2010/main">
                 <a:solidFill>
                   <a:srgbClr val="FFFFFF"/>
                 </a:solidFill>

--- a/targetProject/docs/올챙이로 살펴보는 Eclipse개발.pptx
+++ b/targetProject/docs/올챙이로 살펴보는 Eclipse개발.pptx
@@ -5,7 +5,7 @@
     <p:sldMasterId id="2147483660" r:id="rId1"/>
   </p:sldMasterIdLst>
   <p:notesMasterIdLst>
-    <p:notesMasterId r:id="rId37"/>
+    <p:notesMasterId r:id="rId39"/>
   </p:notesMasterIdLst>
   <p:sldIdLst>
     <p:sldId id="256" r:id="rId2"/>
@@ -27,22 +27,24 @@
     <p:sldId id="280" r:id="rId18"/>
     <p:sldId id="291" r:id="rId19"/>
     <p:sldId id="292" r:id="rId20"/>
-    <p:sldId id="281" r:id="rId21"/>
-    <p:sldId id="271" r:id="rId22"/>
-    <p:sldId id="267" r:id="rId23"/>
-    <p:sldId id="268" r:id="rId24"/>
-    <p:sldId id="283" r:id="rId25"/>
-    <p:sldId id="270" r:id="rId26"/>
-    <p:sldId id="269" r:id="rId27"/>
-    <p:sldId id="272" r:id="rId28"/>
-    <p:sldId id="275" r:id="rId29"/>
-    <p:sldId id="276" r:id="rId30"/>
-    <p:sldId id="277" r:id="rId31"/>
-    <p:sldId id="284" r:id="rId32"/>
-    <p:sldId id="286" r:id="rId33"/>
-    <p:sldId id="273" r:id="rId34"/>
-    <p:sldId id="285" r:id="rId35"/>
-    <p:sldId id="288" r:id="rId36"/>
+    <p:sldId id="293" r:id="rId21"/>
+    <p:sldId id="281" r:id="rId22"/>
+    <p:sldId id="271" r:id="rId23"/>
+    <p:sldId id="267" r:id="rId24"/>
+    <p:sldId id="268" r:id="rId25"/>
+    <p:sldId id="283" r:id="rId26"/>
+    <p:sldId id="270" r:id="rId27"/>
+    <p:sldId id="269" r:id="rId28"/>
+    <p:sldId id="272" r:id="rId29"/>
+    <p:sldId id="275" r:id="rId30"/>
+    <p:sldId id="276" r:id="rId31"/>
+    <p:sldId id="277" r:id="rId32"/>
+    <p:sldId id="284" r:id="rId33"/>
+    <p:sldId id="286" r:id="rId34"/>
+    <p:sldId id="273" r:id="rId35"/>
+    <p:sldId id="285" r:id="rId36"/>
+    <p:sldId id="288" r:id="rId37"/>
+    <p:sldId id="294" r:id="rId38"/>
   </p:sldIdLst>
   <p:sldSz cx="9144000" cy="6858000" type="screen4x3"/>
   <p:notesSz cx="6864350" cy="9996488"/>
@@ -227,7 +229,7 @@
             <a:fld id="{AE0AA4B3-3A98-4ED1-B469-5A41681A4FC5}" type="datetimeFigureOut">
               <a:rPr lang="ko-KR" altLang="en-US" smtClean="0"/>
               <a:pPr/>
-              <a:t>2012-09-06</a:t>
+              <a:t>2012-09-19</a:t>
             </a:fld>
             <a:endParaRPr lang="ko-KR" altLang="en-US"/>
           </a:p>
@@ -398,7 +400,7 @@
     </p:spTree>
     <p:extLst>
       <p:ext uri="{BB962C8B-B14F-4D97-AF65-F5344CB8AC3E}">
-        <p14:creationId xmlns:p14="http://schemas.microsoft.com/office/powerpoint/2010/main" val="4168351518"/>
+        <p14:creationId xmlns="" xmlns:p14="http://schemas.microsoft.com/office/powerpoint/2010/main" val="4168351518"/>
       </p:ext>
     </p:extLst>
   </p:cSld>
@@ -653,7 +655,7 @@
     </p:spTree>
     <p:extLst>
       <p:ext uri="{BB962C8B-B14F-4D97-AF65-F5344CB8AC3E}">
-        <p14:creationId xmlns:p14="http://schemas.microsoft.com/office/powerpoint/2010/main" val="288100614"/>
+        <p14:creationId xmlns="" xmlns:p14="http://schemas.microsoft.com/office/powerpoint/2010/main" val="288100614"/>
       </p:ext>
     </p:extLst>
   </p:cSld>
@@ -780,7 +782,7 @@
     </p:spTree>
     <p:extLst>
       <p:ext uri="{BB962C8B-B14F-4D97-AF65-F5344CB8AC3E}">
-        <p14:creationId xmlns:p14="http://schemas.microsoft.com/office/powerpoint/2010/main" val="2415521256"/>
+        <p14:creationId xmlns="" xmlns:p14="http://schemas.microsoft.com/office/powerpoint/2010/main" val="2415521256"/>
       </p:ext>
     </p:extLst>
   </p:cSld>
@@ -884,11 +886,7 @@
             </a:r>
             <a:r>
               <a:rPr lang="en-US" altLang="ko-KR" dirty="0" smtClean="0"/>
-              <a:t> </a:t>
-            </a:r>
-            <a:r>
-              <a:rPr lang="en-US" altLang="ko-KR" dirty="0" smtClean="0"/>
-              <a:t>: </a:t>
+              <a:t> : </a:t>
             </a:r>
             <a:r>
               <a:rPr lang="ko-KR" altLang="en-US" dirty="0" smtClean="0"/>
@@ -1216,7 +1214,7 @@
     </p:spTree>
     <p:extLst>
       <p:ext uri="{BB962C8B-B14F-4D97-AF65-F5344CB8AC3E}">
-        <p14:creationId xmlns:p14="http://schemas.microsoft.com/office/powerpoint/2010/main" val="516287269"/>
+        <p14:creationId xmlns="" xmlns:p14="http://schemas.microsoft.com/office/powerpoint/2010/main" val="516287269"/>
       </p:ext>
     </p:extLst>
   </p:cSld>
@@ -1267,29 +1265,473 @@
         </p:nvSpPr>
         <p:spPr/>
         <p:txBody>
-          <a:bodyPr/>
+          <a:bodyPr>
+            <a:normAutofit/>
+          </a:bodyPr>
           <a:lstStyle/>
           <a:p>
             <a:r>
-              <a:rPr lang="ko-KR" altLang="en-US" dirty="0" err="1" smtClean="0"/>
-              <a:t>이클립스는</a:t>
-            </a:r>
-            <a:r>
-              <a:rPr lang="ko-KR" altLang="en-US" dirty="0" smtClean="0"/>
+              <a:rPr lang="en-US" altLang="ko-KR" sz="1200" b="0" i="0" kern="1200" dirty="0" err="1" smtClean="0">
+                <a:solidFill>
+                  <a:schemeClr val="tx1"/>
+                </a:solidFill>
+                <a:latin typeface="+mn-lt"/>
+                <a:ea typeface="+mn-ea"/>
+                <a:cs typeface="+mn-cs"/>
+              </a:rPr>
+              <a:t>com.hangum.db.browser.rap.Application#createUI</a:t>
+            </a:r>
+            <a:r>
+              <a:rPr lang="en-US" altLang="ko-KR" sz="1200" b="0" i="0" kern="1200" dirty="0" smtClean="0">
+                <a:solidFill>
+                  <a:schemeClr val="tx1"/>
+                </a:solidFill>
+                <a:latin typeface="+mn-lt"/>
+                <a:ea typeface="+mn-ea"/>
+                <a:cs typeface="+mn-cs"/>
+              </a:rPr>
+              <a:t>() : </a:t>
+            </a:r>
+            <a:r>
+              <a:rPr lang="en-US" altLang="ko-KR" sz="1200" b="0" i="0" kern="1200" dirty="0" err="1" smtClean="0">
+                <a:solidFill>
+                  <a:schemeClr val="tx1"/>
+                </a:solidFill>
+                <a:latin typeface="+mn-lt"/>
+                <a:ea typeface="+mn-ea"/>
+                <a:cs typeface="+mn-cs"/>
+              </a:rPr>
+              <a:t>Sesseion</a:t>
+            </a:r>
+            <a:r>
+              <a:rPr lang="en-US" altLang="ko-KR" sz="1200" b="0" i="0" kern="1200" dirty="0" smtClean="0">
+                <a:solidFill>
+                  <a:schemeClr val="tx1"/>
+                </a:solidFill>
+                <a:latin typeface="+mn-lt"/>
+                <a:ea typeface="+mn-ea"/>
+                <a:cs typeface="+mn-cs"/>
+              </a:rPr>
               <a:t> </a:t>
             </a:r>
             <a:r>
-              <a:rPr lang="en-US" altLang="ko-KR" dirty="0" smtClean="0"/>
-              <a:t>Extension</a:t>
-            </a:r>
-            <a:r>
-              <a:rPr lang="ko-KR" altLang="en-US" dirty="0" smtClean="0"/>
-              <a:t>이라는 확장을 통해 개발하게 됩니다</a:t>
-            </a:r>
-            <a:r>
-              <a:rPr lang="en-US" altLang="ko-KR" dirty="0" smtClean="0"/>
+              <a:rPr lang="ko-KR" altLang="en-US" sz="1200" b="0" i="0" kern="1200" dirty="0" smtClean="0">
+                <a:solidFill>
+                  <a:schemeClr val="tx1"/>
+                </a:solidFill>
+                <a:latin typeface="+mn-lt"/>
+                <a:ea typeface="+mn-ea"/>
+                <a:cs typeface="+mn-cs"/>
+              </a:rPr>
+              <a:t>설정 합니다</a:t>
+            </a:r>
+            <a:r>
+              <a:rPr lang="en-US" altLang="ko-KR" sz="1200" b="0" i="0" kern="1200" dirty="0" smtClean="0">
+                <a:solidFill>
+                  <a:schemeClr val="tx1"/>
+                </a:solidFill>
+                <a:latin typeface="+mn-lt"/>
+                <a:ea typeface="+mn-ea"/>
+                <a:cs typeface="+mn-cs"/>
+              </a:rPr>
               <a:t>.</a:t>
             </a:r>
+          </a:p>
+          <a:p>
+            <a:r>
+              <a:rPr lang="en-US" altLang="ko-KR" sz="1200" b="0" i="0" kern="1200" dirty="0" err="1" smtClean="0">
+                <a:solidFill>
+                  <a:schemeClr val="tx1"/>
+                </a:solidFill>
+                <a:latin typeface="+mn-lt"/>
+                <a:ea typeface="+mn-ea"/>
+                <a:cs typeface="+mn-cs"/>
+              </a:rPr>
+              <a:t>com.hangum.db.browser.rap.ApplicationWorkbenchAdvisor</a:t>
+            </a:r>
+            <a:r>
+              <a:rPr lang="en-US" altLang="ko-KR" sz="1200" b="0" i="0" kern="1200" dirty="0" smtClean="0">
+                <a:solidFill>
+                  <a:schemeClr val="tx1"/>
+                </a:solidFill>
+                <a:latin typeface="+mn-lt"/>
+                <a:ea typeface="+mn-ea"/>
+                <a:cs typeface="+mn-cs"/>
+              </a:rPr>
+              <a:t> : </a:t>
+            </a:r>
+            <a:r>
+              <a:rPr lang="ko-KR" altLang="en-US" sz="1200" b="0" i="0" kern="1200" dirty="0" smtClean="0">
+                <a:solidFill>
+                  <a:schemeClr val="tx1"/>
+                </a:solidFill>
+                <a:latin typeface="+mn-lt"/>
+                <a:ea typeface="+mn-ea"/>
+                <a:cs typeface="+mn-cs"/>
+              </a:rPr>
+              <a:t>올챙이 홈 페이지 오픈 합니다</a:t>
+            </a:r>
+            <a:r>
+              <a:rPr lang="en-US" altLang="ko-KR" sz="1200" b="0" i="0" kern="1200" dirty="0" smtClean="0">
+                <a:solidFill>
+                  <a:schemeClr val="tx1"/>
+                </a:solidFill>
+                <a:latin typeface="+mn-lt"/>
+                <a:ea typeface="+mn-ea"/>
+                <a:cs typeface="+mn-cs"/>
+              </a:rPr>
+              <a:t>.</a:t>
+            </a:r>
+          </a:p>
+          <a:p>
+            <a:r>
+              <a:rPr lang="en-US" altLang="ko-KR" sz="1200" b="0" i="0" kern="1200" dirty="0" err="1" smtClean="0">
+                <a:solidFill>
+                  <a:schemeClr val="tx1"/>
+                </a:solidFill>
+                <a:latin typeface="+mn-lt"/>
+                <a:ea typeface="+mn-ea"/>
+                <a:cs typeface="+mn-cs"/>
+              </a:rPr>
+              <a:t>com.hangum.db.browser.rap.ApplicationWorkbenchWindowAdvisor</a:t>
+            </a:r>
+            <a:r>
+              <a:rPr lang="en-US" altLang="ko-KR" sz="1200" b="0" i="0" kern="1200" dirty="0" smtClean="0">
+                <a:solidFill>
+                  <a:schemeClr val="tx1"/>
+                </a:solidFill>
+                <a:latin typeface="+mn-lt"/>
+                <a:ea typeface="+mn-ea"/>
+                <a:cs typeface="+mn-cs"/>
+              </a:rPr>
+              <a:t> : </a:t>
+            </a:r>
+            <a:r>
+              <a:rPr lang="ko-KR" altLang="en-US" sz="1200" b="0" i="0" kern="1200" dirty="0" smtClean="0">
+                <a:solidFill>
+                  <a:schemeClr val="tx1"/>
+                </a:solidFill>
+                <a:latin typeface="+mn-lt"/>
+                <a:ea typeface="+mn-ea"/>
+                <a:cs typeface="+mn-cs"/>
+              </a:rPr>
+              <a:t>초기 </a:t>
+            </a:r>
+            <a:r>
+              <a:rPr lang="en-US" altLang="ko-KR" sz="1200" b="0" i="0" kern="1200" dirty="0" smtClean="0">
+                <a:solidFill>
+                  <a:schemeClr val="tx1"/>
+                </a:solidFill>
+                <a:latin typeface="+mn-lt"/>
+                <a:ea typeface="+mn-ea"/>
+                <a:cs typeface="+mn-cs"/>
+              </a:rPr>
+              <a:t>UI</a:t>
+            </a:r>
+            <a:r>
+              <a:rPr lang="ko-KR" altLang="en-US" sz="1200" b="0" i="0" kern="1200" dirty="0" smtClean="0">
+                <a:solidFill>
+                  <a:schemeClr val="tx1"/>
+                </a:solidFill>
+                <a:latin typeface="+mn-lt"/>
+                <a:ea typeface="+mn-ea"/>
+                <a:cs typeface="+mn-cs"/>
+              </a:rPr>
+              <a:t>정의</a:t>
+            </a:r>
+            <a:r>
+              <a:rPr lang="en-US" altLang="ko-KR" sz="1200" b="0" i="0" kern="1200" dirty="0" smtClean="0">
+                <a:solidFill>
+                  <a:schemeClr val="tx1"/>
+                </a:solidFill>
+                <a:latin typeface="+mn-lt"/>
+                <a:ea typeface="+mn-ea"/>
+                <a:cs typeface="+mn-cs"/>
+              </a:rPr>
+              <a:t>, </a:t>
+            </a:r>
+            <a:r>
+              <a:rPr lang="ko-KR" altLang="en-US" sz="1200" b="0" i="0" kern="1200" dirty="0" err="1" smtClean="0">
+                <a:solidFill>
+                  <a:schemeClr val="tx1"/>
+                </a:solidFill>
+                <a:latin typeface="+mn-lt"/>
+                <a:ea typeface="+mn-ea"/>
+                <a:cs typeface="+mn-cs"/>
+              </a:rPr>
+              <a:t>디비에</a:t>
+            </a:r>
+            <a:r>
+              <a:rPr lang="ko-KR" altLang="en-US" sz="1200" b="0" i="0" kern="1200" dirty="0" smtClean="0">
+                <a:solidFill>
+                  <a:schemeClr val="tx1"/>
+                </a:solidFill>
+                <a:latin typeface="+mn-lt"/>
+                <a:ea typeface="+mn-ea"/>
+                <a:cs typeface="+mn-cs"/>
+              </a:rPr>
+              <a:t> 테이블이 없다면 테이블 및 기초 유저 생성 후에 로그인 다이얼로그 오픈 합니다</a:t>
+            </a:r>
+            <a:r>
+              <a:rPr lang="en-US" altLang="ko-KR" sz="1200" b="0" i="0" kern="1200" dirty="0" smtClean="0">
+                <a:solidFill>
+                  <a:schemeClr val="tx1"/>
+                </a:solidFill>
+                <a:latin typeface="+mn-lt"/>
+                <a:ea typeface="+mn-ea"/>
+                <a:cs typeface="+mn-cs"/>
+              </a:rPr>
+              <a:t>.</a:t>
+            </a:r>
+          </a:p>
+          <a:p>
+            <a:r>
+              <a:rPr lang="en-US" altLang="ko-KR" sz="1200" b="0" i="0" kern="1200" dirty="0" smtClean="0">
+                <a:solidFill>
+                  <a:schemeClr val="tx1"/>
+                </a:solidFill>
+                <a:latin typeface="+mn-lt"/>
+                <a:ea typeface="+mn-ea"/>
+                <a:cs typeface="+mn-cs"/>
+              </a:rPr>
+              <a:t>3.</a:t>
+            </a:r>
+            <a:r>
+              <a:rPr lang="ko-KR" altLang="en-US" sz="1200" b="0" i="0" kern="1200" dirty="0" smtClean="0">
+                <a:solidFill>
+                  <a:schemeClr val="tx1"/>
+                </a:solidFill>
+                <a:latin typeface="+mn-lt"/>
+                <a:ea typeface="+mn-ea"/>
+                <a:cs typeface="+mn-cs"/>
+              </a:rPr>
+              <a:t>정상이라면 </a:t>
+            </a:r>
+            <a:r>
+              <a:rPr lang="en-US" altLang="ko-KR" sz="1200" b="0" i="0" kern="1200" dirty="0" err="1" smtClean="0">
+                <a:solidFill>
+                  <a:schemeClr val="tx1"/>
+                </a:solidFill>
+                <a:latin typeface="+mn-lt"/>
+                <a:ea typeface="+mn-ea"/>
+                <a:cs typeface="+mn-cs"/>
+              </a:rPr>
+              <a:t>com.hangum.db.browser.rap.Perspective</a:t>
+            </a:r>
+            <a:r>
+              <a:rPr lang="en-US" altLang="ko-KR" sz="1200" b="0" i="0" kern="1200" dirty="0" smtClean="0">
+                <a:solidFill>
+                  <a:schemeClr val="tx1"/>
+                </a:solidFill>
+                <a:latin typeface="+mn-lt"/>
+                <a:ea typeface="+mn-ea"/>
+                <a:cs typeface="+mn-cs"/>
+              </a:rPr>
+              <a:t> </a:t>
+            </a:r>
+            <a:r>
+              <a:rPr lang="ko-KR" altLang="en-US" sz="1200" b="0" i="0" kern="1200" dirty="0" smtClean="0">
+                <a:solidFill>
+                  <a:schemeClr val="tx1"/>
+                </a:solidFill>
+                <a:latin typeface="+mn-lt"/>
+                <a:ea typeface="+mn-ea"/>
+                <a:cs typeface="+mn-cs"/>
+              </a:rPr>
+              <a:t>에 정의된 </a:t>
+            </a:r>
+            <a:r>
+              <a:rPr lang="en-US" altLang="ko-KR" sz="1200" b="0" i="0" kern="1200" dirty="0" smtClean="0">
+                <a:solidFill>
+                  <a:schemeClr val="tx1"/>
+                </a:solidFill>
+                <a:latin typeface="+mn-lt"/>
+                <a:ea typeface="+mn-ea"/>
+                <a:cs typeface="+mn-cs"/>
+              </a:rPr>
+              <a:t>Database View</a:t>
+            </a:r>
+            <a:r>
+              <a:rPr lang="ko-KR" altLang="en-US" sz="1200" b="0" i="0" kern="1200" dirty="0" smtClean="0">
+                <a:solidFill>
+                  <a:schemeClr val="tx1"/>
+                </a:solidFill>
+                <a:latin typeface="+mn-lt"/>
+                <a:ea typeface="+mn-ea"/>
+                <a:cs typeface="+mn-cs"/>
+              </a:rPr>
+              <a:t>와 </a:t>
+            </a:r>
+            <a:r>
+              <a:rPr lang="en-US" altLang="ko-KR" sz="1200" b="0" i="0" kern="1200" dirty="0" smtClean="0">
+                <a:solidFill>
+                  <a:schemeClr val="tx1"/>
+                </a:solidFill>
+                <a:latin typeface="+mn-lt"/>
+                <a:ea typeface="+mn-ea"/>
+                <a:cs typeface="+mn-cs"/>
+              </a:rPr>
+              <a:t>Object Explorer view </a:t>
+            </a:r>
+            <a:r>
+              <a:rPr lang="ko-KR" altLang="en-US" sz="1200" b="0" i="0" kern="1200" dirty="0" err="1" smtClean="0">
+                <a:solidFill>
+                  <a:schemeClr val="tx1"/>
+                </a:solidFill>
+                <a:latin typeface="+mn-lt"/>
+                <a:ea typeface="+mn-ea"/>
+                <a:cs typeface="+mn-cs"/>
+              </a:rPr>
+              <a:t>오픈합니다</a:t>
+            </a:r>
+            <a:r>
+              <a:rPr lang="en-US" altLang="ko-KR" sz="1200" b="0" i="0" kern="1200" dirty="0" smtClean="0">
+                <a:solidFill>
+                  <a:schemeClr val="tx1"/>
+                </a:solidFill>
+                <a:latin typeface="+mn-lt"/>
+                <a:ea typeface="+mn-ea"/>
+                <a:cs typeface="+mn-cs"/>
+              </a:rPr>
+              <a:t>.</a:t>
+            </a:r>
+          </a:p>
+          <a:p>
+            <a:r>
+              <a:rPr lang="en-US" altLang="ko-KR" sz="1200" b="0" i="0" kern="1200" dirty="0" smtClean="0">
+                <a:solidFill>
+                  <a:schemeClr val="tx1"/>
+                </a:solidFill>
+                <a:latin typeface="+mn-lt"/>
+                <a:ea typeface="+mn-ea"/>
+                <a:cs typeface="+mn-cs"/>
+              </a:rPr>
+              <a:t>Database view(com.hangum.db.browser.rap.core.viewers.connections.ManagerViewer)</a:t>
+            </a:r>
+            <a:r>
+              <a:rPr lang="ko-KR" altLang="en-US" sz="1200" b="0" i="0" kern="1200" dirty="0" smtClean="0">
+                <a:solidFill>
+                  <a:schemeClr val="tx1"/>
+                </a:solidFill>
+                <a:latin typeface="+mn-lt"/>
+                <a:ea typeface="+mn-ea"/>
+                <a:cs typeface="+mn-cs"/>
+              </a:rPr>
+              <a:t>가 오픈될 때 </a:t>
+            </a:r>
+            <a:r>
+              <a:rPr lang="en-US" altLang="ko-KR" sz="1200" b="0" i="0" kern="1200" dirty="0" smtClean="0">
+                <a:solidFill>
+                  <a:schemeClr val="tx1"/>
+                </a:solidFill>
+                <a:latin typeface="+mn-lt"/>
+                <a:ea typeface="+mn-ea"/>
+                <a:cs typeface="+mn-cs"/>
+              </a:rPr>
+              <a:t>#init()</a:t>
+            </a:r>
+            <a:r>
+              <a:rPr lang="ko-KR" altLang="en-US" sz="1200" b="0" i="0" kern="1200" dirty="0" smtClean="0">
+                <a:solidFill>
+                  <a:schemeClr val="tx1"/>
+                </a:solidFill>
+                <a:latin typeface="+mn-lt"/>
+                <a:ea typeface="+mn-ea"/>
+                <a:cs typeface="+mn-cs"/>
+              </a:rPr>
+              <a:t>에서 사용자에게 초기 할당된 디비 리스트를 등록하고 초기 작업을 마무리합니다</a:t>
+            </a:r>
+            <a:r>
+              <a:rPr lang="en-US" altLang="ko-KR" sz="1200" b="0" i="0" kern="1200" dirty="0" smtClean="0">
+                <a:solidFill>
+                  <a:schemeClr val="tx1"/>
+                </a:solidFill>
+                <a:latin typeface="+mn-lt"/>
+                <a:ea typeface="+mn-ea"/>
+                <a:cs typeface="+mn-cs"/>
+              </a:rPr>
+              <a:t>.</a:t>
+            </a:r>
+          </a:p>
+          <a:p>
+            <a:r>
+              <a:rPr lang="ko-KR" altLang="en-US" sz="1200" b="0" i="1" kern="1200" dirty="0" err="1" smtClean="0">
+                <a:solidFill>
+                  <a:schemeClr val="tx1"/>
+                </a:solidFill>
+                <a:latin typeface="+mn-lt"/>
+                <a:ea typeface="+mn-ea"/>
+                <a:cs typeface="+mn-cs"/>
+              </a:rPr>
+              <a:t>시작시</a:t>
+            </a:r>
+            <a:r>
+              <a:rPr lang="ko-KR" altLang="en-US" sz="1200" b="0" i="1" kern="1200" dirty="0" smtClean="0">
+                <a:solidFill>
+                  <a:schemeClr val="tx1"/>
+                </a:solidFill>
+                <a:latin typeface="+mn-lt"/>
+                <a:ea typeface="+mn-ea"/>
+                <a:cs typeface="+mn-cs"/>
+              </a:rPr>
+              <a:t> </a:t>
+            </a:r>
+            <a:r>
+              <a:rPr lang="ko-KR" altLang="en-US" sz="1200" b="0" i="1" kern="1200" dirty="0" err="1" smtClean="0">
+                <a:solidFill>
+                  <a:schemeClr val="tx1"/>
+                </a:solidFill>
+                <a:latin typeface="+mn-lt"/>
+                <a:ea typeface="+mn-ea"/>
+                <a:cs typeface="+mn-cs"/>
+              </a:rPr>
+              <a:t>아규먼트</a:t>
+            </a:r>
+            <a:r>
+              <a:rPr lang="ko-KR" altLang="en-US" sz="1200" b="0" i="1" kern="1200" dirty="0" smtClean="0">
+                <a:solidFill>
+                  <a:schemeClr val="tx1"/>
+                </a:solidFill>
+                <a:latin typeface="+mn-lt"/>
+                <a:ea typeface="+mn-ea"/>
+                <a:cs typeface="+mn-cs"/>
+              </a:rPr>
+              <a:t> 설명은 다음을 참고합니다</a:t>
+            </a:r>
+            <a:r>
+              <a:rPr lang="en-US" altLang="ko-KR" sz="1200" b="0" i="1" kern="1200" dirty="0" smtClean="0">
+                <a:solidFill>
+                  <a:schemeClr val="tx1"/>
+                </a:solidFill>
+                <a:latin typeface="+mn-lt"/>
+                <a:ea typeface="+mn-ea"/>
+                <a:cs typeface="+mn-cs"/>
+              </a:rPr>
+              <a:t>.</a:t>
+            </a:r>
+            <a:r>
+              <a:rPr lang="en-US" altLang="ko-KR" sz="1200" b="0" i="1" u="none" strike="noStrike" kern="1200" dirty="0" smtClean="0">
+                <a:solidFill>
+                  <a:schemeClr val="tx1"/>
+                </a:solidFill>
+                <a:latin typeface="+mn-lt"/>
+                <a:ea typeface="+mn-ea"/>
+                <a:cs typeface="+mn-cs"/>
+                <a:hlinkClick r:id="rId3"/>
+              </a:rPr>
+              <a:t>https://github.com/hangum/TadpoleForDBTools/blob/master/targetProject/docs/engine%20argument%20options.txt</a:t>
+            </a:r>
+            <a:endParaRPr lang="ko-KR" altLang="en-US" sz="1200" b="0" i="0" kern="1200" dirty="0" smtClean="0">
+              <a:solidFill>
+                <a:schemeClr val="tx1"/>
+              </a:solidFill>
+              <a:latin typeface="+mn-lt"/>
+              <a:ea typeface="+mn-ea"/>
+              <a:cs typeface="+mn-cs"/>
+            </a:endParaRPr>
+          </a:p>
+          <a:p>
+            <a:endParaRPr lang="ko-KR" altLang="en-US" dirty="0"/>
           </a:p>
         </p:txBody>
       </p:sp>
@@ -1318,11 +1760,6 @@
         </p:txBody>
       </p:sp>
     </p:spTree>
-    <p:extLst>
-      <p:ext uri="{BB962C8B-B14F-4D97-AF65-F5344CB8AC3E}">
-        <p14:creationId xmlns:p14="http://schemas.microsoft.com/office/powerpoint/2010/main" val="3283331234"/>
-      </p:ext>
-    </p:extLst>
   </p:cSld>
   <p:clrMapOvr>
     <a:masterClrMapping/>
@@ -1374,6 +1811,110 @@
           <a:bodyPr/>
           <a:lstStyle/>
           <a:p>
+            <a:r>
+              <a:rPr lang="ko-KR" altLang="en-US" dirty="0" err="1" smtClean="0"/>
+              <a:t>이클립스는</a:t>
+            </a:r>
+            <a:r>
+              <a:rPr lang="ko-KR" altLang="en-US" dirty="0" smtClean="0"/>
+              <a:t> </a:t>
+            </a:r>
+            <a:r>
+              <a:rPr lang="en-US" altLang="ko-KR" dirty="0" smtClean="0"/>
+              <a:t>Extension</a:t>
+            </a:r>
+            <a:r>
+              <a:rPr lang="ko-KR" altLang="en-US" dirty="0" smtClean="0"/>
+              <a:t>이라는 확장을 통해 개발하게 됩니다</a:t>
+            </a:r>
+            <a:r>
+              <a:rPr lang="en-US" altLang="ko-KR" dirty="0" smtClean="0"/>
+              <a:t>.</a:t>
+            </a:r>
+          </a:p>
+        </p:txBody>
+      </p:sp>
+      <p:sp>
+        <p:nvSpPr>
+          <p:cNvPr id="4" name="슬라이드 번호 개체 틀 3"/>
+          <p:cNvSpPr>
+            <a:spLocks noGrp="1"/>
+          </p:cNvSpPr>
+          <p:nvPr>
+            <p:ph type="sldNum" sz="quarter" idx="10"/>
+          </p:nvPr>
+        </p:nvSpPr>
+        <p:spPr/>
+        <p:txBody>
+          <a:bodyPr/>
+          <a:lstStyle/>
+          <a:p>
+            <a:fld id="{76DEB4E5-0CA2-4F88-97E6-A13DE8957117}" type="slidenum">
+              <a:rPr lang="ko-KR" altLang="en-US" smtClean="0"/>
+              <a:pPr/>
+              <a:t>21</a:t>
+            </a:fld>
+            <a:endParaRPr lang="ko-KR" altLang="en-US"/>
+          </a:p>
+        </p:txBody>
+      </p:sp>
+    </p:spTree>
+    <p:extLst>
+      <p:ext uri="{BB962C8B-B14F-4D97-AF65-F5344CB8AC3E}">
+        <p14:creationId xmlns="" xmlns:p14="http://schemas.microsoft.com/office/powerpoint/2010/main" val="3283331234"/>
+      </p:ext>
+    </p:extLst>
+  </p:cSld>
+  <p:clrMapOvr>
+    <a:masterClrMapping/>
+  </p:clrMapOvr>
+</p:notes>
+</file>
+
+<file path=ppt/notesSlides/notesSlide15.xml><?xml version="1.0" encoding="utf-8"?>
+<p:notes xmlns:a="http://schemas.openxmlformats.org/drawingml/2006/main" xmlns:r="http://schemas.openxmlformats.org/officeDocument/2006/relationships" xmlns:p="http://schemas.openxmlformats.org/presentationml/2006/main">
+  <p:cSld>
+    <p:spTree>
+      <p:nvGrpSpPr>
+        <p:cNvPr id="1" name=""/>
+        <p:cNvGrpSpPr/>
+        <p:nvPr/>
+      </p:nvGrpSpPr>
+      <p:grpSpPr>
+        <a:xfrm>
+          <a:off x="0" y="0"/>
+          <a:ext cx="0" cy="0"/>
+          <a:chOff x="0" y="0"/>
+          <a:chExt cx="0" cy="0"/>
+        </a:xfrm>
+      </p:grpSpPr>
+      <p:sp>
+        <p:nvSpPr>
+          <p:cNvPr id="2" name="슬라이드 이미지 개체 틀 1"/>
+          <p:cNvSpPr>
+            <a:spLocks noGrp="1" noRot="1" noChangeAspect="1"/>
+          </p:cNvSpPr>
+          <p:nvPr>
+            <p:ph type="sldImg"/>
+          </p:nvPr>
+        </p:nvSpPr>
+        <p:spPr/>
+      </p:sp>
+      <p:sp>
+        <p:nvSpPr>
+          <p:cNvPr id="3" name="슬라이드 노트 개체 틀 2"/>
+          <p:cNvSpPr>
+            <a:spLocks noGrp="1"/>
+          </p:cNvSpPr>
+          <p:nvPr>
+            <p:ph type="body" idx="1"/>
+          </p:nvPr>
+        </p:nvSpPr>
+        <p:spPr/>
+        <p:txBody>
+          <a:bodyPr/>
+          <a:lstStyle/>
+          <a:p>
             <a:pPr marL="171450" marR="0" indent="-171450" algn="l" defTabSz="914400" rtl="0" eaLnBrk="1" fontAlgn="auto" latinLnBrk="1" hangingPunct="1">
               <a:lnSpc>
                 <a:spcPct val="100000"/>
@@ -1688,7 +2229,7 @@
             <a:fld id="{76DEB4E5-0CA2-4F88-97E6-A13DE8957117}" type="slidenum">
               <a:rPr lang="ko-KR" altLang="en-US" smtClean="0"/>
               <a:pPr/>
-              <a:t>35</a:t>
+              <a:t>36</a:t>
             </a:fld>
             <a:endParaRPr lang="ko-KR" altLang="en-US"/>
           </a:p>
@@ -1697,7 +2238,7 @@
     </p:spTree>
     <p:extLst>
       <p:ext uri="{BB962C8B-B14F-4D97-AF65-F5344CB8AC3E}">
-        <p14:creationId xmlns:p14="http://schemas.microsoft.com/office/powerpoint/2010/main" val="3067411640"/>
+        <p14:creationId xmlns="" xmlns:p14="http://schemas.microsoft.com/office/powerpoint/2010/main" val="3067411640"/>
       </p:ext>
     </p:extLst>
   </p:cSld>
@@ -1761,11 +2302,7 @@
             </a:r>
             <a:r>
               <a:rPr lang="ko-KR" altLang="en-US" dirty="0" smtClean="0"/>
-              <a:t>년 부터 </a:t>
-            </a:r>
-            <a:r>
-              <a:rPr lang="ko-KR" altLang="en-US" dirty="0" smtClean="0"/>
-              <a:t>개발해오고   </a:t>
+              <a:t>년 부터 개발해오고   </a:t>
             </a:r>
             <a:r>
               <a:rPr lang="ko-KR" altLang="en-US" dirty="0" err="1" smtClean="0"/>
@@ -1773,11 +2310,7 @@
             </a:r>
             <a:r>
               <a:rPr lang="ko-KR" altLang="en-US" dirty="0" smtClean="0"/>
-              <a:t> </a:t>
-            </a:r>
-            <a:r>
-              <a:rPr lang="ko-KR" altLang="en-US" dirty="0" smtClean="0"/>
-              <a:t>프로젝트입니다</a:t>
+              <a:t> 프로젝트입니다</a:t>
             </a:r>
             <a:r>
               <a:rPr lang="en-US" altLang="ko-KR" dirty="0" smtClean="0"/>
@@ -1846,7 +2379,7 @@
     </p:spTree>
     <p:extLst>
       <p:ext uri="{BB962C8B-B14F-4D97-AF65-F5344CB8AC3E}">
-        <p14:creationId xmlns:p14="http://schemas.microsoft.com/office/powerpoint/2010/main" val="1545418491"/>
+        <p14:creationId xmlns="" xmlns:p14="http://schemas.microsoft.com/office/powerpoint/2010/main" val="1545418491"/>
       </p:ext>
     </p:extLst>
   </p:cSld>
@@ -1938,7 +2471,7 @@
     </p:spTree>
     <p:extLst>
       <p:ext uri="{BB962C8B-B14F-4D97-AF65-F5344CB8AC3E}">
-        <p14:creationId xmlns:p14="http://schemas.microsoft.com/office/powerpoint/2010/main" val="3909199606"/>
+        <p14:creationId xmlns="" xmlns:p14="http://schemas.microsoft.com/office/powerpoint/2010/main" val="3909199606"/>
       </p:ext>
     </p:extLst>
   </p:cSld>
@@ -2046,7 +2579,7 @@
     </p:spTree>
     <p:extLst>
       <p:ext uri="{BB962C8B-B14F-4D97-AF65-F5344CB8AC3E}">
-        <p14:creationId xmlns:p14="http://schemas.microsoft.com/office/powerpoint/2010/main" val="1626307090"/>
+        <p14:creationId xmlns="" xmlns:p14="http://schemas.microsoft.com/office/powerpoint/2010/main" val="1626307090"/>
       </p:ext>
     </p:extLst>
   </p:cSld>
@@ -2170,15 +2703,7 @@
             </a:r>
             <a:r>
               <a:rPr lang="ko-KR" altLang="en-US" baseline="0" dirty="0" smtClean="0"/>
-              <a:t>개발자들은 보통 </a:t>
-            </a:r>
-            <a:r>
-              <a:rPr lang="ko-KR" altLang="en-US" baseline="0" dirty="0" smtClean="0"/>
-              <a:t>소스 </a:t>
-            </a:r>
-            <a:r>
-              <a:rPr lang="ko-KR" altLang="en-US" baseline="0" dirty="0" smtClean="0"/>
-              <a:t>관리하지요</a:t>
+              <a:t>개발자들은 보통 소스 관리하지요</a:t>
             </a:r>
             <a:r>
               <a:rPr lang="en-US" altLang="ko-KR" baseline="0" dirty="0" smtClean="0"/>
@@ -2320,11 +2845,7 @@
           <a:p>
             <a:r>
               <a:rPr lang="ko-KR" altLang="en-US" baseline="0" dirty="0" smtClean="0"/>
-              <a:t>이 </a:t>
-            </a:r>
-            <a:r>
-              <a:rPr lang="ko-KR" altLang="en-US" baseline="0" dirty="0" smtClean="0"/>
-              <a:t>기본 </a:t>
+              <a:t>이 기본 </a:t>
             </a:r>
             <a:r>
               <a:rPr lang="ko-KR" altLang="en-US" baseline="0" dirty="0" err="1" smtClean="0"/>
@@ -2340,11 +2861,7 @@
             </a:r>
             <a:r>
               <a:rPr lang="ko-KR" altLang="en-US" baseline="0" dirty="0" smtClean="0"/>
-              <a:t>라는 자바 </a:t>
-            </a:r>
-            <a:r>
-              <a:rPr lang="ko-KR" altLang="en-US" baseline="0" dirty="0" smtClean="0"/>
-              <a:t>개발 툴을 </a:t>
+              <a:t>라는 자바 개발 툴을 </a:t>
             </a:r>
             <a:r>
               <a:rPr lang="en-US" altLang="ko-KR" baseline="0" dirty="0" smtClean="0"/>
@@ -2368,11 +2885,7 @@
             </a:r>
             <a:r>
               <a:rPr lang="ko-KR" altLang="en-US" baseline="0" dirty="0" smtClean="0"/>
-              <a:t>개발 툴은 </a:t>
-            </a:r>
-            <a:r>
-              <a:rPr lang="ko-KR" altLang="en-US" baseline="0" dirty="0" smtClean="0"/>
-              <a:t>추가하여 사용하게 됩니다</a:t>
+              <a:t>개발 툴은 추가하여 사용하게 됩니다</a:t>
             </a:r>
             <a:r>
               <a:rPr lang="en-US" altLang="ko-KR" baseline="0" dirty="0" smtClean="0"/>
@@ -2541,7 +3054,7 @@
     </p:spTree>
     <p:extLst>
       <p:ext uri="{BB962C8B-B14F-4D97-AF65-F5344CB8AC3E}">
-        <p14:creationId xmlns:p14="http://schemas.microsoft.com/office/powerpoint/2010/main" val="2063256042"/>
+        <p14:creationId xmlns="" xmlns:p14="http://schemas.microsoft.com/office/powerpoint/2010/main" val="2063256042"/>
       </p:ext>
     </p:extLst>
   </p:cSld>
@@ -2751,7 +3264,7 @@
     </p:spTree>
     <p:extLst>
       <p:ext uri="{BB962C8B-B14F-4D97-AF65-F5344CB8AC3E}">
-        <p14:creationId xmlns:p14="http://schemas.microsoft.com/office/powerpoint/2010/main" val="2243209044"/>
+        <p14:creationId xmlns="" xmlns:p14="http://schemas.microsoft.com/office/powerpoint/2010/main" val="2243209044"/>
       </p:ext>
     </p:extLst>
   </p:cSld>
@@ -3158,11 +3671,7 @@
             </a:pPr>
             <a:r>
               <a:rPr lang="en-US" altLang="ko-KR" dirty="0" smtClean="0"/>
-              <a:t>tadpole-standalone.ini</a:t>
-            </a:r>
-            <a:r>
-              <a:rPr lang="en-US" altLang="ko-KR" dirty="0" smtClean="0"/>
-              <a:t> – </a:t>
+              <a:t>tadpole-standalone.ini – </a:t>
             </a:r>
             <a:r>
               <a:rPr lang="ko-KR" altLang="en-US" dirty="0" smtClean="0"/>
@@ -3336,7 +3845,7 @@
     </p:spTree>
     <p:extLst>
       <p:ext uri="{BB962C8B-B14F-4D97-AF65-F5344CB8AC3E}">
-        <p14:creationId xmlns:p14="http://schemas.microsoft.com/office/powerpoint/2010/main" val="3090094056"/>
+        <p14:creationId xmlns="" xmlns:p14="http://schemas.microsoft.com/office/powerpoint/2010/main" val="3090094056"/>
       </p:ext>
     </p:extLst>
   </p:cSld>
@@ -3383,7 +3892,7 @@
             <a:fld id="{F30B8A1C-2B93-4306-B084-61D49BE94AB7}" type="datetimeFigureOut">
               <a:rPr lang="ko-KR" altLang="en-US" smtClean="0"/>
               <a:pPr/>
-              <a:t>2012-09-06</a:t>
+              <a:t>2012-09-19</a:t>
             </a:fld>
             <a:endParaRPr lang="ko-KR" altLang="en-US"/>
           </a:p>
@@ -4102,7 +4611,7 @@
             <a:fld id="{F30B8A1C-2B93-4306-B084-61D49BE94AB7}" type="datetimeFigureOut">
               <a:rPr lang="ko-KR" altLang="en-US" smtClean="0"/>
               <a:pPr/>
-              <a:t>2012-09-06</a:t>
+              <a:t>2012-09-19</a:t>
             </a:fld>
             <a:endParaRPr lang="ko-KR" altLang="en-US"/>
           </a:p>
@@ -4289,7 +4798,7 @@
             <a:fld id="{F30B8A1C-2B93-4306-B084-61D49BE94AB7}" type="datetimeFigureOut">
               <a:rPr lang="ko-KR" altLang="en-US" smtClean="0"/>
               <a:pPr/>
-              <a:t>2012-09-06</a:t>
+              <a:t>2012-09-19</a:t>
             </a:fld>
             <a:endParaRPr lang="ko-KR" altLang="en-US"/>
           </a:p>
@@ -4466,7 +4975,7 @@
             <a:fld id="{F30B8A1C-2B93-4306-B084-61D49BE94AB7}" type="datetimeFigureOut">
               <a:rPr lang="ko-KR" altLang="en-US" smtClean="0"/>
               <a:pPr/>
-              <a:t>2012-09-06</a:t>
+              <a:t>2012-09-19</a:t>
             </a:fld>
             <a:endParaRPr lang="ko-KR" altLang="en-US"/>
           </a:p>
@@ -5951,7 +6460,7 @@
             <a:fld id="{F30B8A1C-2B93-4306-B084-61D49BE94AB7}" type="datetimeFigureOut">
               <a:rPr lang="ko-KR" altLang="en-US" smtClean="0"/>
               <a:pPr/>
-              <a:t>2012-09-06</a:t>
+              <a:t>2012-09-19</a:t>
             </a:fld>
             <a:endParaRPr lang="ko-KR" altLang="en-US"/>
           </a:p>
@@ -6553,7 +7062,7 @@
             <a:fld id="{F30B8A1C-2B93-4306-B084-61D49BE94AB7}" type="datetimeFigureOut">
               <a:rPr lang="ko-KR" altLang="en-US" smtClean="0"/>
               <a:pPr/>
-              <a:t>2012-09-06</a:t>
+              <a:t>2012-09-19</a:t>
             </a:fld>
             <a:endParaRPr lang="ko-KR" altLang="en-US"/>
           </a:p>
@@ -6992,7 +7501,7 @@
             <a:fld id="{F30B8A1C-2B93-4306-B084-61D49BE94AB7}" type="datetimeFigureOut">
               <a:rPr lang="ko-KR" altLang="en-US" smtClean="0"/>
               <a:pPr/>
-              <a:t>2012-09-06</a:t>
+              <a:t>2012-09-19</a:t>
             </a:fld>
             <a:endParaRPr lang="ko-KR" altLang="en-US"/>
           </a:p>
@@ -7555,7 +8064,7 @@
             <a:fld id="{F30B8A1C-2B93-4306-B084-61D49BE94AB7}" type="datetimeFigureOut">
               <a:rPr lang="ko-KR" altLang="en-US" smtClean="0"/>
               <a:pPr/>
-              <a:t>2012-09-06</a:t>
+              <a:t>2012-09-19</a:t>
             </a:fld>
             <a:endParaRPr lang="ko-KR" altLang="en-US"/>
           </a:p>
@@ -7653,7 +8162,7 @@
             <a:fld id="{F30B8A1C-2B93-4306-B084-61D49BE94AB7}" type="datetimeFigureOut">
               <a:rPr lang="ko-KR" altLang="en-US" smtClean="0"/>
               <a:pPr/>
-              <a:t>2012-09-06</a:t>
+              <a:t>2012-09-19</a:t>
             </a:fld>
             <a:endParaRPr lang="ko-KR" altLang="en-US"/>
           </a:p>
@@ -7909,7 +8418,7 @@
             <a:fld id="{F30B8A1C-2B93-4306-B084-61D49BE94AB7}" type="datetimeFigureOut">
               <a:rPr lang="ko-KR" altLang="en-US" smtClean="0"/>
               <a:pPr/>
-              <a:t>2012-09-06</a:t>
+              <a:t>2012-09-19</a:t>
             </a:fld>
             <a:endParaRPr lang="ko-KR" altLang="en-US"/>
           </a:p>
@@ -8632,7 +9141,7 @@
             <a:fld id="{F30B8A1C-2B93-4306-B084-61D49BE94AB7}" type="datetimeFigureOut">
               <a:rPr lang="ko-KR" altLang="en-US" smtClean="0"/>
               <a:pPr/>
-              <a:t>2012-09-06</a:t>
+              <a:t>2012-09-19</a:t>
             </a:fld>
             <a:endParaRPr lang="ko-KR" altLang="en-US"/>
           </a:p>
@@ -9307,7 +9816,7 @@
             <a:fld id="{F30B8A1C-2B93-4306-B084-61D49BE94AB7}" type="datetimeFigureOut">
               <a:rPr lang="ko-KR" altLang="en-US" smtClean="0"/>
               <a:pPr/>
-              <a:t>2012-09-06</a:t>
+              <a:t>2012-09-19</a:t>
             </a:fld>
             <a:endParaRPr lang="ko-KR" altLang="en-US"/>
           </a:p>
@@ -9788,7 +10297,7 @@
           <p:nvPr>
             <p:extLst>
               <p:ext uri="{D42A27DB-BD31-4B8C-83A1-F6EECF244321}">
-                <p14:modId xmlns:p14="http://schemas.microsoft.com/office/powerpoint/2010/main" val="533220188"/>
+                <p14:modId xmlns="" xmlns:p14="http://schemas.microsoft.com/office/powerpoint/2010/main" val="533220188"/>
               </p:ext>
             </p:extLst>
           </p:nvPr>
@@ -9835,15 +10344,7 @@
                       </a:r>
                       <a:r>
                         <a:rPr lang="en-US" altLang="ko-KR" dirty="0" smtClean="0"/>
-                        <a:t>(</a:t>
-                      </a:r>
-                      <a:r>
-                        <a:rPr lang="en-US" altLang="ko-KR" dirty="0" smtClean="0"/>
-                        <a:t>V0.4, </a:t>
-                      </a:r>
-                      <a:r>
-                        <a:rPr lang="en-US" altLang="ko-KR" dirty="0" smtClean="0"/>
-                        <a:t>12/09/06)</a:t>
+                        <a:t>(V0.5, 12/09/06)</a:t>
                       </a:r>
                     </a:p>
                     <a:p>
@@ -9892,7 +10393,7 @@
       </p:graphicFrame>
       <p:pic>
         <p:nvPicPr>
-          <p:cNvPr id="1026" name="Picture 2" descr="C:\Users\hangum\Pictures\TadpoleForDBTools.png"/>
+          <p:cNvPr id="5" name="Picture 2" descr="C:\Users\hangum\Pictures\tadpole_2.png"/>
           <p:cNvPicPr>
             <a:picLocks noChangeAspect="1" noChangeArrowheads="1"/>
           </p:cNvPicPr>
@@ -9907,8 +10408,8 @@
         </p:blipFill>
         <p:spPr bwMode="auto">
           <a:xfrm>
-            <a:off x="6876256" y="2420888"/>
-            <a:ext cx="1584176" cy="1584176"/>
+            <a:off x="6948264" y="1556792"/>
+            <a:ext cx="1184498" cy="2195270"/>
           </a:xfrm>
           <a:prstGeom prst="rect">
             <a:avLst/>
@@ -10253,24 +10754,7 @@
                 <a:ea typeface="+mn-ea"/>
                 <a:cs typeface="+mn-cs"/>
               </a:rPr>
-              <a:t>소스코드의 </a:t>
-            </a:r>
-            <a:r>
-              <a:rPr kumimoji="0" lang="ko-KR" altLang="en-US" sz="2000" b="0" i="0" u="none" strike="noStrike" kern="1200" cap="none" spc="0" normalizeH="0" baseline="0" noProof="0" dirty="0" smtClean="0">
-                <a:ln>
-                  <a:noFill/>
-                </a:ln>
-                <a:solidFill>
-                  <a:schemeClr val="tx1"/>
-                </a:solidFill>
-                <a:effectLst/>
-                <a:uLnTx/>
-                <a:uFillTx/>
-                <a:latin typeface="+mn-lt"/>
-                <a:ea typeface="+mn-ea"/>
-                <a:cs typeface="+mn-cs"/>
-              </a:rPr>
-              <a:t>변경</a:t>
+              <a:t>소스코드의 변경</a:t>
             </a:r>
             <a:r>
               <a:rPr kumimoji="0" lang="en-US" altLang="ko-KR" sz="2000" b="0" i="0" u="none" strike="noStrike" kern="1200" cap="none" spc="0" normalizeH="0" baseline="0" noProof="0" dirty="0" smtClean="0">
@@ -10540,10 +11024,10 @@
           <p:nvPr/>
         </p:nvPicPr>
         <p:blipFill>
-          <a:blip r:embed="rId3">
+          <a:blip r:embed="rId3" cstate="print">
             <a:extLst>
               <a:ext uri="{28A0092B-C50C-407E-A947-70E740481C1C}">
-                <a14:useLocalDpi xmlns:a14="http://schemas.microsoft.com/office/drawing/2010/main" val="0"/>
+                <a14:useLocalDpi xmlns="" xmlns:a14="http://schemas.microsoft.com/office/drawing/2010/main" val="0"/>
               </a:ext>
             </a:extLst>
           </a:blip>
@@ -10563,7 +11047,7 @@
           <a:noFill/>
           <a:extLst>
             <a:ext uri="{909E8E84-426E-40DD-AFC4-6F175D3DCCD1}">
-              <a14:hiddenFill xmlns:a14="http://schemas.microsoft.com/office/drawing/2010/main">
+              <a14:hiddenFill xmlns="" xmlns:a14="http://schemas.microsoft.com/office/drawing/2010/main">
                 <a:solidFill>
                   <a:srgbClr val="FFFFFF"/>
                 </a:solidFill>
@@ -10589,11 +11073,7 @@
           <a:p>
             <a:r>
               <a:rPr lang="en-US" altLang="ko-KR" dirty="0" smtClean="0"/>
-              <a:t>Eclipse </a:t>
-            </a:r>
-            <a:r>
-              <a:rPr lang="en-US" altLang="ko-KR" dirty="0" smtClean="0"/>
-              <a:t>startup sequence</a:t>
+              <a:t>Eclipse startup sequence</a:t>
             </a:r>
             <a:endParaRPr lang="ko-KR" altLang="en-US" dirty="0"/>
           </a:p>
@@ -10624,7 +11104,6 @@
               <a:rPr lang="en-US" altLang="ko-KR" dirty="0" smtClean="0"/>
               <a:t>tadpole-standalone.ini</a:t>
             </a:r>
-            <a:endParaRPr lang="en-US" altLang="ko-KR" dirty="0" smtClean="0"/>
           </a:p>
           <a:p>
             <a:pPr lvl="2"/>
@@ -10710,10 +11189,10 @@
           <p:nvPr/>
         </p:nvPicPr>
         <p:blipFill>
-          <a:blip r:embed="rId4">
+          <a:blip r:embed="rId4" cstate="print">
             <a:extLst>
               <a:ext uri="{28A0092B-C50C-407E-A947-70E740481C1C}">
-                <a14:useLocalDpi xmlns:a14="http://schemas.microsoft.com/office/drawing/2010/main" val="0"/>
+                <a14:useLocalDpi xmlns="" xmlns:a14="http://schemas.microsoft.com/office/drawing/2010/main" val="0"/>
               </a:ext>
             </a:extLst>
           </a:blip>
@@ -10733,7 +11212,7 @@
           <a:noFill/>
           <a:extLst>
             <a:ext uri="{909E8E84-426E-40DD-AFC4-6F175D3DCCD1}">
-              <a14:hiddenFill xmlns:a14="http://schemas.microsoft.com/office/drawing/2010/main">
+              <a14:hiddenFill xmlns="" xmlns:a14="http://schemas.microsoft.com/office/drawing/2010/main">
                 <a:solidFill>
                   <a:srgbClr val="FFFFFF"/>
                 </a:solidFill>
@@ -10745,7 +11224,7 @@
     </p:spTree>
     <p:extLst>
       <p:ext uri="{BB962C8B-B14F-4D97-AF65-F5344CB8AC3E}">
-        <p14:creationId xmlns:p14="http://schemas.microsoft.com/office/powerpoint/2010/main" val="2809892369"/>
+        <p14:creationId xmlns="" xmlns:p14="http://schemas.microsoft.com/office/powerpoint/2010/main" val="2809892369"/>
       </p:ext>
     </p:extLst>
   </p:cSld>
@@ -12883,7 +13362,7 @@
     </p:spTree>
     <p:extLst>
       <p:ext uri="{BB962C8B-B14F-4D97-AF65-F5344CB8AC3E}">
-        <p14:creationId xmlns:p14="http://schemas.microsoft.com/office/powerpoint/2010/main" val="1691654852"/>
+        <p14:creationId xmlns="" xmlns:p14="http://schemas.microsoft.com/office/powerpoint/2010/main" val="1691654852"/>
       </p:ext>
     </p:extLst>
   </p:cSld>
@@ -13000,11 +13479,7 @@
             <a:pPr lvl="1"/>
             <a:r>
               <a:rPr lang="en-US" altLang="ko-KR" dirty="0" smtClean="0"/>
-              <a:t>Extensions </a:t>
-            </a:r>
-            <a:r>
-              <a:rPr lang="en-US" altLang="ko-KR" dirty="0" smtClean="0"/>
-              <a:t>: </a:t>
+              <a:t>Extensions : </a:t>
             </a:r>
             <a:r>
               <a:rPr lang="ko-KR" altLang="en-US" sz="2200" dirty="0" smtClean="0"/>
@@ -13028,11 +13503,7 @@
             </a:r>
             <a:r>
               <a:rPr lang="ko-KR" altLang="en-US" sz="2200" dirty="0" smtClean="0"/>
-              <a:t>자신을 </a:t>
-            </a:r>
-            <a:r>
-              <a:rPr lang="ko-KR" altLang="en-US" sz="2200" dirty="0" smtClean="0"/>
-              <a:t>어떻게 확장해야 하는지 정의</a:t>
+              <a:t>자신을 어떻게 확장해야 하는지 정의</a:t>
             </a:r>
             <a:endParaRPr lang="en-US" altLang="ko-KR" sz="2200" dirty="0" smtClean="0"/>
           </a:p>
@@ -13050,10 +13521,10 @@
           <p:nvPr/>
         </p:nvPicPr>
         <p:blipFill>
-          <a:blip r:embed="rId2">
+          <a:blip r:embed="rId2" cstate="print">
             <a:extLst>
               <a:ext uri="{28A0092B-C50C-407E-A947-70E740481C1C}">
-                <a14:useLocalDpi xmlns:a14="http://schemas.microsoft.com/office/drawing/2010/main" val="0"/>
+                <a14:useLocalDpi xmlns="" xmlns:a14="http://schemas.microsoft.com/office/drawing/2010/main" val="0"/>
               </a:ext>
             </a:extLst>
           </a:blip>
@@ -13073,7 +13544,7 @@
           <a:noFill/>
           <a:extLst>
             <a:ext uri="{909E8E84-426E-40DD-AFC4-6F175D3DCCD1}">
-              <a14:hiddenFill xmlns:a14="http://schemas.microsoft.com/office/drawing/2010/main">
+              <a14:hiddenFill xmlns="" xmlns:a14="http://schemas.microsoft.com/office/drawing/2010/main">
                 <a:solidFill>
                   <a:srgbClr val="FFFFFF"/>
                 </a:solidFill>
@@ -13091,10 +13562,10 @@
           <p:nvPr/>
         </p:nvPicPr>
         <p:blipFill>
-          <a:blip r:embed="rId3">
+          <a:blip r:embed="rId3" cstate="print">
             <a:extLst>
               <a:ext uri="{28A0092B-C50C-407E-A947-70E740481C1C}">
-                <a14:useLocalDpi xmlns:a14="http://schemas.microsoft.com/office/drawing/2010/main" val="0"/>
+                <a14:useLocalDpi xmlns="" xmlns:a14="http://schemas.microsoft.com/office/drawing/2010/main" val="0"/>
               </a:ext>
             </a:extLst>
           </a:blip>
@@ -13114,7 +13585,7 @@
           <a:noFill/>
           <a:extLst>
             <a:ext uri="{909E8E84-426E-40DD-AFC4-6F175D3DCCD1}">
-              <a14:hiddenFill xmlns:a14="http://schemas.microsoft.com/office/drawing/2010/main">
+              <a14:hiddenFill xmlns="" xmlns:a14="http://schemas.microsoft.com/office/drawing/2010/main">
                 <a:solidFill>
                   <a:srgbClr val="FFFFFF"/>
                 </a:solidFill>
@@ -13132,10 +13603,10 @@
           <p:nvPr/>
         </p:nvPicPr>
         <p:blipFill>
-          <a:blip r:embed="rId4">
+          <a:blip r:embed="rId4" cstate="print">
             <a:extLst>
               <a:ext uri="{28A0092B-C50C-407E-A947-70E740481C1C}">
-                <a14:useLocalDpi xmlns:a14="http://schemas.microsoft.com/office/drawing/2010/main" val="0"/>
+                <a14:useLocalDpi xmlns="" xmlns:a14="http://schemas.microsoft.com/office/drawing/2010/main" val="0"/>
               </a:ext>
             </a:extLst>
           </a:blip>
@@ -13155,7 +13626,7 @@
           <a:noFill/>
           <a:extLst>
             <a:ext uri="{909E8E84-426E-40DD-AFC4-6F175D3DCCD1}">
-              <a14:hiddenFill xmlns:a14="http://schemas.microsoft.com/office/drawing/2010/main">
+              <a14:hiddenFill xmlns="" xmlns:a14="http://schemas.microsoft.com/office/drawing/2010/main">
                 <a:solidFill>
                   <a:srgbClr val="FFFFFF"/>
                 </a:solidFill>
@@ -13167,7 +13638,7 @@
     </p:spTree>
     <p:extLst>
       <p:ext uri="{BB962C8B-B14F-4D97-AF65-F5344CB8AC3E}">
-        <p14:creationId xmlns:p14="http://schemas.microsoft.com/office/powerpoint/2010/main" val="3734491937"/>
+        <p14:creationId xmlns="" xmlns:p14="http://schemas.microsoft.com/office/powerpoint/2010/main" val="3734491937"/>
       </p:ext>
     </p:extLst>
   </p:cSld>
@@ -13345,6 +13816,157 @@
           <a:p>
             <a:r>
               <a:rPr lang="en-US" altLang="ko-KR" dirty="0" smtClean="0"/>
+              <a:t>Start?</a:t>
+            </a:r>
+            <a:endParaRPr lang="ko-KR" altLang="en-US" dirty="0"/>
+          </a:p>
+        </p:txBody>
+      </p:sp>
+      <p:sp>
+        <p:nvSpPr>
+          <p:cNvPr id="3" name="내용 개체 틀 2"/>
+          <p:cNvSpPr>
+            <a:spLocks noGrp="1"/>
+          </p:cNvSpPr>
+          <p:nvPr>
+            <p:ph idx="1"/>
+          </p:nvPr>
+        </p:nvSpPr>
+        <p:spPr/>
+        <p:txBody>
+          <a:bodyPr/>
+          <a:lstStyle/>
+          <a:p>
+            <a:r>
+              <a:rPr lang="ko-KR" altLang="en-US" dirty="0" smtClean="0"/>
+              <a:t>초기 </a:t>
+            </a:r>
+            <a:r>
+              <a:rPr lang="en-US" altLang="ko-KR" dirty="0" smtClean="0"/>
+              <a:t>session </a:t>
+            </a:r>
+            <a:r>
+              <a:rPr lang="ko-KR" altLang="en-US" dirty="0" smtClean="0"/>
+              <a:t>설정</a:t>
+            </a:r>
+            <a:r>
+              <a:rPr lang="en-US" altLang="ko-KR" dirty="0" smtClean="0"/>
+              <a:t>.</a:t>
+            </a:r>
+          </a:p>
+          <a:p>
+            <a:r>
+              <a:rPr lang="ko-KR" altLang="en-US" dirty="0" smtClean="0"/>
+              <a:t>올챙이 초기 </a:t>
+            </a:r>
+            <a:r>
+              <a:rPr lang="en-US" altLang="ko-KR" dirty="0" smtClean="0"/>
+              <a:t>page open.</a:t>
+            </a:r>
+          </a:p>
+          <a:p>
+            <a:r>
+              <a:rPr lang="ko-KR" altLang="en-US" dirty="0" smtClean="0"/>
+              <a:t>초기 </a:t>
+            </a:r>
+            <a:r>
+              <a:rPr lang="en-US" altLang="ko-KR" dirty="0" smtClean="0"/>
+              <a:t>UI(Connection Manager, Object Explorer)</a:t>
+            </a:r>
+            <a:r>
+              <a:rPr lang="ko-KR" altLang="en-US" dirty="0" smtClean="0"/>
+              <a:t>정의</a:t>
+            </a:r>
+            <a:r>
+              <a:rPr lang="en-US" altLang="ko-KR" dirty="0" smtClean="0"/>
+              <a:t>.</a:t>
+            </a:r>
+          </a:p>
+          <a:p>
+            <a:pPr lvl="1"/>
+            <a:r>
+              <a:rPr lang="ko-KR" altLang="en-US" dirty="0" smtClean="0"/>
+              <a:t>테이블이 없다면 초기 테이블 생성</a:t>
+            </a:r>
+            <a:endParaRPr lang="en-US" altLang="ko-KR" dirty="0" smtClean="0"/>
+          </a:p>
+          <a:p>
+            <a:r>
+              <a:rPr lang="ko-KR" altLang="en-US" dirty="0" smtClean="0"/>
+              <a:t>로그인 다이얼로그 오픈</a:t>
+            </a:r>
+            <a:endParaRPr lang="en-US" altLang="ko-KR" dirty="0" smtClean="0"/>
+          </a:p>
+          <a:p>
+            <a:endParaRPr lang="en-US" altLang="ko-KR" dirty="0" smtClean="0"/>
+          </a:p>
+          <a:p>
+            <a:r>
+              <a:rPr lang="ko-KR" altLang="en-US" dirty="0" smtClean="0"/>
+              <a:t>프로그램 시작 </a:t>
+            </a:r>
+            <a:r>
+              <a:rPr lang="en-US" altLang="ko-KR" dirty="0" smtClean="0"/>
+              <a:t>Argument(</a:t>
+            </a:r>
+            <a:r>
+              <a:rPr lang="en-US" altLang="ko-KR" dirty="0" smtClean="0">
+                <a:hlinkClick r:id="rId3"/>
+              </a:rPr>
+              <a:t>http://goo.gl/rzspT</a:t>
+            </a:r>
+            <a:r>
+              <a:rPr lang="en-US" altLang="ko-KR" dirty="0" smtClean="0"/>
+              <a:t>)</a:t>
+            </a:r>
+          </a:p>
+          <a:p>
+            <a:endParaRPr lang="ko-KR" altLang="en-US" dirty="0"/>
+          </a:p>
+        </p:txBody>
+      </p:sp>
+    </p:spTree>
+  </p:cSld>
+  <p:clrMapOvr>
+    <a:masterClrMapping/>
+  </p:clrMapOvr>
+</p:sld>
+</file>
+
+<file path=ppt/slides/slide21.xml><?xml version="1.0" encoding="utf-8"?>
+<p:sld xmlns:a="http://schemas.openxmlformats.org/drawingml/2006/main" xmlns:r="http://schemas.openxmlformats.org/officeDocument/2006/relationships" xmlns:p="http://schemas.openxmlformats.org/presentationml/2006/main">
+  <p:cSld>
+    <p:spTree>
+      <p:nvGrpSpPr>
+        <p:cNvPr id="1" name=""/>
+        <p:cNvGrpSpPr/>
+        <p:nvPr/>
+      </p:nvGrpSpPr>
+      <p:grpSpPr>
+        <a:xfrm>
+          <a:off x="0" y="0"/>
+          <a:ext cx="0" cy="0"/>
+          <a:chOff x="0" y="0"/>
+          <a:chExt cx="0" cy="0"/>
+        </a:xfrm>
+      </p:grpSpPr>
+      <p:sp>
+        <p:nvSpPr>
+          <p:cNvPr id="2" name="제목 1"/>
+          <p:cNvSpPr>
+            <a:spLocks noGrp="1"/>
+          </p:cNvSpPr>
+          <p:nvPr>
+            <p:ph type="title"/>
+          </p:nvPr>
+        </p:nvSpPr>
+        <p:spPr/>
+        <p:txBody>
+          <a:bodyPr/>
+          <a:lstStyle/>
+          <a:p>
+            <a:r>
+              <a:rPr lang="en-US" altLang="ko-KR" dirty="0" smtClean="0"/>
               <a:t>Preference</a:t>
             </a:r>
             <a:endParaRPr lang="ko-KR" altLang="en-US" dirty="0"/>
@@ -13422,143 +14044,6 @@
           <a:xfrm>
             <a:off x="3457165" y="3645024"/>
             <a:ext cx="5363307" cy="2845444"/>
-          </a:xfrm>
-          <a:prstGeom prst="rect">
-            <a:avLst/>
-          </a:prstGeom>
-          <a:noFill/>
-        </p:spPr>
-      </p:pic>
-    </p:spTree>
-  </p:cSld>
-  <p:clrMapOvr>
-    <a:masterClrMapping/>
-  </p:clrMapOvr>
-  <p:timing>
-    <p:tnLst>
-      <p:par>
-        <p:cTn id="1" dur="indefinite" restart="never" nodeType="tmRoot"/>
-      </p:par>
-    </p:tnLst>
-  </p:timing>
-</p:sld>
-</file>
-
-<file path=ppt/slides/slide21.xml><?xml version="1.0" encoding="utf-8"?>
-<p:sld xmlns:a="http://schemas.openxmlformats.org/drawingml/2006/main" xmlns:r="http://schemas.openxmlformats.org/officeDocument/2006/relationships" xmlns:p="http://schemas.openxmlformats.org/presentationml/2006/main">
-  <p:cSld>
-    <p:spTree>
-      <p:nvGrpSpPr>
-        <p:cNvPr id="1" name=""/>
-        <p:cNvGrpSpPr/>
-        <p:nvPr/>
-      </p:nvGrpSpPr>
-      <p:grpSpPr>
-        <a:xfrm>
-          <a:off x="0" y="0"/>
-          <a:ext cx="0" cy="0"/>
-          <a:chOff x="0" y="0"/>
-          <a:chExt cx="0" cy="0"/>
-        </a:xfrm>
-      </p:grpSpPr>
-      <p:sp>
-        <p:nvSpPr>
-          <p:cNvPr id="2" name="제목 1"/>
-          <p:cNvSpPr>
-            <a:spLocks noGrp="1"/>
-          </p:cNvSpPr>
-          <p:nvPr>
-            <p:ph type="title"/>
-          </p:nvPr>
-        </p:nvSpPr>
-        <p:spPr/>
-        <p:txBody>
-          <a:bodyPr/>
-          <a:lstStyle/>
-          <a:p>
-            <a:r>
-              <a:rPr lang="en-US" altLang="ko-KR" dirty="0" smtClean="0"/>
-              <a:t>Commands </a:t>
-            </a:r>
-            <a:r>
-              <a:rPr lang="en-US" altLang="ko-KR" dirty="0" smtClean="0"/>
-              <a:t>and Action</a:t>
-            </a:r>
-            <a:endParaRPr lang="ko-KR" altLang="en-US" dirty="0"/>
-          </a:p>
-        </p:txBody>
-      </p:sp>
-      <p:pic>
-        <p:nvPicPr>
-          <p:cNvPr id="13314" name="Picture 2" descr="C:\Users\hangum\AppData\Local\Temp\msohtmlclip1\01\clip_image001.png"/>
-          <p:cNvPicPr>
-            <a:picLocks noChangeAspect="1" noChangeArrowheads="1"/>
-          </p:cNvPicPr>
-          <p:nvPr/>
-        </p:nvPicPr>
-        <p:blipFill>
-          <a:blip r:embed="rId2" cstate="print"/>
-          <a:srcRect/>
-          <a:stretch>
-            <a:fillRect/>
-          </a:stretch>
-        </p:blipFill>
-        <p:spPr bwMode="auto">
-          <a:xfrm>
-            <a:off x="4427984" y="1340768"/>
-            <a:ext cx="4476750" cy="2571750"/>
-          </a:xfrm>
-          <a:prstGeom prst="rect">
-            <a:avLst/>
-          </a:prstGeom>
-          <a:noFill/>
-        </p:spPr>
-      </p:pic>
-      <p:pic>
-        <p:nvPicPr>
-          <p:cNvPr id="13316" name="Picture 4" descr="C:\Users\hangum\AppData\Local\Temp\msohtmlclip1\01\clip_image001.png"/>
-          <p:cNvPicPr>
-            <a:picLocks noChangeAspect="1" noChangeArrowheads="1"/>
-          </p:cNvPicPr>
-          <p:nvPr/>
-        </p:nvPicPr>
-        <p:blipFill>
-          <a:blip r:embed="rId3" cstate="print"/>
-          <a:srcRect/>
-          <a:stretch>
-            <a:fillRect/>
-          </a:stretch>
-        </p:blipFill>
-        <p:spPr bwMode="auto">
-          <a:xfrm>
-            <a:off x="539552" y="2348880"/>
-            <a:ext cx="5602382" cy="3528392"/>
-          </a:xfrm>
-          <a:prstGeom prst="rect">
-            <a:avLst/>
-          </a:prstGeom>
-          <a:noFill/>
-        </p:spPr>
-      </p:pic>
-      <p:pic>
-        <p:nvPicPr>
-          <p:cNvPr id="13318" name="Picture 6" descr="C:\Users\hangum\AppData\Local\Temp\msohtmlclip1\01\clip_image001.png"/>
-          <p:cNvPicPr>
-            <a:picLocks noChangeAspect="1" noChangeArrowheads="1"/>
-          </p:cNvPicPr>
-          <p:nvPr/>
-        </p:nvPicPr>
-        <p:blipFill>
-          <a:blip r:embed="rId4" cstate="print"/>
-          <a:srcRect/>
-          <a:stretch>
-            <a:fillRect/>
-          </a:stretch>
-        </p:blipFill>
-        <p:spPr bwMode="auto">
-          <a:xfrm>
-            <a:off x="4860032" y="4581128"/>
-            <a:ext cx="4058016" cy="2125365"/>
           </a:xfrm>
           <a:prstGeom prst="rect">
             <a:avLst/>
@@ -13615,7 +14100,7 @@
           <a:p>
             <a:r>
               <a:rPr lang="en-US" altLang="ko-KR" dirty="0" smtClean="0"/>
-              <a:t>Viewer(Object Explorer)</a:t>
+              <a:t>Commands and Action</a:t>
             </a:r>
             <a:endParaRPr lang="ko-KR" altLang="en-US" dirty="0"/>
           </a:p>
@@ -13623,7 +14108,7 @@
       </p:sp>
       <p:pic>
         <p:nvPicPr>
-          <p:cNvPr id="17412" name="Picture 4" descr="C:\Users\hangum\AppData\Local\Temp\msohtmlclip1\01\clip_image001.png"/>
+          <p:cNvPr id="13314" name="Picture 2" descr="C:\Users\hangum\AppData\Local\Temp\msohtmlclip1\01\clip_image001.png"/>
           <p:cNvPicPr>
             <a:picLocks noChangeAspect="1" noChangeArrowheads="1"/>
           </p:cNvPicPr>
@@ -13638,8 +14123,8 @@
         </p:blipFill>
         <p:spPr bwMode="auto">
           <a:xfrm>
-            <a:off x="6540946" y="1345968"/>
-            <a:ext cx="2351534" cy="4963352"/>
+            <a:off x="4427984" y="1340768"/>
+            <a:ext cx="4476750" cy="2571750"/>
           </a:xfrm>
           <a:prstGeom prst="rect">
             <a:avLst/>
@@ -13649,7 +14134,7 @@
       </p:pic>
       <p:pic>
         <p:nvPicPr>
-          <p:cNvPr id="17410" name="Picture 2" descr="C:\Users\hangum\AppData\Local\Temp\msohtmlclip1\01\clip_image001.png"/>
+          <p:cNvPr id="13316" name="Picture 4" descr="C:\Users\hangum\AppData\Local\Temp\msohtmlclip1\01\clip_image001.png"/>
           <p:cNvPicPr>
             <a:picLocks noChangeAspect="1" noChangeArrowheads="1"/>
           </p:cNvPicPr>
@@ -13664,8 +14149,8 @@
         </p:blipFill>
         <p:spPr bwMode="auto">
           <a:xfrm>
-            <a:off x="611560" y="1879699"/>
-            <a:ext cx="5832648" cy="2557413"/>
+            <a:off x="539552" y="2492896"/>
+            <a:ext cx="5602382" cy="3528392"/>
           </a:xfrm>
           <a:prstGeom prst="rect">
             <a:avLst/>
@@ -13675,7 +14160,7 @@
       </p:pic>
       <p:pic>
         <p:nvPicPr>
-          <p:cNvPr id="17414" name="Picture 6" descr="C:\Users\hangum\AppData\Local\Temp\msohtmlclip1\01\clip_image001.png"/>
+          <p:cNvPr id="13318" name="Picture 6" descr="C:\Users\hangum\AppData\Local\Temp\msohtmlclip1\01\clip_image001.png"/>
           <p:cNvPicPr>
             <a:picLocks noChangeAspect="1" noChangeArrowheads="1"/>
           </p:cNvPicPr>
@@ -13690,8 +14175,8 @@
         </p:blipFill>
         <p:spPr bwMode="auto">
           <a:xfrm>
-            <a:off x="611561" y="4530903"/>
-            <a:ext cx="5832648" cy="1778417"/>
+            <a:off x="4860032" y="4581128"/>
+            <a:ext cx="4058016" cy="2125365"/>
           </a:xfrm>
           <a:prstGeom prst="rect">
             <a:avLst/>
@@ -13748,6 +14233,139 @@
           <a:p>
             <a:r>
               <a:rPr lang="en-US" altLang="ko-KR" dirty="0" smtClean="0"/>
+              <a:t>Viewer(Object Explorer)</a:t>
+            </a:r>
+            <a:endParaRPr lang="ko-KR" altLang="en-US" dirty="0"/>
+          </a:p>
+        </p:txBody>
+      </p:sp>
+      <p:pic>
+        <p:nvPicPr>
+          <p:cNvPr id="17412" name="Picture 4" descr="C:\Users\hangum\AppData\Local\Temp\msohtmlclip1\01\clip_image001.png"/>
+          <p:cNvPicPr>
+            <a:picLocks noChangeAspect="1" noChangeArrowheads="1"/>
+          </p:cNvPicPr>
+          <p:nvPr/>
+        </p:nvPicPr>
+        <p:blipFill>
+          <a:blip r:embed="rId2" cstate="print"/>
+          <a:srcRect/>
+          <a:stretch>
+            <a:fillRect/>
+          </a:stretch>
+        </p:blipFill>
+        <p:spPr bwMode="auto">
+          <a:xfrm>
+            <a:off x="6540946" y="1345968"/>
+            <a:ext cx="2351534" cy="4963352"/>
+          </a:xfrm>
+          <a:prstGeom prst="rect">
+            <a:avLst/>
+          </a:prstGeom>
+          <a:noFill/>
+        </p:spPr>
+      </p:pic>
+      <p:pic>
+        <p:nvPicPr>
+          <p:cNvPr id="17410" name="Picture 2" descr="C:\Users\hangum\AppData\Local\Temp\msohtmlclip1\01\clip_image001.png"/>
+          <p:cNvPicPr>
+            <a:picLocks noChangeAspect="1" noChangeArrowheads="1"/>
+          </p:cNvPicPr>
+          <p:nvPr/>
+        </p:nvPicPr>
+        <p:blipFill>
+          <a:blip r:embed="rId3" cstate="print"/>
+          <a:srcRect/>
+          <a:stretch>
+            <a:fillRect/>
+          </a:stretch>
+        </p:blipFill>
+        <p:spPr bwMode="auto">
+          <a:xfrm>
+            <a:off x="611560" y="1879699"/>
+            <a:ext cx="5832648" cy="2557413"/>
+          </a:xfrm>
+          <a:prstGeom prst="rect">
+            <a:avLst/>
+          </a:prstGeom>
+          <a:noFill/>
+        </p:spPr>
+      </p:pic>
+      <p:pic>
+        <p:nvPicPr>
+          <p:cNvPr id="17414" name="Picture 6" descr="C:\Users\hangum\AppData\Local\Temp\msohtmlclip1\01\clip_image001.png"/>
+          <p:cNvPicPr>
+            <a:picLocks noChangeAspect="1" noChangeArrowheads="1"/>
+          </p:cNvPicPr>
+          <p:nvPr/>
+        </p:nvPicPr>
+        <p:blipFill>
+          <a:blip r:embed="rId4" cstate="print"/>
+          <a:srcRect/>
+          <a:stretch>
+            <a:fillRect/>
+          </a:stretch>
+        </p:blipFill>
+        <p:spPr bwMode="auto">
+          <a:xfrm>
+            <a:off x="611561" y="4530903"/>
+            <a:ext cx="5832648" cy="1778417"/>
+          </a:xfrm>
+          <a:prstGeom prst="rect">
+            <a:avLst/>
+          </a:prstGeom>
+          <a:noFill/>
+        </p:spPr>
+      </p:pic>
+    </p:spTree>
+  </p:cSld>
+  <p:clrMapOvr>
+    <a:masterClrMapping/>
+  </p:clrMapOvr>
+  <p:timing>
+    <p:tnLst>
+      <p:par>
+        <p:cTn id="1" dur="indefinite" restart="never" nodeType="tmRoot"/>
+      </p:par>
+    </p:tnLst>
+  </p:timing>
+</p:sld>
+</file>
+
+<file path=ppt/slides/slide24.xml><?xml version="1.0" encoding="utf-8"?>
+<p:sld xmlns:a="http://schemas.openxmlformats.org/drawingml/2006/main" xmlns:r="http://schemas.openxmlformats.org/officeDocument/2006/relationships" xmlns:p="http://schemas.openxmlformats.org/presentationml/2006/main">
+  <p:cSld>
+    <p:spTree>
+      <p:nvGrpSpPr>
+        <p:cNvPr id="1" name=""/>
+        <p:cNvGrpSpPr/>
+        <p:nvPr/>
+      </p:nvGrpSpPr>
+      <p:grpSpPr>
+        <a:xfrm>
+          <a:off x="0" y="0"/>
+          <a:ext cx="0" cy="0"/>
+          <a:chOff x="0" y="0"/>
+          <a:chExt cx="0" cy="0"/>
+        </a:xfrm>
+      </p:grpSpPr>
+      <p:sp>
+        <p:nvSpPr>
+          <p:cNvPr id="2" name="제목 1"/>
+          <p:cNvSpPr>
+            <a:spLocks noGrp="1"/>
+          </p:cNvSpPr>
+          <p:nvPr>
+            <p:ph type="title"/>
+          </p:nvPr>
+        </p:nvSpPr>
+        <p:spPr/>
+        <p:txBody>
+          <a:bodyPr/>
+          <a:lstStyle/>
+          <a:p>
+            <a:r>
+              <a:rPr lang="en-US" altLang="ko-KR" dirty="0" smtClean="0"/>
               <a:t>Editor(SQL Editor)</a:t>
             </a:r>
             <a:endParaRPr lang="ko-KR" altLang="en-US" dirty="0"/>
@@ -13847,7 +14465,7 @@
 </p:sld>
 </file>
 
-<file path=ppt/slides/slide24.xml><?xml version="1.0" encoding="utf-8"?>
+<file path=ppt/slides/slide25.xml><?xml version="1.0" encoding="utf-8"?>
 <p:sld xmlns:a="http://schemas.openxmlformats.org/drawingml/2006/main" xmlns:r="http://schemas.openxmlformats.org/officeDocument/2006/relationships" xmlns:p="http://schemas.openxmlformats.org/presentationml/2006/main">
   <p:cSld>
     <p:spTree>
@@ -13985,7 +14603,7 @@
 </p:sld>
 </file>
 
-<file path=ppt/slides/slide25.xml><?xml version="1.0" encoding="utf-8"?>
+<file path=ppt/slides/slide26.xml><?xml version="1.0" encoding="utf-8"?>
 <p:sld xmlns:a="http://schemas.openxmlformats.org/drawingml/2006/main" xmlns:r="http://schemas.openxmlformats.org/officeDocument/2006/relationships" xmlns:p="http://schemas.openxmlformats.org/presentationml/2006/main">
   <p:cSld>
     <p:spTree>
@@ -14051,15 +14669,7 @@
           <a:p>
             <a:r>
               <a:rPr lang="en-US" altLang="ko-KR" dirty="0" smtClean="0"/>
-              <a:t>Model to Java</a:t>
-            </a:r>
-            <a:r>
-              <a:rPr lang="en-US" altLang="ko-KR" dirty="0" smtClean="0"/>
-              <a:t>, Test </a:t>
-            </a:r>
-            <a:r>
-              <a:rPr lang="en-US" altLang="ko-KR" dirty="0" smtClean="0"/>
-              <a:t>code generation</a:t>
+              <a:t>Model to Java, Test code generation</a:t>
             </a:r>
             <a:endParaRPr lang="ko-KR" altLang="en-US" dirty="0"/>
           </a:p>
@@ -14110,139 +14720,6 @@
           <a:xfrm>
             <a:off x="3491880" y="3658879"/>
             <a:ext cx="5422127" cy="2989461"/>
-          </a:xfrm>
-          <a:prstGeom prst="rect">
-            <a:avLst/>
-          </a:prstGeom>
-          <a:noFill/>
-        </p:spPr>
-      </p:pic>
-    </p:spTree>
-  </p:cSld>
-  <p:clrMapOvr>
-    <a:masterClrMapping/>
-  </p:clrMapOvr>
-  <p:timing>
-    <p:tnLst>
-      <p:par>
-        <p:cTn id="1" dur="indefinite" restart="never" nodeType="tmRoot"/>
-      </p:par>
-    </p:tnLst>
-  </p:timing>
-</p:sld>
-</file>
-
-<file path=ppt/slides/slide26.xml><?xml version="1.0" encoding="utf-8"?>
-<p:sld xmlns:a="http://schemas.openxmlformats.org/drawingml/2006/main" xmlns:r="http://schemas.openxmlformats.org/officeDocument/2006/relationships" xmlns:p="http://schemas.openxmlformats.org/presentationml/2006/main">
-  <p:cSld>
-    <p:spTree>
-      <p:nvGrpSpPr>
-        <p:cNvPr id="1" name=""/>
-        <p:cNvGrpSpPr/>
-        <p:nvPr/>
-      </p:nvGrpSpPr>
-      <p:grpSpPr>
-        <a:xfrm>
-          <a:off x="0" y="0"/>
-          <a:ext cx="0" cy="0"/>
-          <a:chOff x="0" y="0"/>
-          <a:chExt cx="0" cy="0"/>
-        </a:xfrm>
-      </p:grpSpPr>
-      <p:sp>
-        <p:nvSpPr>
-          <p:cNvPr id="2" name="제목 1"/>
-          <p:cNvSpPr>
-            <a:spLocks noGrp="1"/>
-          </p:cNvSpPr>
-          <p:nvPr>
-            <p:ph type="title"/>
-          </p:nvPr>
-        </p:nvSpPr>
-        <p:spPr/>
-        <p:txBody>
-          <a:bodyPr/>
-          <a:lstStyle/>
-          <a:p>
-            <a:r>
-              <a:rPr lang="en-US" altLang="ko-KR" dirty="0" smtClean="0"/>
-              <a:t>GEF(ERD)</a:t>
-            </a:r>
-            <a:endParaRPr lang="ko-KR" altLang="en-US" dirty="0"/>
-          </a:p>
-        </p:txBody>
-      </p:sp>
-      <p:pic>
-        <p:nvPicPr>
-          <p:cNvPr id="15362" name="Picture 2" descr="C:\Users\hangum\AppData\Local\Temp\msohtmlclip1\01\clip_image001.png"/>
-          <p:cNvPicPr>
-            <a:picLocks noChangeAspect="1" noChangeArrowheads="1"/>
-          </p:cNvPicPr>
-          <p:nvPr/>
-        </p:nvPicPr>
-        <p:blipFill>
-          <a:blip r:embed="rId2" cstate="print"/>
-          <a:srcRect/>
-          <a:stretch>
-            <a:fillRect/>
-          </a:stretch>
-        </p:blipFill>
-        <p:spPr bwMode="auto">
-          <a:xfrm>
-            <a:off x="827584" y="2276872"/>
-            <a:ext cx="5508065" cy="3133477"/>
-          </a:xfrm>
-          <a:prstGeom prst="rect">
-            <a:avLst/>
-          </a:prstGeom>
-          <a:noFill/>
-        </p:spPr>
-      </p:pic>
-      <p:pic>
-        <p:nvPicPr>
-          <p:cNvPr id="5" name="Picture 4" descr="C:\Users\hangum\AppData\Local\Temp\msohtmlclip1\01\clip_image001.png"/>
-          <p:cNvPicPr>
-            <a:picLocks noChangeAspect="1" noChangeArrowheads="1"/>
-          </p:cNvPicPr>
-          <p:nvPr/>
-        </p:nvPicPr>
-        <p:blipFill>
-          <a:blip r:embed="rId3" cstate="print"/>
-          <a:srcRect/>
-          <a:stretch>
-            <a:fillRect/>
-          </a:stretch>
-        </p:blipFill>
-        <p:spPr bwMode="auto">
-          <a:xfrm>
-            <a:off x="6002355" y="295523"/>
-            <a:ext cx="2880320" cy="3485843"/>
-          </a:xfrm>
-          <a:prstGeom prst="rect">
-            <a:avLst/>
-          </a:prstGeom>
-          <a:noFill/>
-        </p:spPr>
-      </p:pic>
-      <p:pic>
-        <p:nvPicPr>
-          <p:cNvPr id="15364" name="Picture 4" descr="C:\Users\hangum\AppData\Local\Temp\msohtmlclip1\01\clip_image001.png"/>
-          <p:cNvPicPr>
-            <a:picLocks noChangeAspect="1" noChangeArrowheads="1"/>
-          </p:cNvPicPr>
-          <p:nvPr/>
-        </p:nvPicPr>
-        <p:blipFill>
-          <a:blip r:embed="rId4" cstate="print"/>
-          <a:srcRect/>
-          <a:stretch>
-            <a:fillRect/>
-          </a:stretch>
-        </p:blipFill>
-        <p:spPr bwMode="auto">
-          <a:xfrm>
-            <a:off x="4634203" y="4327971"/>
-            <a:ext cx="4258277" cy="2269381"/>
           </a:xfrm>
           <a:prstGeom prst="rect">
             <a:avLst/>
@@ -14299,6 +14776,139 @@
           <a:p>
             <a:r>
               <a:rPr lang="en-US" altLang="ko-KR" dirty="0" smtClean="0"/>
+              <a:t>GEF(ERD)</a:t>
+            </a:r>
+            <a:endParaRPr lang="ko-KR" altLang="en-US" dirty="0"/>
+          </a:p>
+        </p:txBody>
+      </p:sp>
+      <p:pic>
+        <p:nvPicPr>
+          <p:cNvPr id="15362" name="Picture 2" descr="C:\Users\hangum\AppData\Local\Temp\msohtmlclip1\01\clip_image001.png"/>
+          <p:cNvPicPr>
+            <a:picLocks noChangeAspect="1" noChangeArrowheads="1"/>
+          </p:cNvPicPr>
+          <p:nvPr/>
+        </p:nvPicPr>
+        <p:blipFill>
+          <a:blip r:embed="rId2" cstate="print"/>
+          <a:srcRect/>
+          <a:stretch>
+            <a:fillRect/>
+          </a:stretch>
+        </p:blipFill>
+        <p:spPr bwMode="auto">
+          <a:xfrm>
+            <a:off x="827584" y="2276872"/>
+            <a:ext cx="5508065" cy="3133477"/>
+          </a:xfrm>
+          <a:prstGeom prst="rect">
+            <a:avLst/>
+          </a:prstGeom>
+          <a:noFill/>
+        </p:spPr>
+      </p:pic>
+      <p:pic>
+        <p:nvPicPr>
+          <p:cNvPr id="5" name="Picture 4" descr="C:\Users\hangum\AppData\Local\Temp\msohtmlclip1\01\clip_image001.png"/>
+          <p:cNvPicPr>
+            <a:picLocks noChangeAspect="1" noChangeArrowheads="1"/>
+          </p:cNvPicPr>
+          <p:nvPr/>
+        </p:nvPicPr>
+        <p:blipFill>
+          <a:blip r:embed="rId3" cstate="print"/>
+          <a:srcRect/>
+          <a:stretch>
+            <a:fillRect/>
+          </a:stretch>
+        </p:blipFill>
+        <p:spPr bwMode="auto">
+          <a:xfrm>
+            <a:off x="6002355" y="295523"/>
+            <a:ext cx="2880320" cy="3485843"/>
+          </a:xfrm>
+          <a:prstGeom prst="rect">
+            <a:avLst/>
+          </a:prstGeom>
+          <a:noFill/>
+        </p:spPr>
+      </p:pic>
+      <p:pic>
+        <p:nvPicPr>
+          <p:cNvPr id="15364" name="Picture 4" descr="C:\Users\hangum\AppData\Local\Temp\msohtmlclip1\01\clip_image001.png"/>
+          <p:cNvPicPr>
+            <a:picLocks noChangeAspect="1" noChangeArrowheads="1"/>
+          </p:cNvPicPr>
+          <p:nvPr/>
+        </p:nvPicPr>
+        <p:blipFill>
+          <a:blip r:embed="rId4" cstate="print"/>
+          <a:srcRect/>
+          <a:stretch>
+            <a:fillRect/>
+          </a:stretch>
+        </p:blipFill>
+        <p:spPr bwMode="auto">
+          <a:xfrm>
+            <a:off x="4634203" y="4327971"/>
+            <a:ext cx="4258277" cy="2269381"/>
+          </a:xfrm>
+          <a:prstGeom prst="rect">
+            <a:avLst/>
+          </a:prstGeom>
+          <a:noFill/>
+        </p:spPr>
+      </p:pic>
+    </p:spTree>
+  </p:cSld>
+  <p:clrMapOvr>
+    <a:masterClrMapping/>
+  </p:clrMapOvr>
+  <p:timing>
+    <p:tnLst>
+      <p:par>
+        <p:cTn id="1" dur="indefinite" restart="never" nodeType="tmRoot"/>
+      </p:par>
+    </p:tnLst>
+  </p:timing>
+</p:sld>
+</file>
+
+<file path=ppt/slides/slide28.xml><?xml version="1.0" encoding="utf-8"?>
+<p:sld xmlns:a="http://schemas.openxmlformats.org/drawingml/2006/main" xmlns:r="http://schemas.openxmlformats.org/officeDocument/2006/relationships" xmlns:p="http://schemas.openxmlformats.org/presentationml/2006/main">
+  <p:cSld>
+    <p:spTree>
+      <p:nvGrpSpPr>
+        <p:cNvPr id="1" name=""/>
+        <p:cNvGrpSpPr/>
+        <p:nvPr/>
+      </p:nvGrpSpPr>
+      <p:grpSpPr>
+        <a:xfrm>
+          <a:off x="0" y="0"/>
+          <a:ext cx="0" cy="0"/>
+          <a:chOff x="0" y="0"/>
+          <a:chExt cx="0" cy="0"/>
+        </a:xfrm>
+      </p:grpSpPr>
+      <p:sp>
+        <p:nvSpPr>
+          <p:cNvPr id="2" name="제목 1"/>
+          <p:cNvSpPr>
+            <a:spLocks noGrp="1"/>
+          </p:cNvSpPr>
+          <p:nvPr>
+            <p:ph type="title"/>
+          </p:nvPr>
+        </p:nvSpPr>
+        <p:spPr/>
+        <p:txBody>
+          <a:bodyPr/>
+          <a:lstStyle/>
+          <a:p>
+            <a:r>
+              <a:rPr lang="en-US" altLang="ko-KR" dirty="0" smtClean="0"/>
               <a:t>Themes(CSS)</a:t>
             </a:r>
             <a:endParaRPr lang="ko-KR" altLang="en-US" dirty="0"/>
@@ -14546,132 +15156,6 @@
           <a:xfrm>
             <a:off x="6693371" y="6165304"/>
             <a:ext cx="542925" cy="266700"/>
-          </a:xfrm>
-          <a:prstGeom prst="rect">
-            <a:avLst/>
-          </a:prstGeom>
-          <a:noFill/>
-        </p:spPr>
-      </p:pic>
-    </p:spTree>
-  </p:cSld>
-  <p:clrMapOvr>
-    <a:masterClrMapping/>
-  </p:clrMapOvr>
-</p:sld>
-</file>
-
-<file path=ppt/slides/slide28.xml><?xml version="1.0" encoding="utf-8"?>
-<p:sld xmlns:a="http://schemas.openxmlformats.org/drawingml/2006/main" xmlns:r="http://schemas.openxmlformats.org/officeDocument/2006/relationships" xmlns:p="http://schemas.openxmlformats.org/presentationml/2006/main">
-  <p:cSld>
-    <p:spTree>
-      <p:nvGrpSpPr>
-        <p:cNvPr id="1" name=""/>
-        <p:cNvGrpSpPr/>
-        <p:nvPr/>
-      </p:nvGrpSpPr>
-      <p:grpSpPr>
-        <a:xfrm>
-          <a:off x="0" y="0"/>
-          <a:ext cx="0" cy="0"/>
-          <a:chOff x="0" y="0"/>
-          <a:chExt cx="0" cy="0"/>
-        </a:xfrm>
-      </p:grpSpPr>
-      <p:sp>
-        <p:nvSpPr>
-          <p:cNvPr id="2" name="제목 1"/>
-          <p:cNvSpPr>
-            <a:spLocks noGrp="1"/>
-          </p:cNvSpPr>
-          <p:nvPr>
-            <p:ph type="title"/>
-          </p:nvPr>
-        </p:nvSpPr>
-        <p:spPr/>
-        <p:txBody>
-          <a:bodyPr/>
-          <a:lstStyle/>
-          <a:p>
-            <a:r>
-              <a:rPr lang="en-US" altLang="ko-KR" dirty="0" smtClean="0"/>
-              <a:t>File upload</a:t>
-            </a:r>
-            <a:endParaRPr lang="ko-KR" altLang="en-US" dirty="0"/>
-          </a:p>
-        </p:txBody>
-      </p:sp>
-      <p:pic>
-        <p:nvPicPr>
-          <p:cNvPr id="9220" name="Picture 4" descr="C:\Users\hangum\AppData\Local\Temp\msohtmlclip1\01\clip_image001.png"/>
-          <p:cNvPicPr>
-            <a:picLocks noChangeAspect="1" noChangeArrowheads="1"/>
-          </p:cNvPicPr>
-          <p:nvPr/>
-        </p:nvPicPr>
-        <p:blipFill>
-          <a:blip r:embed="rId2" cstate="print"/>
-          <a:srcRect/>
-          <a:stretch>
-            <a:fillRect/>
-          </a:stretch>
-        </p:blipFill>
-        <p:spPr bwMode="auto">
-          <a:xfrm>
-            <a:off x="611560" y="3068960"/>
-            <a:ext cx="5486400" cy="3486150"/>
-          </a:xfrm>
-          <a:prstGeom prst="rect">
-            <a:avLst/>
-          </a:prstGeom>
-          <a:noFill/>
-        </p:spPr>
-      </p:pic>
-      <p:pic>
-        <p:nvPicPr>
-          <p:cNvPr id="9222" name="Picture 6" descr="C:\Users\hangum\AppData\Local\Temp\msohtmlclip1\01\clip_image001.png"/>
-          <p:cNvPicPr>
-            <a:picLocks noChangeAspect="1" noChangeArrowheads="1"/>
-          </p:cNvPicPr>
-          <p:nvPr/>
-        </p:nvPicPr>
-        <p:blipFill>
-          <a:blip r:embed="rId3" cstate="print"/>
-          <a:srcRect/>
-          <a:stretch>
-            <a:fillRect/>
-          </a:stretch>
-        </p:blipFill>
-        <p:spPr bwMode="auto">
-          <a:xfrm>
-            <a:off x="611560" y="1988840"/>
-            <a:ext cx="4067175" cy="1028700"/>
-          </a:xfrm>
-          <a:prstGeom prst="rect">
-            <a:avLst/>
-          </a:prstGeom>
-          <a:noFill/>
-        </p:spPr>
-      </p:pic>
-      <p:pic>
-        <p:nvPicPr>
-          <p:cNvPr id="9218" name="Picture 2" descr="C:\Users\hangum\AppData\Local\Temp\msohtmlclip1\01\clip_image001.png"/>
-          <p:cNvPicPr>
-            <a:picLocks noChangeAspect="1" noChangeArrowheads="1"/>
-          </p:cNvPicPr>
-          <p:nvPr/>
-        </p:nvPicPr>
-        <p:blipFill>
-          <a:blip r:embed="rId4" cstate="print"/>
-          <a:srcRect/>
-          <a:stretch>
-            <a:fillRect/>
-          </a:stretch>
-        </p:blipFill>
-        <p:spPr bwMode="auto">
-          <a:xfrm>
-            <a:off x="4282976" y="1124744"/>
-            <a:ext cx="4681512" cy="2880320"/>
           </a:xfrm>
           <a:prstGeom prst="rect">
             <a:avLst/>
@@ -14721,37 +15205,7 @@
           <a:p>
             <a:r>
               <a:rPr lang="en-US" altLang="ko-KR" dirty="0" smtClean="0"/>
-              <a:t>Session</a:t>
-            </a:r>
-            <a:endParaRPr lang="ko-KR" altLang="en-US" dirty="0"/>
-          </a:p>
-        </p:txBody>
-      </p:sp>
-      <p:sp>
-        <p:nvSpPr>
-          <p:cNvPr id="3" name="내용 개체 틀 2"/>
-          <p:cNvSpPr>
-            <a:spLocks noGrp="1"/>
-          </p:cNvSpPr>
-          <p:nvPr>
-            <p:ph idx="1"/>
-          </p:nvPr>
-        </p:nvSpPr>
-        <p:spPr/>
-        <p:txBody>
-          <a:bodyPr/>
-          <a:lstStyle/>
-          <a:p>
-            <a:r>
-              <a:rPr lang="ko-KR" altLang="en-US" dirty="0" smtClean="0"/>
-              <a:t>사용자 로그인 정보</a:t>
-            </a:r>
-            <a:endParaRPr lang="en-US" altLang="ko-KR" dirty="0" smtClean="0"/>
-          </a:p>
-          <a:p>
-            <a:r>
-              <a:rPr lang="ko-KR" altLang="en-US" dirty="0" smtClean="0"/>
-              <a:t>사용자 기초 정보</a:t>
+              <a:t>File upload</a:t>
             </a:r>
             <a:endParaRPr lang="ko-KR" altLang="en-US" dirty="0"/>
           </a:p>
@@ -14759,7 +15213,7 @@
       </p:sp>
       <p:pic>
         <p:nvPicPr>
-          <p:cNvPr id="8194" name="Picture 2" descr="C:\Users\hangum\AppData\Local\Temp\msohtmlclip1\01\clip_image001.png"/>
+          <p:cNvPr id="9220" name="Picture 4" descr="C:\Users\hangum\AppData\Local\Temp\msohtmlclip1\01\clip_image001.png"/>
           <p:cNvPicPr>
             <a:picLocks noChangeAspect="1" noChangeArrowheads="1"/>
           </p:cNvPicPr>
@@ -14774,8 +15228,60 @@
         </p:blipFill>
         <p:spPr bwMode="auto">
           <a:xfrm>
-            <a:off x="3419872" y="3068960"/>
-            <a:ext cx="5276850" cy="2971800"/>
+            <a:off x="611560" y="3068960"/>
+            <a:ext cx="5486400" cy="3486150"/>
+          </a:xfrm>
+          <a:prstGeom prst="rect">
+            <a:avLst/>
+          </a:prstGeom>
+          <a:noFill/>
+        </p:spPr>
+      </p:pic>
+      <p:pic>
+        <p:nvPicPr>
+          <p:cNvPr id="9222" name="Picture 6" descr="C:\Users\hangum\AppData\Local\Temp\msohtmlclip1\01\clip_image001.png"/>
+          <p:cNvPicPr>
+            <a:picLocks noChangeAspect="1" noChangeArrowheads="1"/>
+          </p:cNvPicPr>
+          <p:nvPr/>
+        </p:nvPicPr>
+        <p:blipFill>
+          <a:blip r:embed="rId3" cstate="print"/>
+          <a:srcRect/>
+          <a:stretch>
+            <a:fillRect/>
+          </a:stretch>
+        </p:blipFill>
+        <p:spPr bwMode="auto">
+          <a:xfrm>
+            <a:off x="611560" y="1988840"/>
+            <a:ext cx="4067175" cy="1028700"/>
+          </a:xfrm>
+          <a:prstGeom prst="rect">
+            <a:avLst/>
+          </a:prstGeom>
+          <a:noFill/>
+        </p:spPr>
+      </p:pic>
+      <p:pic>
+        <p:nvPicPr>
+          <p:cNvPr id="9218" name="Picture 2" descr="C:\Users\hangum\AppData\Local\Temp\msohtmlclip1\01\clip_image001.png"/>
+          <p:cNvPicPr>
+            <a:picLocks noChangeAspect="1" noChangeArrowheads="1"/>
+          </p:cNvPicPr>
+          <p:nvPr/>
+        </p:nvPicPr>
+        <p:blipFill>
+          <a:blip r:embed="rId4" cstate="print"/>
+          <a:srcRect/>
+          <a:stretch>
+            <a:fillRect/>
+          </a:stretch>
+        </p:blipFill>
+        <p:spPr bwMode="auto">
+          <a:xfrm>
+            <a:off x="4282976" y="1124744"/>
+            <a:ext cx="4681512" cy="2880320"/>
           </a:xfrm>
           <a:prstGeom prst="rect">
             <a:avLst/>
@@ -14826,7 +15332,7 @@
         </p:spPr>
         <p:txBody>
           <a:bodyPr>
-            <a:normAutofit fontScale="92500"/>
+            <a:normAutofit fontScale="85000" lnSpcReduction="20000"/>
           </a:bodyPr>
           <a:lstStyle/>
           <a:p>
@@ -14978,11 +15484,45 @@
               <a:rPr lang="en-US" altLang="ko-KR" sz="2200" dirty="0" smtClean="0">
                 <a:hlinkClick r:id="rId3"/>
               </a:rPr>
-              <a:t>http://goo.gl/eu7PQ</a:t>
+              <a:t>http://</a:t>
+            </a:r>
+            <a:r>
+              <a:rPr lang="en-US" altLang="ko-KR" sz="2200" dirty="0" smtClean="0">
+                <a:hlinkClick r:id="rId3"/>
+              </a:rPr>
+              <a:t>goo.gl/eu7PQ</a:t>
             </a:r>
             <a:endParaRPr lang="en-US" altLang="ko-KR" sz="2200" dirty="0" smtClean="0"/>
           </a:p>
           <a:p>
+            <a:pPr lvl="1"/>
+            <a:endParaRPr lang="en-US" altLang="ko-KR" sz="2200" dirty="0" smtClean="0"/>
+          </a:p>
+          <a:p>
+            <a:r>
+              <a:rPr lang="ko-KR" altLang="en-US" dirty="0" smtClean="0"/>
+              <a:t>개발자 매뉴얼</a:t>
+            </a:r>
+            <a:endParaRPr lang="en-US" altLang="ko-KR" dirty="0" smtClean="0"/>
+          </a:p>
+          <a:p>
+            <a:pPr lvl="1"/>
+            <a:r>
+              <a:rPr lang="en-US" altLang="ko-KR" dirty="0" smtClean="0">
+                <a:hlinkClick r:id="rId4"/>
+              </a:rPr>
+              <a:t>http://</a:t>
+            </a:r>
+            <a:r>
+              <a:rPr lang="en-US" altLang="ko-KR" dirty="0" smtClean="0">
+                <a:hlinkClick r:id="rId4"/>
+              </a:rPr>
+              <a:t>goo.gl/h4GkO</a:t>
+            </a:r>
+            <a:endParaRPr lang="en-US" altLang="ko-KR" dirty="0" smtClean="0"/>
+          </a:p>
+          <a:p>
+            <a:pPr lvl="1"/>
             <a:endParaRPr lang="en-US" altLang="ko-KR" dirty="0" smtClean="0"/>
           </a:p>
           <a:p>
@@ -14996,7 +15536,7 @@
             <a:pPr lvl="1"/>
             <a:r>
               <a:rPr lang="en-US" altLang="ko-KR" dirty="0" smtClean="0"/>
-              <a:t>0.0.8 SR3 </a:t>
+              <a:t>0.0.8 SR4 </a:t>
             </a:r>
             <a:r>
               <a:rPr lang="ko-KR" altLang="en-US" dirty="0" smtClean="0"/>
@@ -15009,64 +15549,6 @@
       <p:pic>
         <p:nvPicPr>
           <p:cNvPr id="7" name="Picture 3" descr="C:\Users\hangum\Downloads\TadpoleForDBToolsArch.png"/>
-          <p:cNvPicPr>
-            <a:picLocks noChangeAspect="1" noChangeArrowheads="1"/>
-          </p:cNvPicPr>
-          <p:nvPr/>
-        </p:nvPicPr>
-        <p:blipFill>
-          <a:blip r:embed="rId4" cstate="print"/>
-          <a:srcRect/>
-          <a:stretch>
-            <a:fillRect/>
-          </a:stretch>
-        </p:blipFill>
-        <p:spPr bwMode="auto">
-          <a:xfrm>
-            <a:off x="6265762" y="198019"/>
-            <a:ext cx="2642624" cy="1944215"/>
-          </a:xfrm>
-          <a:prstGeom prst="rect">
-            <a:avLst/>
-          </a:prstGeom>
-          <a:noFill/>
-        </p:spPr>
-      </p:pic>
-      <p:sp>
-        <p:nvSpPr>
-          <p:cNvPr id="10" name="제목 1"/>
-          <p:cNvSpPr>
-            <a:spLocks noGrp="1"/>
-          </p:cNvSpPr>
-          <p:nvPr>
-            <p:ph type="title"/>
-          </p:nvPr>
-        </p:nvSpPr>
-        <p:spPr>
-          <a:xfrm>
-            <a:off x="914400" y="512064"/>
-            <a:ext cx="7772400" cy="914400"/>
-          </a:xfrm>
-        </p:spPr>
-        <p:txBody>
-          <a:bodyPr/>
-          <a:lstStyle/>
-          <a:p>
-            <a:r>
-              <a:rPr lang="ko-KR" altLang="en-US" dirty="0" smtClean="0"/>
-              <a:t>올챙이는</a:t>
-            </a:r>
-            <a:r>
-              <a:rPr lang="en-US" altLang="ko-KR" dirty="0" smtClean="0"/>
-              <a:t>?</a:t>
-            </a:r>
-            <a:endParaRPr lang="ko-KR" altLang="en-US" dirty="0"/>
-          </a:p>
-        </p:txBody>
-      </p:sp>
-      <p:pic>
-        <p:nvPicPr>
-          <p:cNvPr id="8" name="Picture 2" descr="C:\Users\hangum\Pictures\tadpole-erd.png"/>
           <p:cNvPicPr>
             <a:picLocks noChangeAspect="1" noChangeArrowheads="1"/>
           </p:cNvPicPr>
@@ -15081,7 +15563,65 @@
         </p:blipFill>
         <p:spPr bwMode="auto">
           <a:xfrm>
-            <a:off x="5574505" y="3140968"/>
+            <a:off x="6444208" y="198020"/>
+            <a:ext cx="2464178" cy="1812930"/>
+          </a:xfrm>
+          <a:prstGeom prst="rect">
+            <a:avLst/>
+          </a:prstGeom>
+          <a:noFill/>
+        </p:spPr>
+      </p:pic>
+      <p:sp>
+        <p:nvSpPr>
+          <p:cNvPr id="10" name="제목 1"/>
+          <p:cNvSpPr>
+            <a:spLocks noGrp="1"/>
+          </p:cNvSpPr>
+          <p:nvPr>
+            <p:ph type="title"/>
+          </p:nvPr>
+        </p:nvSpPr>
+        <p:spPr>
+          <a:xfrm>
+            <a:off x="914400" y="512064"/>
+            <a:ext cx="7772400" cy="914400"/>
+          </a:xfrm>
+        </p:spPr>
+        <p:txBody>
+          <a:bodyPr/>
+          <a:lstStyle/>
+          <a:p>
+            <a:r>
+              <a:rPr lang="ko-KR" altLang="en-US" dirty="0" smtClean="0"/>
+              <a:t>올챙이는</a:t>
+            </a:r>
+            <a:r>
+              <a:rPr lang="en-US" altLang="ko-KR" dirty="0" smtClean="0"/>
+              <a:t>?</a:t>
+            </a:r>
+            <a:endParaRPr lang="ko-KR" altLang="en-US" dirty="0"/>
+          </a:p>
+        </p:txBody>
+      </p:sp>
+      <p:pic>
+        <p:nvPicPr>
+          <p:cNvPr id="8" name="Picture 2" descr="C:\Users\hangum\Pictures\tadpole-erd.png"/>
+          <p:cNvPicPr>
+            <a:picLocks noChangeAspect="1" noChangeArrowheads="1"/>
+          </p:cNvPicPr>
+          <p:nvPr/>
+        </p:nvPicPr>
+        <p:blipFill>
+          <a:blip r:embed="rId6" cstate="print"/>
+          <a:srcRect/>
+          <a:stretch>
+            <a:fillRect/>
+          </a:stretch>
+        </p:blipFill>
+        <p:spPr bwMode="auto">
+          <a:xfrm>
+            <a:off x="5574505" y="3251330"/>
             <a:ext cx="3317974" cy="3361594"/>
           </a:xfrm>
           <a:prstGeom prst="rect">
@@ -15139,15 +15679,37 @@
           <a:p>
             <a:r>
               <a:rPr lang="en-US" altLang="ko-KR" dirty="0" smtClean="0"/>
-              <a:t>Server Push(</a:t>
-            </a:r>
-            <a:r>
-              <a:rPr lang="en-US" altLang="ko-KR" dirty="0" err="1" smtClean="0"/>
-              <a:t>UICallback</a:t>
-            </a:r>
-            <a:r>
-              <a:rPr lang="en-US" altLang="ko-KR" dirty="0" smtClean="0"/>
-              <a:t>)</a:t>
+              <a:t>Session</a:t>
+            </a:r>
+            <a:endParaRPr lang="ko-KR" altLang="en-US" dirty="0"/>
+          </a:p>
+        </p:txBody>
+      </p:sp>
+      <p:sp>
+        <p:nvSpPr>
+          <p:cNvPr id="3" name="내용 개체 틀 2"/>
+          <p:cNvSpPr>
+            <a:spLocks noGrp="1"/>
+          </p:cNvSpPr>
+          <p:nvPr>
+            <p:ph idx="1"/>
+          </p:nvPr>
+        </p:nvSpPr>
+        <p:spPr/>
+        <p:txBody>
+          <a:bodyPr/>
+          <a:lstStyle/>
+          <a:p>
+            <a:r>
+              <a:rPr lang="ko-KR" altLang="en-US" dirty="0" smtClean="0"/>
+              <a:t>사용자 로그인 정보</a:t>
+            </a:r>
+            <a:endParaRPr lang="en-US" altLang="ko-KR" dirty="0" smtClean="0"/>
+          </a:p>
+          <a:p>
+            <a:r>
+              <a:rPr lang="ko-KR" altLang="en-US" dirty="0" smtClean="0"/>
+              <a:t>사용자 기초 정보</a:t>
             </a:r>
             <a:endParaRPr lang="ko-KR" altLang="en-US" dirty="0"/>
           </a:p>
@@ -15155,7 +15717,7 @@
       </p:sp>
       <p:pic>
         <p:nvPicPr>
-          <p:cNvPr id="7174" name="Picture 6" descr="C:\Users\hangum\AppData\Local\Temp\msohtmlclip1\01\clip_image001.png"/>
+          <p:cNvPr id="8194" name="Picture 2" descr="C:\Users\hangum\AppData\Local\Temp\msohtmlclip1\01\clip_image001.png"/>
           <p:cNvPicPr>
             <a:picLocks noChangeAspect="1" noChangeArrowheads="1"/>
           </p:cNvPicPr>
@@ -15170,34 +15732,8 @@
         </p:blipFill>
         <p:spPr bwMode="auto">
           <a:xfrm>
-            <a:off x="2339752" y="1421777"/>
-            <a:ext cx="6264696" cy="1791199"/>
-          </a:xfrm>
-          <a:prstGeom prst="rect">
-            <a:avLst/>
-          </a:prstGeom>
-          <a:noFill/>
-        </p:spPr>
-      </p:pic>
-      <p:pic>
-        <p:nvPicPr>
-          <p:cNvPr id="7172" name="Picture 4" descr="C:\Users\hangum\AppData\Local\Temp\msohtmlclip1\01\clip_image001.png"/>
-          <p:cNvPicPr>
-            <a:picLocks noChangeAspect="1" noChangeArrowheads="1"/>
-          </p:cNvPicPr>
-          <p:nvPr/>
-        </p:nvPicPr>
-        <p:blipFill>
-          <a:blip r:embed="rId3" cstate="print"/>
-          <a:srcRect/>
-          <a:stretch>
-            <a:fillRect/>
-          </a:stretch>
-        </p:blipFill>
-        <p:spPr bwMode="auto">
-          <a:xfrm>
-            <a:off x="1043608" y="2745820"/>
-            <a:ext cx="4557315" cy="3816657"/>
+            <a:off x="3419872" y="3068960"/>
+            <a:ext cx="5276850" cy="2971800"/>
           </a:xfrm>
           <a:prstGeom prst="rect">
             <a:avLst/>
@@ -15247,46 +15783,15 @@
           <a:p>
             <a:r>
               <a:rPr lang="en-US" altLang="ko-KR" dirty="0" smtClean="0"/>
-              <a:t>feature</a:t>
-            </a:r>
-            <a:endParaRPr lang="ko-KR" altLang="en-US" dirty="0"/>
-          </a:p>
-        </p:txBody>
-      </p:sp>
-      <p:sp>
-        <p:nvSpPr>
-          <p:cNvPr id="3" name="내용 개체 틀 2"/>
-          <p:cNvSpPr>
-            <a:spLocks noGrp="1"/>
-          </p:cNvSpPr>
-          <p:nvPr>
-            <p:ph idx="1"/>
-          </p:nvPr>
-        </p:nvSpPr>
-        <p:spPr/>
-        <p:txBody>
-          <a:bodyPr/>
-          <a:lstStyle/>
-          <a:p>
-            <a:r>
-              <a:rPr lang="ko-KR" altLang="en-US" dirty="0" smtClean="0"/>
-              <a:t>제품의 구조 정의</a:t>
-            </a:r>
-            <a:endParaRPr lang="en-US" altLang="ko-KR" dirty="0" smtClean="0"/>
-          </a:p>
-          <a:p>
-            <a:pPr lvl="1"/>
-            <a:r>
-              <a:rPr lang="ko-KR" altLang="en-US" dirty="0" smtClean="0"/>
-              <a:t>제품의 배포</a:t>
-            </a:r>
-            <a:endParaRPr lang="en-US" altLang="ko-KR" dirty="0" smtClean="0"/>
-          </a:p>
-          <a:p>
-            <a:pPr lvl="1"/>
-            <a:r>
-              <a:rPr lang="ko-KR" altLang="en-US" dirty="0" smtClean="0"/>
-              <a:t>제품의 업데이트</a:t>
+              <a:t>Server Push(</a:t>
+            </a:r>
+            <a:r>
+              <a:rPr lang="en-US" altLang="ko-KR" dirty="0" err="1" smtClean="0"/>
+              <a:t>UICallback</a:t>
+            </a:r>
+            <a:r>
+              <a:rPr lang="en-US" altLang="ko-KR" dirty="0" smtClean="0"/>
+              <a:t>)</a:t>
             </a:r>
             <a:endParaRPr lang="ko-KR" altLang="en-US" dirty="0"/>
           </a:p>
@@ -15294,7 +15799,7 @@
       </p:sp>
       <p:pic>
         <p:nvPicPr>
-          <p:cNvPr id="44034" name="Picture 2" descr="C:\Users\hangum\AppData\Local\Temp\msohtmlclip1\01\clip_image001.png"/>
+          <p:cNvPr id="7174" name="Picture 6" descr="C:\Users\hangum\AppData\Local\Temp\msohtmlclip1\01\clip_image001.png"/>
           <p:cNvPicPr>
             <a:picLocks noChangeAspect="1" noChangeArrowheads="1"/>
           </p:cNvPicPr>
@@ -15309,8 +15814,34 @@
         </p:blipFill>
         <p:spPr bwMode="auto">
           <a:xfrm>
-            <a:off x="4572000" y="2708920"/>
-            <a:ext cx="4114800" cy="2047875"/>
+            <a:off x="2339752" y="1421777"/>
+            <a:ext cx="6264696" cy="1791199"/>
+          </a:xfrm>
+          <a:prstGeom prst="rect">
+            <a:avLst/>
+          </a:prstGeom>
+          <a:noFill/>
+        </p:spPr>
+      </p:pic>
+      <p:pic>
+        <p:nvPicPr>
+          <p:cNvPr id="7172" name="Picture 4" descr="C:\Users\hangum\AppData\Local\Temp\msohtmlclip1\01\clip_image001.png"/>
+          <p:cNvPicPr>
+            <a:picLocks noChangeAspect="1" noChangeArrowheads="1"/>
+          </p:cNvPicPr>
+          <p:nvPr/>
+        </p:nvPicPr>
+        <p:blipFill>
+          <a:blip r:embed="rId3" cstate="print"/>
+          <a:srcRect/>
+          <a:stretch>
+            <a:fillRect/>
+          </a:stretch>
+        </p:blipFill>
+        <p:spPr bwMode="auto">
+          <a:xfrm>
+            <a:off x="1043608" y="2745820"/>
+            <a:ext cx="4557315" cy="3816657"/>
           </a:xfrm>
           <a:prstGeom prst="rect">
             <a:avLst/>
@@ -15360,7 +15891,46 @@
           <a:p>
             <a:r>
               <a:rPr lang="en-US" altLang="ko-KR" dirty="0" smtClean="0"/>
-              <a:t>Test</a:t>
+              <a:t>feature</a:t>
+            </a:r>
+            <a:endParaRPr lang="ko-KR" altLang="en-US" dirty="0"/>
+          </a:p>
+        </p:txBody>
+      </p:sp>
+      <p:sp>
+        <p:nvSpPr>
+          <p:cNvPr id="3" name="내용 개체 틀 2"/>
+          <p:cNvSpPr>
+            <a:spLocks noGrp="1"/>
+          </p:cNvSpPr>
+          <p:nvPr>
+            <p:ph idx="1"/>
+          </p:nvPr>
+        </p:nvSpPr>
+        <p:spPr/>
+        <p:txBody>
+          <a:bodyPr/>
+          <a:lstStyle/>
+          <a:p>
+            <a:r>
+              <a:rPr lang="ko-KR" altLang="en-US" dirty="0" smtClean="0"/>
+              <a:t>제품의 구조 정의</a:t>
+            </a:r>
+            <a:endParaRPr lang="en-US" altLang="ko-KR" dirty="0" smtClean="0"/>
+          </a:p>
+          <a:p>
+            <a:pPr lvl="1"/>
+            <a:r>
+              <a:rPr lang="ko-KR" altLang="en-US" dirty="0" smtClean="0"/>
+              <a:t>제품의 배포</a:t>
+            </a:r>
+            <a:endParaRPr lang="en-US" altLang="ko-KR" dirty="0" smtClean="0"/>
+          </a:p>
+          <a:p>
+            <a:pPr lvl="1"/>
+            <a:r>
+              <a:rPr lang="ko-KR" altLang="en-US" dirty="0" smtClean="0"/>
+              <a:t>제품의 업데이트</a:t>
             </a:r>
             <a:endParaRPr lang="ko-KR" altLang="en-US" dirty="0"/>
           </a:p>
@@ -15368,7 +15938,7 @@
       </p:sp>
       <p:pic>
         <p:nvPicPr>
-          <p:cNvPr id="46084" name="Picture 4" descr="C:\Users\hangum\AppData\Local\Temp\msohtmlclip1\01\clip_image001.png"/>
+          <p:cNvPr id="44034" name="Picture 2" descr="C:\Users\hangum\AppData\Local\Temp\msohtmlclip1\01\clip_image001.png"/>
           <p:cNvPicPr>
             <a:picLocks noChangeAspect="1" noChangeArrowheads="1"/>
           </p:cNvPicPr>
@@ -15383,34 +15953,8 @@
         </p:blipFill>
         <p:spPr bwMode="auto">
           <a:xfrm>
-            <a:off x="4788024" y="260648"/>
-            <a:ext cx="4124325" cy="2705100"/>
-          </a:xfrm>
-          <a:prstGeom prst="rect">
-            <a:avLst/>
-          </a:prstGeom>
-          <a:noFill/>
-        </p:spPr>
-      </p:pic>
-      <p:pic>
-        <p:nvPicPr>
-          <p:cNvPr id="46088" name="Picture 8" descr="C:\Users\hangum\AppData\Local\Temp\msohtmlclip1\01\clip_image001.png"/>
-          <p:cNvPicPr>
-            <a:picLocks noChangeAspect="1" noChangeArrowheads="1"/>
-          </p:cNvPicPr>
-          <p:nvPr/>
-        </p:nvPicPr>
-        <p:blipFill>
-          <a:blip r:embed="rId3" cstate="print"/>
-          <a:srcRect/>
-          <a:stretch>
-            <a:fillRect/>
-          </a:stretch>
-        </p:blipFill>
-        <p:spPr bwMode="auto">
-          <a:xfrm>
-            <a:off x="899592" y="2636912"/>
-            <a:ext cx="6480720" cy="3988729"/>
+            <a:off x="4572000" y="2708920"/>
+            <a:ext cx="4114800" cy="2047875"/>
           </a:xfrm>
           <a:prstGeom prst="rect">
             <a:avLst/>
@@ -15460,6 +16004,106 @@
           <a:p>
             <a:r>
               <a:rPr lang="en-US" altLang="ko-KR" dirty="0" smtClean="0"/>
+              <a:t>Test</a:t>
+            </a:r>
+            <a:endParaRPr lang="ko-KR" altLang="en-US" dirty="0"/>
+          </a:p>
+        </p:txBody>
+      </p:sp>
+      <p:pic>
+        <p:nvPicPr>
+          <p:cNvPr id="46084" name="Picture 4" descr="C:\Users\hangum\AppData\Local\Temp\msohtmlclip1\01\clip_image001.png"/>
+          <p:cNvPicPr>
+            <a:picLocks noChangeAspect="1" noChangeArrowheads="1"/>
+          </p:cNvPicPr>
+          <p:nvPr/>
+        </p:nvPicPr>
+        <p:blipFill>
+          <a:blip r:embed="rId2" cstate="print"/>
+          <a:srcRect/>
+          <a:stretch>
+            <a:fillRect/>
+          </a:stretch>
+        </p:blipFill>
+        <p:spPr bwMode="auto">
+          <a:xfrm>
+            <a:off x="4788024" y="260648"/>
+            <a:ext cx="4124325" cy="2705100"/>
+          </a:xfrm>
+          <a:prstGeom prst="rect">
+            <a:avLst/>
+          </a:prstGeom>
+          <a:noFill/>
+        </p:spPr>
+      </p:pic>
+      <p:pic>
+        <p:nvPicPr>
+          <p:cNvPr id="46088" name="Picture 8" descr="C:\Users\hangum\AppData\Local\Temp\msohtmlclip1\01\clip_image001.png"/>
+          <p:cNvPicPr>
+            <a:picLocks noChangeAspect="1" noChangeArrowheads="1"/>
+          </p:cNvPicPr>
+          <p:nvPr/>
+        </p:nvPicPr>
+        <p:blipFill>
+          <a:blip r:embed="rId3" cstate="print"/>
+          <a:srcRect/>
+          <a:stretch>
+            <a:fillRect/>
+          </a:stretch>
+        </p:blipFill>
+        <p:spPr bwMode="auto">
+          <a:xfrm>
+            <a:off x="899592" y="2636912"/>
+            <a:ext cx="6480720" cy="3988729"/>
+          </a:xfrm>
+          <a:prstGeom prst="rect">
+            <a:avLst/>
+          </a:prstGeom>
+          <a:noFill/>
+        </p:spPr>
+      </p:pic>
+    </p:spTree>
+  </p:cSld>
+  <p:clrMapOvr>
+    <a:masterClrMapping/>
+  </p:clrMapOvr>
+</p:sld>
+</file>
+
+<file path=ppt/slides/slide34.xml><?xml version="1.0" encoding="utf-8"?>
+<p:sld xmlns:a="http://schemas.openxmlformats.org/drawingml/2006/main" xmlns:r="http://schemas.openxmlformats.org/officeDocument/2006/relationships" xmlns:p="http://schemas.openxmlformats.org/presentationml/2006/main">
+  <p:cSld>
+    <p:spTree>
+      <p:nvGrpSpPr>
+        <p:cNvPr id="1" name=""/>
+        <p:cNvGrpSpPr/>
+        <p:nvPr/>
+      </p:nvGrpSpPr>
+      <p:grpSpPr>
+        <a:xfrm>
+          <a:off x="0" y="0"/>
+          <a:ext cx="0" cy="0"/>
+          <a:chOff x="0" y="0"/>
+          <a:chExt cx="0" cy="0"/>
+        </a:xfrm>
+      </p:grpSpPr>
+      <p:sp>
+        <p:nvSpPr>
+          <p:cNvPr id="2" name="제목 1"/>
+          <p:cNvSpPr>
+            <a:spLocks noGrp="1"/>
+          </p:cNvSpPr>
+          <p:nvPr>
+            <p:ph type="title"/>
+          </p:nvPr>
+        </p:nvSpPr>
+        <p:spPr/>
+        <p:txBody>
+          <a:bodyPr/>
+          <a:lstStyle/>
+          <a:p>
+            <a:r>
+              <a:rPr lang="en-US" altLang="ko-KR" dirty="0" smtClean="0"/>
               <a:t>Product(Standalone)</a:t>
             </a:r>
             <a:endParaRPr lang="ko-KR" altLang="en-US" dirty="0"/>
@@ -15552,7 +16196,7 @@
 </p:sld>
 </file>
 
-<file path=ppt/slides/slide34.xml><?xml version="1.0" encoding="utf-8"?>
+<file path=ppt/slides/slide35.xml><?xml version="1.0" encoding="utf-8"?>
 <p:sld xmlns:a="http://schemas.openxmlformats.org/drawingml/2006/main" xmlns:r="http://schemas.openxmlformats.org/officeDocument/2006/relationships" xmlns:p="http://schemas.openxmlformats.org/presentationml/2006/main">
   <p:cSld>
     <p:spTree>
@@ -15678,7 +16322,7 @@
 </p:sld>
 </file>
 
-<file path=ppt/slides/slide35.xml><?xml version="1.0" encoding="utf-8"?>
+<file path=ppt/slides/slide36.xml><?xml version="1.0" encoding="utf-8"?>
 <p:sld xmlns:a="http://schemas.openxmlformats.org/drawingml/2006/main" xmlns:r="http://schemas.openxmlformats.org/officeDocument/2006/relationships" xmlns:p="http://schemas.openxmlformats.org/presentationml/2006/main">
   <p:cSld>
     <p:spTree>
@@ -15748,17 +16392,12 @@
           <a:p>
             <a:r>
               <a:rPr lang="ko-KR" altLang="en-US" dirty="0" smtClean="0"/>
-              <a:t>모르면 일단 </a:t>
-            </a:r>
-            <a:r>
-              <a:rPr lang="ko-KR" altLang="en-US" dirty="0" smtClean="0"/>
-              <a:t>멈추세요</a:t>
+              <a:t>모르면 일단 멈추세요</a:t>
             </a:r>
             <a:r>
               <a:rPr lang="en-US" altLang="ko-KR" dirty="0" smtClean="0"/>
               <a:t>.</a:t>
             </a:r>
-            <a:endParaRPr lang="en-US" altLang="ko-KR" dirty="0" smtClean="0"/>
           </a:p>
           <a:p>
             <a:r>
@@ -15811,9 +16450,86 @@
     </p:spTree>
     <p:extLst>
       <p:ext uri="{BB962C8B-B14F-4D97-AF65-F5344CB8AC3E}">
-        <p14:creationId xmlns:p14="http://schemas.microsoft.com/office/powerpoint/2010/main" val="1402658691"/>
+        <p14:creationId xmlns="" xmlns:p14="http://schemas.microsoft.com/office/powerpoint/2010/main" val="1402658691"/>
       </p:ext>
     </p:extLst>
+  </p:cSld>
+  <p:clrMapOvr>
+    <a:masterClrMapping/>
+  </p:clrMapOvr>
+</p:sld>
+</file>
+
+<file path=ppt/slides/slide37.xml><?xml version="1.0" encoding="utf-8"?>
+<p:sld xmlns:a="http://schemas.openxmlformats.org/drawingml/2006/main" xmlns:r="http://schemas.openxmlformats.org/officeDocument/2006/relationships" xmlns:p="http://schemas.openxmlformats.org/presentationml/2006/main">
+  <p:cSld>
+    <p:spTree>
+      <p:nvGrpSpPr>
+        <p:cNvPr id="1" name=""/>
+        <p:cNvGrpSpPr/>
+        <p:nvPr/>
+      </p:nvGrpSpPr>
+      <p:grpSpPr>
+        <a:xfrm>
+          <a:off x="0" y="0"/>
+          <a:ext cx="0" cy="0"/>
+          <a:chOff x="0" y="0"/>
+          <a:chExt cx="0" cy="0"/>
+        </a:xfrm>
+      </p:grpSpPr>
+      <p:sp>
+        <p:nvSpPr>
+          <p:cNvPr id="2" name="제목 1"/>
+          <p:cNvSpPr>
+            <a:spLocks noGrp="1"/>
+          </p:cNvSpPr>
+          <p:nvPr>
+            <p:ph type="title"/>
+          </p:nvPr>
+        </p:nvSpPr>
+        <p:spPr/>
+        <p:txBody>
+          <a:bodyPr/>
+          <a:lstStyle/>
+          <a:p>
+            <a:r>
+              <a:rPr lang="ko-KR" altLang="en-US" dirty="0" smtClean="0"/>
+              <a:t>참</a:t>
+            </a:r>
+            <a:r>
+              <a:rPr lang="ko-KR" altLang="en-US" dirty="0" smtClean="0"/>
+              <a:t>고</a:t>
+            </a:r>
+            <a:endParaRPr lang="ko-KR" altLang="en-US" dirty="0"/>
+          </a:p>
+        </p:txBody>
+      </p:sp>
+      <p:sp>
+        <p:nvSpPr>
+          <p:cNvPr id="3" name="내용 개체 틀 2"/>
+          <p:cNvSpPr>
+            <a:spLocks noGrp="1"/>
+          </p:cNvSpPr>
+          <p:nvPr>
+            <p:ph idx="1"/>
+          </p:nvPr>
+        </p:nvSpPr>
+        <p:spPr/>
+        <p:txBody>
+          <a:bodyPr/>
+          <a:lstStyle/>
+          <a:p>
+            <a:r>
+              <a:rPr lang="en-US" altLang="ko-KR" dirty="0" smtClean="0">
+                <a:hlinkClick r:id="rId2"/>
+              </a:rPr>
+              <a:t>https://github.com/hangum/TadpoleForDBTools/wiki/Developer-Guide(kor)</a:t>
+            </a:r>
+            <a:endParaRPr lang="ko-KR" altLang="en-US" dirty="0"/>
+          </a:p>
+        </p:txBody>
+      </p:sp>
+    </p:spTree>
   </p:cSld>
   <p:clrMapOvr>
     <a:masterClrMapping/>
@@ -15909,7 +16625,7 @@
     </p:spTree>
     <p:extLst>
       <p:ext uri="{BB962C8B-B14F-4D97-AF65-F5344CB8AC3E}">
-        <p14:creationId xmlns:p14="http://schemas.microsoft.com/office/powerpoint/2010/main" val="1747788611"/>
+        <p14:creationId xmlns="" xmlns:p14="http://schemas.microsoft.com/office/powerpoint/2010/main" val="1747788611"/>
       </p:ext>
     </p:extLst>
   </p:cSld>
@@ -15980,7 +16696,7 @@
           <p:nvPr>
             <p:extLst>
               <p:ext uri="{D42A27DB-BD31-4B8C-83A1-F6EECF244321}">
-                <p14:modId xmlns:p14="http://schemas.microsoft.com/office/powerpoint/2010/main" val="1667482445"/>
+                <p14:modId xmlns="" xmlns:p14="http://schemas.microsoft.com/office/powerpoint/2010/main" val="1667482445"/>
               </p:ext>
             </p:extLst>
           </p:nvPr>
@@ -16282,10 +16998,10 @@
           <p:nvPr/>
         </p:nvPicPr>
         <p:blipFill>
-          <a:blip r:embed="rId3">
+          <a:blip r:embed="rId3" cstate="print">
             <a:extLst>
               <a:ext uri="{28A0092B-C50C-407E-A947-70E740481C1C}">
-                <a14:useLocalDpi xmlns:a14="http://schemas.microsoft.com/office/drawing/2010/main" val="0"/>
+                <a14:useLocalDpi xmlns="" xmlns:a14="http://schemas.microsoft.com/office/drawing/2010/main" val="0"/>
               </a:ext>
             </a:extLst>
           </a:blip>
@@ -16305,7 +17021,7 @@
           <a:noFill/>
           <a:extLst>
             <a:ext uri="{909E8E84-426E-40DD-AFC4-6F175D3DCCD1}">
-              <a14:hiddenFill xmlns:a14="http://schemas.microsoft.com/office/drawing/2010/main">
+              <a14:hiddenFill xmlns="" xmlns:a14="http://schemas.microsoft.com/office/drawing/2010/main">
                 <a:solidFill>
                   <a:srgbClr val="FFFFFF"/>
                 </a:solidFill>
@@ -16317,7 +17033,7 @@
     </p:spTree>
     <p:extLst>
       <p:ext uri="{BB962C8B-B14F-4D97-AF65-F5344CB8AC3E}">
-        <p14:creationId xmlns:p14="http://schemas.microsoft.com/office/powerpoint/2010/main" val="3160814459"/>
+        <p14:creationId xmlns="" xmlns:p14="http://schemas.microsoft.com/office/powerpoint/2010/main" val="3160814459"/>
       </p:ext>
     </p:extLst>
   </p:cSld>
@@ -17666,10 +18382,10 @@
           <p:nvPr/>
         </p:nvPicPr>
         <p:blipFill>
-          <a:blip r:embed="rId9">
+          <a:blip r:embed="rId9" cstate="print">
             <a:extLst>
               <a:ext uri="{28A0092B-C50C-407E-A947-70E740481C1C}">
-                <a14:useLocalDpi xmlns:a14="http://schemas.microsoft.com/office/drawing/2010/main" val="0"/>
+                <a14:useLocalDpi xmlns="" xmlns:a14="http://schemas.microsoft.com/office/drawing/2010/main" val="0"/>
               </a:ext>
             </a:extLst>
           </a:blip>
@@ -17689,7 +18405,7 @@
           <a:noFill/>
           <a:extLst>
             <a:ext uri="{909E8E84-426E-40DD-AFC4-6F175D3DCCD1}">
-              <a14:hiddenFill xmlns:a14="http://schemas.microsoft.com/office/drawing/2010/main">
+              <a14:hiddenFill xmlns="" xmlns:a14="http://schemas.microsoft.com/office/drawing/2010/main">
                 <a:solidFill>
                   <a:srgbClr val="FFFFFF"/>
                 </a:solidFill>
